--- a/绘图.pptx
+++ b/绘图.pptx
@@ -6,6 +6,7 @@
   </p:sldMasterIdLst>
   <p:sldIdLst>
     <p:sldId id="256" r:id="rId2"/>
+    <p:sldId id="257" r:id="rId3"/>
   </p:sldIdLst>
   <p:sldSz cx="12192000" cy="6858000"/>
   <p:notesSz cx="6858000" cy="9144000"/>
@@ -121,6 +122,3030 @@
     </p:ext>
   </p:extLst>
 </p:presentation>
+</file>
+
+<file path=ppt/diagrams/colors1.xml><?xml version="1.0" encoding="utf-8"?>
+<dgm:colorsDef xmlns:dgm="http://schemas.openxmlformats.org/drawingml/2006/diagram" xmlns:a="http://schemas.openxmlformats.org/drawingml/2006/main" uniqueId="urn:microsoft.com/office/officeart/2005/8/colors/accent1_2">
+  <dgm:title val=""/>
+  <dgm:desc val=""/>
+  <dgm:catLst>
+    <dgm:cat type="accent1" pri="11200"/>
+  </dgm:catLst>
+  <dgm:styleLbl name="node0">
+    <dgm:fillClrLst meth="repeat">
+      <a:schemeClr val="accent1"/>
+    </dgm:fillClrLst>
+    <dgm:linClrLst meth="repeat">
+      <a:schemeClr val="lt1"/>
+    </dgm:linClrLst>
+    <dgm:effectClrLst/>
+    <dgm:txLinClrLst/>
+    <dgm:txFillClrLst/>
+    <dgm:txEffectClrLst/>
+  </dgm:styleLbl>
+  <dgm:styleLbl name="alignNode1">
+    <dgm:fillClrLst meth="repeat">
+      <a:schemeClr val="accent1"/>
+    </dgm:fillClrLst>
+    <dgm:linClrLst meth="repeat">
+      <a:schemeClr val="accent1"/>
+    </dgm:linClrLst>
+    <dgm:effectClrLst/>
+    <dgm:txLinClrLst/>
+    <dgm:txFillClrLst/>
+    <dgm:txEffectClrLst/>
+  </dgm:styleLbl>
+  <dgm:styleLbl name="node1">
+    <dgm:fillClrLst meth="repeat">
+      <a:schemeClr val="accent1"/>
+    </dgm:fillClrLst>
+    <dgm:linClrLst meth="repeat">
+      <a:schemeClr val="lt1"/>
+    </dgm:linClrLst>
+    <dgm:effectClrLst/>
+    <dgm:txLinClrLst/>
+    <dgm:txFillClrLst/>
+    <dgm:txEffectClrLst/>
+  </dgm:styleLbl>
+  <dgm:styleLbl name="lnNode1">
+    <dgm:fillClrLst meth="repeat">
+      <a:schemeClr val="accent1"/>
+    </dgm:fillClrLst>
+    <dgm:linClrLst meth="repeat">
+      <a:schemeClr val="lt1"/>
+    </dgm:linClrLst>
+    <dgm:effectClrLst/>
+    <dgm:txLinClrLst/>
+    <dgm:txFillClrLst/>
+    <dgm:txEffectClrLst/>
+  </dgm:styleLbl>
+  <dgm:styleLbl name="vennNode1">
+    <dgm:fillClrLst meth="repeat">
+      <a:schemeClr val="accent1">
+        <a:alpha val="50000"/>
+      </a:schemeClr>
+    </dgm:fillClrLst>
+    <dgm:linClrLst meth="repeat">
+      <a:schemeClr val="lt1"/>
+    </dgm:linClrLst>
+    <dgm:effectClrLst/>
+    <dgm:txLinClrLst/>
+    <dgm:txFillClrLst/>
+    <dgm:txEffectClrLst/>
+  </dgm:styleLbl>
+  <dgm:styleLbl name="node2">
+    <dgm:fillClrLst meth="repeat">
+      <a:schemeClr val="accent1"/>
+    </dgm:fillClrLst>
+    <dgm:linClrLst meth="repeat">
+      <a:schemeClr val="lt1"/>
+    </dgm:linClrLst>
+    <dgm:effectClrLst/>
+    <dgm:txLinClrLst/>
+    <dgm:txFillClrLst/>
+    <dgm:txEffectClrLst/>
+  </dgm:styleLbl>
+  <dgm:styleLbl name="node3">
+    <dgm:fillClrLst meth="repeat">
+      <a:schemeClr val="accent1"/>
+    </dgm:fillClrLst>
+    <dgm:linClrLst meth="repeat">
+      <a:schemeClr val="lt1"/>
+    </dgm:linClrLst>
+    <dgm:effectClrLst/>
+    <dgm:txLinClrLst/>
+    <dgm:txFillClrLst/>
+    <dgm:txEffectClrLst/>
+  </dgm:styleLbl>
+  <dgm:styleLbl name="node4">
+    <dgm:fillClrLst meth="repeat">
+      <a:schemeClr val="accent1"/>
+    </dgm:fillClrLst>
+    <dgm:linClrLst meth="repeat">
+      <a:schemeClr val="lt1"/>
+    </dgm:linClrLst>
+    <dgm:effectClrLst/>
+    <dgm:txLinClrLst/>
+    <dgm:txFillClrLst/>
+    <dgm:txEffectClrLst/>
+  </dgm:styleLbl>
+  <dgm:styleLbl name="fgImgPlace1">
+    <dgm:fillClrLst meth="repeat">
+      <a:schemeClr val="accent1">
+        <a:tint val="50000"/>
+      </a:schemeClr>
+    </dgm:fillClrLst>
+    <dgm:linClrLst meth="repeat">
+      <a:schemeClr val="lt1"/>
+    </dgm:linClrLst>
+    <dgm:effectClrLst/>
+    <dgm:txLinClrLst/>
+    <dgm:txFillClrLst meth="repeat">
+      <a:schemeClr val="lt1"/>
+    </dgm:txFillClrLst>
+    <dgm:txEffectClrLst/>
+  </dgm:styleLbl>
+  <dgm:styleLbl name="alignImgPlace1">
+    <dgm:fillClrLst meth="repeat">
+      <a:schemeClr val="accent1">
+        <a:tint val="50000"/>
+      </a:schemeClr>
+    </dgm:fillClrLst>
+    <dgm:linClrLst meth="repeat">
+      <a:schemeClr val="lt1"/>
+    </dgm:linClrLst>
+    <dgm:effectClrLst/>
+    <dgm:txLinClrLst/>
+    <dgm:txFillClrLst meth="repeat">
+      <a:schemeClr val="lt1"/>
+    </dgm:txFillClrLst>
+    <dgm:txEffectClrLst/>
+  </dgm:styleLbl>
+  <dgm:styleLbl name="bgImgPlace1">
+    <dgm:fillClrLst meth="repeat">
+      <a:schemeClr val="accent1">
+        <a:tint val="50000"/>
+      </a:schemeClr>
+    </dgm:fillClrLst>
+    <dgm:linClrLst meth="repeat">
+      <a:schemeClr val="lt1"/>
+    </dgm:linClrLst>
+    <dgm:effectClrLst/>
+    <dgm:txLinClrLst/>
+    <dgm:txFillClrLst meth="repeat">
+      <a:schemeClr val="lt1"/>
+    </dgm:txFillClrLst>
+    <dgm:txEffectClrLst/>
+  </dgm:styleLbl>
+  <dgm:styleLbl name="sibTrans2D1">
+    <dgm:fillClrLst meth="repeat">
+      <a:schemeClr val="accent1">
+        <a:tint val="60000"/>
+      </a:schemeClr>
+    </dgm:fillClrLst>
+    <dgm:linClrLst meth="repeat">
+      <a:schemeClr val="accent1">
+        <a:tint val="60000"/>
+      </a:schemeClr>
+    </dgm:linClrLst>
+    <dgm:effectClrLst/>
+    <dgm:txLinClrLst/>
+    <dgm:txFillClrLst/>
+    <dgm:txEffectClrLst/>
+  </dgm:styleLbl>
+  <dgm:styleLbl name="fgSibTrans2D1">
+    <dgm:fillClrLst meth="repeat">
+      <a:schemeClr val="accent1">
+        <a:tint val="60000"/>
+      </a:schemeClr>
+    </dgm:fillClrLst>
+    <dgm:linClrLst meth="repeat">
+      <a:schemeClr val="accent1">
+        <a:tint val="60000"/>
+      </a:schemeClr>
+    </dgm:linClrLst>
+    <dgm:effectClrLst/>
+    <dgm:txLinClrLst/>
+    <dgm:txFillClrLst/>
+    <dgm:txEffectClrLst/>
+  </dgm:styleLbl>
+  <dgm:styleLbl name="bgSibTrans2D1">
+    <dgm:fillClrLst meth="repeat">
+      <a:schemeClr val="accent1">
+        <a:tint val="60000"/>
+      </a:schemeClr>
+    </dgm:fillClrLst>
+    <dgm:linClrLst meth="repeat">
+      <a:schemeClr val="accent1">
+        <a:tint val="60000"/>
+      </a:schemeClr>
+    </dgm:linClrLst>
+    <dgm:effectClrLst/>
+    <dgm:txLinClrLst/>
+    <dgm:txFillClrLst/>
+    <dgm:txEffectClrLst/>
+  </dgm:styleLbl>
+  <dgm:styleLbl name="sibTrans1D1">
+    <dgm:fillClrLst meth="repeat">
+      <a:schemeClr val="accent1"/>
+    </dgm:fillClrLst>
+    <dgm:linClrLst meth="repeat">
+      <a:schemeClr val="accent1"/>
+    </dgm:linClrLst>
+    <dgm:effectClrLst/>
+    <dgm:txLinClrLst/>
+    <dgm:txFillClrLst meth="repeat">
+      <a:schemeClr val="tx1"/>
+    </dgm:txFillClrLst>
+    <dgm:txEffectClrLst/>
+  </dgm:styleLbl>
+  <dgm:styleLbl name="callout">
+    <dgm:fillClrLst meth="repeat">
+      <a:schemeClr val="accent1"/>
+    </dgm:fillClrLst>
+    <dgm:linClrLst meth="repeat">
+      <a:schemeClr val="accent1">
+        <a:tint val="50000"/>
+      </a:schemeClr>
+    </dgm:linClrLst>
+    <dgm:effectClrLst/>
+    <dgm:txLinClrLst/>
+    <dgm:txFillClrLst meth="repeat">
+      <a:schemeClr val="tx1"/>
+    </dgm:txFillClrLst>
+    <dgm:txEffectClrLst/>
+  </dgm:styleLbl>
+  <dgm:styleLbl name="asst0">
+    <dgm:fillClrLst meth="repeat">
+      <a:schemeClr val="accent1"/>
+    </dgm:fillClrLst>
+    <dgm:linClrLst meth="repeat">
+      <a:schemeClr val="lt1"/>
+    </dgm:linClrLst>
+    <dgm:effectClrLst/>
+    <dgm:txLinClrLst/>
+    <dgm:txFillClrLst/>
+    <dgm:txEffectClrLst/>
+  </dgm:styleLbl>
+  <dgm:styleLbl name="asst1">
+    <dgm:fillClrLst meth="repeat">
+      <a:schemeClr val="accent1"/>
+    </dgm:fillClrLst>
+    <dgm:linClrLst meth="repeat">
+      <a:schemeClr val="lt1"/>
+    </dgm:linClrLst>
+    <dgm:effectClrLst/>
+    <dgm:txLinClrLst/>
+    <dgm:txFillClrLst/>
+    <dgm:txEffectClrLst/>
+  </dgm:styleLbl>
+  <dgm:styleLbl name="asst2">
+    <dgm:fillClrLst meth="repeat">
+      <a:schemeClr val="accent1"/>
+    </dgm:fillClrLst>
+    <dgm:linClrLst meth="repeat">
+      <a:schemeClr val="lt1"/>
+    </dgm:linClrLst>
+    <dgm:effectClrLst/>
+    <dgm:txLinClrLst/>
+    <dgm:txFillClrLst/>
+    <dgm:txEffectClrLst/>
+  </dgm:styleLbl>
+  <dgm:styleLbl name="asst3">
+    <dgm:fillClrLst meth="repeat">
+      <a:schemeClr val="accent1"/>
+    </dgm:fillClrLst>
+    <dgm:linClrLst meth="repeat">
+      <a:schemeClr val="lt1"/>
+    </dgm:linClrLst>
+    <dgm:effectClrLst/>
+    <dgm:txLinClrLst/>
+    <dgm:txFillClrLst/>
+    <dgm:txEffectClrLst/>
+  </dgm:styleLbl>
+  <dgm:styleLbl name="asst4">
+    <dgm:fillClrLst meth="repeat">
+      <a:schemeClr val="accent1"/>
+    </dgm:fillClrLst>
+    <dgm:linClrLst meth="repeat">
+      <a:schemeClr val="lt1"/>
+    </dgm:linClrLst>
+    <dgm:effectClrLst/>
+    <dgm:txLinClrLst/>
+    <dgm:txFillClrLst/>
+    <dgm:txEffectClrLst/>
+  </dgm:styleLbl>
+  <dgm:styleLbl name="parChTrans2D1">
+    <dgm:fillClrLst meth="repeat">
+      <a:schemeClr val="accent1">
+        <a:tint val="60000"/>
+      </a:schemeClr>
+    </dgm:fillClrLst>
+    <dgm:linClrLst meth="repeat">
+      <a:schemeClr val="accent1">
+        <a:tint val="60000"/>
+      </a:schemeClr>
+    </dgm:linClrLst>
+    <dgm:effectClrLst/>
+    <dgm:txLinClrLst/>
+    <dgm:txFillClrLst meth="repeat">
+      <a:schemeClr val="lt1"/>
+    </dgm:txFillClrLst>
+    <dgm:txEffectClrLst/>
+  </dgm:styleLbl>
+  <dgm:styleLbl name="parChTrans2D2">
+    <dgm:fillClrLst meth="repeat">
+      <a:schemeClr val="accent1"/>
+    </dgm:fillClrLst>
+    <dgm:linClrLst meth="repeat">
+      <a:schemeClr val="accent1"/>
+    </dgm:linClrLst>
+    <dgm:effectClrLst/>
+    <dgm:txLinClrLst/>
+    <dgm:txFillClrLst meth="repeat">
+      <a:schemeClr val="lt1"/>
+    </dgm:txFillClrLst>
+    <dgm:txEffectClrLst/>
+  </dgm:styleLbl>
+  <dgm:styleLbl name="parChTrans2D3">
+    <dgm:fillClrLst meth="repeat">
+      <a:schemeClr val="accent1"/>
+    </dgm:fillClrLst>
+    <dgm:linClrLst meth="repeat">
+      <a:schemeClr val="accent1"/>
+    </dgm:linClrLst>
+    <dgm:effectClrLst/>
+    <dgm:txLinClrLst/>
+    <dgm:txFillClrLst meth="repeat">
+      <a:schemeClr val="lt1"/>
+    </dgm:txFillClrLst>
+    <dgm:txEffectClrLst/>
+  </dgm:styleLbl>
+  <dgm:styleLbl name="parChTrans2D4">
+    <dgm:fillClrLst meth="repeat">
+      <a:schemeClr val="accent1"/>
+    </dgm:fillClrLst>
+    <dgm:linClrLst meth="repeat">
+      <a:schemeClr val="accent1"/>
+    </dgm:linClrLst>
+    <dgm:effectClrLst/>
+    <dgm:txLinClrLst/>
+    <dgm:txFillClrLst meth="repeat">
+      <a:schemeClr val="lt1"/>
+    </dgm:txFillClrLst>
+    <dgm:txEffectClrLst/>
+  </dgm:styleLbl>
+  <dgm:styleLbl name="parChTrans1D1">
+    <dgm:fillClrLst meth="repeat">
+      <a:schemeClr val="accent1"/>
+    </dgm:fillClrLst>
+    <dgm:linClrLst meth="repeat">
+      <a:schemeClr val="accent1">
+        <a:shade val="60000"/>
+      </a:schemeClr>
+    </dgm:linClrLst>
+    <dgm:effectClrLst/>
+    <dgm:txLinClrLst/>
+    <dgm:txFillClrLst meth="repeat">
+      <a:schemeClr val="tx1"/>
+    </dgm:txFillClrLst>
+    <dgm:txEffectClrLst/>
+  </dgm:styleLbl>
+  <dgm:styleLbl name="parChTrans1D2">
+    <dgm:fillClrLst meth="repeat">
+      <a:schemeClr val="accent1"/>
+    </dgm:fillClrLst>
+    <dgm:linClrLst meth="repeat">
+      <a:schemeClr val="accent1">
+        <a:shade val="60000"/>
+      </a:schemeClr>
+    </dgm:linClrLst>
+    <dgm:effectClrLst/>
+    <dgm:txLinClrLst/>
+    <dgm:txFillClrLst meth="repeat">
+      <a:schemeClr val="tx1"/>
+    </dgm:txFillClrLst>
+    <dgm:txEffectClrLst/>
+  </dgm:styleLbl>
+  <dgm:styleLbl name="parChTrans1D3">
+    <dgm:fillClrLst meth="repeat">
+      <a:schemeClr val="accent1"/>
+    </dgm:fillClrLst>
+    <dgm:linClrLst meth="repeat">
+      <a:schemeClr val="accent1">
+        <a:shade val="80000"/>
+      </a:schemeClr>
+    </dgm:linClrLst>
+    <dgm:effectClrLst/>
+    <dgm:txLinClrLst/>
+    <dgm:txFillClrLst meth="repeat">
+      <a:schemeClr val="tx1"/>
+    </dgm:txFillClrLst>
+    <dgm:txEffectClrLst/>
+  </dgm:styleLbl>
+  <dgm:styleLbl name="parChTrans1D4">
+    <dgm:fillClrLst meth="repeat">
+      <a:schemeClr val="accent1"/>
+    </dgm:fillClrLst>
+    <dgm:linClrLst meth="repeat">
+      <a:schemeClr val="accent1">
+        <a:shade val="80000"/>
+      </a:schemeClr>
+    </dgm:linClrLst>
+    <dgm:effectClrLst/>
+    <dgm:txLinClrLst/>
+    <dgm:txFillClrLst meth="repeat">
+      <a:schemeClr val="tx1"/>
+    </dgm:txFillClrLst>
+    <dgm:txEffectClrLst/>
+  </dgm:styleLbl>
+  <dgm:styleLbl name="fgAcc1">
+    <dgm:fillClrLst meth="repeat">
+      <a:schemeClr val="lt1">
+        <a:alpha val="90000"/>
+      </a:schemeClr>
+    </dgm:fillClrLst>
+    <dgm:linClrLst meth="repeat">
+      <a:schemeClr val="accent1"/>
+    </dgm:linClrLst>
+    <dgm:effectClrLst/>
+    <dgm:txLinClrLst/>
+    <dgm:txFillClrLst meth="repeat">
+      <a:schemeClr val="dk1"/>
+    </dgm:txFillClrLst>
+    <dgm:txEffectClrLst/>
+  </dgm:styleLbl>
+  <dgm:styleLbl name="conFgAcc1">
+    <dgm:fillClrLst meth="repeat">
+      <a:schemeClr val="lt1">
+        <a:alpha val="90000"/>
+      </a:schemeClr>
+    </dgm:fillClrLst>
+    <dgm:linClrLst meth="repeat">
+      <a:schemeClr val="accent1"/>
+    </dgm:linClrLst>
+    <dgm:effectClrLst/>
+    <dgm:txLinClrLst/>
+    <dgm:txFillClrLst meth="repeat">
+      <a:schemeClr val="dk1"/>
+    </dgm:txFillClrLst>
+    <dgm:txEffectClrLst/>
+  </dgm:styleLbl>
+  <dgm:styleLbl name="alignAcc1">
+    <dgm:fillClrLst meth="repeat">
+      <a:schemeClr val="lt1">
+        <a:alpha val="90000"/>
+      </a:schemeClr>
+    </dgm:fillClrLst>
+    <dgm:linClrLst meth="repeat">
+      <a:schemeClr val="accent1"/>
+    </dgm:linClrLst>
+    <dgm:effectClrLst/>
+    <dgm:txLinClrLst/>
+    <dgm:txFillClrLst meth="repeat">
+      <a:schemeClr val="dk1"/>
+    </dgm:txFillClrLst>
+    <dgm:txEffectClrLst/>
+  </dgm:styleLbl>
+  <dgm:styleLbl name="trAlignAcc1">
+    <dgm:fillClrLst meth="repeat">
+      <a:schemeClr val="lt1">
+        <a:alpha val="40000"/>
+      </a:schemeClr>
+    </dgm:fillClrLst>
+    <dgm:linClrLst meth="repeat">
+      <a:schemeClr val="accent1"/>
+    </dgm:linClrLst>
+    <dgm:effectClrLst/>
+    <dgm:txLinClrLst/>
+    <dgm:txFillClrLst meth="repeat">
+      <a:schemeClr val="dk1"/>
+    </dgm:txFillClrLst>
+    <dgm:txEffectClrLst/>
+  </dgm:styleLbl>
+  <dgm:styleLbl name="bgAcc1">
+    <dgm:fillClrLst meth="repeat">
+      <a:schemeClr val="lt1">
+        <a:alpha val="90000"/>
+      </a:schemeClr>
+    </dgm:fillClrLst>
+    <dgm:linClrLst meth="repeat">
+      <a:schemeClr val="accent1"/>
+    </dgm:linClrLst>
+    <dgm:effectClrLst/>
+    <dgm:txLinClrLst/>
+    <dgm:txFillClrLst meth="repeat">
+      <a:schemeClr val="dk1"/>
+    </dgm:txFillClrLst>
+    <dgm:txEffectClrLst/>
+  </dgm:styleLbl>
+  <dgm:styleLbl name="solidFgAcc1">
+    <dgm:fillClrLst meth="repeat">
+      <a:schemeClr val="lt1"/>
+    </dgm:fillClrLst>
+    <dgm:linClrLst meth="repeat">
+      <a:schemeClr val="accent1"/>
+    </dgm:linClrLst>
+    <dgm:effectClrLst/>
+    <dgm:txLinClrLst/>
+    <dgm:txFillClrLst meth="repeat">
+      <a:schemeClr val="dk1"/>
+    </dgm:txFillClrLst>
+    <dgm:txEffectClrLst/>
+  </dgm:styleLbl>
+  <dgm:styleLbl name="solidAlignAcc1">
+    <dgm:fillClrLst meth="repeat">
+      <a:schemeClr val="lt1"/>
+    </dgm:fillClrLst>
+    <dgm:linClrLst meth="repeat">
+      <a:schemeClr val="accent1"/>
+    </dgm:linClrLst>
+    <dgm:effectClrLst/>
+    <dgm:txLinClrLst/>
+    <dgm:txFillClrLst meth="repeat">
+      <a:schemeClr val="dk1"/>
+    </dgm:txFillClrLst>
+    <dgm:txEffectClrLst/>
+  </dgm:styleLbl>
+  <dgm:styleLbl name="solidBgAcc1">
+    <dgm:fillClrLst meth="repeat">
+      <a:schemeClr val="lt1"/>
+    </dgm:fillClrLst>
+    <dgm:linClrLst meth="repeat">
+      <a:schemeClr val="accent1"/>
+    </dgm:linClrLst>
+    <dgm:effectClrLst/>
+    <dgm:txLinClrLst/>
+    <dgm:txFillClrLst meth="repeat">
+      <a:schemeClr val="dk1"/>
+    </dgm:txFillClrLst>
+    <dgm:txEffectClrLst/>
+  </dgm:styleLbl>
+  <dgm:styleLbl name="fgAccFollowNode1">
+    <dgm:fillClrLst meth="repeat">
+      <a:schemeClr val="accent1">
+        <a:alpha val="90000"/>
+        <a:tint val="40000"/>
+      </a:schemeClr>
+    </dgm:fillClrLst>
+    <dgm:linClrLst meth="repeat">
+      <a:schemeClr val="accent1">
+        <a:alpha val="90000"/>
+        <a:tint val="40000"/>
+      </a:schemeClr>
+    </dgm:linClrLst>
+    <dgm:effectClrLst/>
+    <dgm:txLinClrLst/>
+    <dgm:txFillClrLst meth="repeat">
+      <a:schemeClr val="dk1"/>
+    </dgm:txFillClrLst>
+    <dgm:txEffectClrLst/>
+  </dgm:styleLbl>
+  <dgm:styleLbl name="alignAccFollowNode1">
+    <dgm:fillClrLst meth="repeat">
+      <a:schemeClr val="accent1">
+        <a:alpha val="90000"/>
+        <a:tint val="40000"/>
+      </a:schemeClr>
+    </dgm:fillClrLst>
+    <dgm:linClrLst meth="repeat">
+      <a:schemeClr val="accent1">
+        <a:alpha val="90000"/>
+        <a:tint val="40000"/>
+      </a:schemeClr>
+    </dgm:linClrLst>
+    <dgm:effectClrLst/>
+    <dgm:txLinClrLst/>
+    <dgm:txFillClrLst meth="repeat">
+      <a:schemeClr val="dk1"/>
+    </dgm:txFillClrLst>
+    <dgm:txEffectClrLst/>
+  </dgm:styleLbl>
+  <dgm:styleLbl name="bgAccFollowNode1">
+    <dgm:fillClrLst meth="repeat">
+      <a:schemeClr val="accent1">
+        <a:alpha val="90000"/>
+        <a:tint val="40000"/>
+      </a:schemeClr>
+    </dgm:fillClrLst>
+    <dgm:linClrLst meth="repeat">
+      <a:schemeClr val="accent1">
+        <a:alpha val="90000"/>
+        <a:tint val="40000"/>
+      </a:schemeClr>
+    </dgm:linClrLst>
+    <dgm:effectClrLst/>
+    <dgm:txLinClrLst/>
+    <dgm:txFillClrLst meth="repeat">
+      <a:schemeClr val="dk1"/>
+    </dgm:txFillClrLst>
+    <dgm:txEffectClrLst/>
+  </dgm:styleLbl>
+  <dgm:styleLbl name="fgAcc0">
+    <dgm:fillClrLst meth="repeat">
+      <a:schemeClr val="lt1">
+        <a:alpha val="90000"/>
+      </a:schemeClr>
+    </dgm:fillClrLst>
+    <dgm:linClrLst meth="repeat">
+      <a:schemeClr val="accent1"/>
+    </dgm:linClrLst>
+    <dgm:effectClrLst/>
+    <dgm:txLinClrLst/>
+    <dgm:txFillClrLst meth="repeat">
+      <a:schemeClr val="dk1"/>
+    </dgm:txFillClrLst>
+    <dgm:txEffectClrLst/>
+  </dgm:styleLbl>
+  <dgm:styleLbl name="fgAcc2">
+    <dgm:fillClrLst meth="repeat">
+      <a:schemeClr val="lt1">
+        <a:alpha val="90000"/>
+      </a:schemeClr>
+    </dgm:fillClrLst>
+    <dgm:linClrLst meth="repeat">
+      <a:schemeClr val="accent1"/>
+    </dgm:linClrLst>
+    <dgm:effectClrLst/>
+    <dgm:txLinClrLst/>
+    <dgm:txFillClrLst meth="repeat">
+      <a:schemeClr val="dk1"/>
+    </dgm:txFillClrLst>
+    <dgm:txEffectClrLst/>
+  </dgm:styleLbl>
+  <dgm:styleLbl name="fgAcc3">
+    <dgm:fillClrLst meth="repeat">
+      <a:schemeClr val="lt1">
+        <a:alpha val="90000"/>
+      </a:schemeClr>
+    </dgm:fillClrLst>
+    <dgm:linClrLst meth="repeat">
+      <a:schemeClr val="accent1"/>
+    </dgm:linClrLst>
+    <dgm:effectClrLst/>
+    <dgm:txLinClrLst/>
+    <dgm:txFillClrLst meth="repeat">
+      <a:schemeClr val="dk1"/>
+    </dgm:txFillClrLst>
+    <dgm:txEffectClrLst/>
+  </dgm:styleLbl>
+  <dgm:styleLbl name="fgAcc4">
+    <dgm:fillClrLst meth="repeat">
+      <a:schemeClr val="lt1">
+        <a:alpha val="90000"/>
+      </a:schemeClr>
+    </dgm:fillClrLst>
+    <dgm:linClrLst meth="repeat">
+      <a:schemeClr val="accent1"/>
+    </dgm:linClrLst>
+    <dgm:effectClrLst/>
+    <dgm:txLinClrLst/>
+    <dgm:txFillClrLst meth="repeat">
+      <a:schemeClr val="dk1"/>
+    </dgm:txFillClrLst>
+    <dgm:txEffectClrLst/>
+  </dgm:styleLbl>
+  <dgm:styleLbl name="bgShp">
+    <dgm:fillClrLst meth="repeat">
+      <a:schemeClr val="accent1">
+        <a:tint val="40000"/>
+      </a:schemeClr>
+    </dgm:fillClrLst>
+    <dgm:linClrLst meth="repeat">
+      <a:schemeClr val="accent1"/>
+    </dgm:linClrLst>
+    <dgm:effectClrLst/>
+    <dgm:txLinClrLst/>
+    <dgm:txFillClrLst meth="repeat">
+      <a:schemeClr val="dk1"/>
+    </dgm:txFillClrLst>
+    <dgm:txEffectClrLst/>
+  </dgm:styleLbl>
+  <dgm:styleLbl name="dkBgShp">
+    <dgm:fillClrLst meth="repeat">
+      <a:schemeClr val="accent1">
+        <a:shade val="80000"/>
+      </a:schemeClr>
+    </dgm:fillClrLst>
+    <dgm:linClrLst meth="repeat">
+      <a:schemeClr val="accent1"/>
+    </dgm:linClrLst>
+    <dgm:effectClrLst/>
+    <dgm:txLinClrLst/>
+    <dgm:txFillClrLst meth="repeat">
+      <a:schemeClr val="lt1"/>
+    </dgm:txFillClrLst>
+    <dgm:txEffectClrLst/>
+  </dgm:styleLbl>
+  <dgm:styleLbl name="trBgShp">
+    <dgm:fillClrLst meth="repeat">
+      <a:schemeClr val="accent1">
+        <a:tint val="50000"/>
+        <a:alpha val="40000"/>
+      </a:schemeClr>
+    </dgm:fillClrLst>
+    <dgm:linClrLst meth="repeat">
+      <a:schemeClr val="accent1"/>
+    </dgm:linClrLst>
+    <dgm:effectClrLst/>
+    <dgm:txLinClrLst/>
+    <dgm:txFillClrLst meth="repeat">
+      <a:schemeClr val="lt1"/>
+    </dgm:txFillClrLst>
+    <dgm:txEffectClrLst/>
+  </dgm:styleLbl>
+  <dgm:styleLbl name="fgShp">
+    <dgm:fillClrLst meth="repeat">
+      <a:schemeClr val="accent1">
+        <a:tint val="60000"/>
+      </a:schemeClr>
+    </dgm:fillClrLst>
+    <dgm:linClrLst meth="repeat">
+      <a:schemeClr val="lt1"/>
+    </dgm:linClrLst>
+    <dgm:effectClrLst/>
+    <dgm:txLinClrLst/>
+    <dgm:txFillClrLst meth="repeat">
+      <a:schemeClr val="dk1"/>
+    </dgm:txFillClrLst>
+    <dgm:txEffectClrLst/>
+  </dgm:styleLbl>
+  <dgm:styleLbl name="revTx">
+    <dgm:fillClrLst meth="repeat">
+      <a:schemeClr val="lt1">
+        <a:alpha val="0"/>
+      </a:schemeClr>
+    </dgm:fillClrLst>
+    <dgm:linClrLst meth="repeat">
+      <a:schemeClr val="dk1">
+        <a:alpha val="0"/>
+      </a:schemeClr>
+    </dgm:linClrLst>
+    <dgm:effectClrLst/>
+    <dgm:txLinClrLst/>
+    <dgm:txFillClrLst meth="repeat">
+      <a:schemeClr val="tx1"/>
+    </dgm:txFillClrLst>
+    <dgm:txEffectClrLst/>
+  </dgm:styleLbl>
+</dgm:colorsDef>
+</file>
+
+<file path=ppt/diagrams/data1.xml><?xml version="1.0" encoding="utf-8"?>
+<dgm:dataModel xmlns:dgm="http://schemas.openxmlformats.org/drawingml/2006/diagram" xmlns:a="http://schemas.openxmlformats.org/drawingml/2006/main">
+  <dgm:ptLst>
+    <dgm:pt modelId="{02EC5842-0FC9-6144-A1E3-D6DAB8CC11BF}" type="doc">
+      <dgm:prSet loTypeId="urn:microsoft.com/office/officeart/2005/8/layout/hProcess11" loCatId="" qsTypeId="urn:microsoft.com/office/officeart/2005/8/quickstyle/simple4" qsCatId="simple" csTypeId="urn:microsoft.com/office/officeart/2005/8/colors/accent1_2" csCatId="accent1" phldr="1"/>
+      <dgm:spPr/>
+      <dgm:t>
+        <a:bodyPr/>
+        <a:lstStyle/>
+        <a:p>
+          <a:endParaRPr lang="zh-CN" altLang="en-US"/>
+        </a:p>
+      </dgm:t>
+    </dgm:pt>
+    <dgm:pt modelId="{77EC890D-58DA-464D-B0FE-C65A6134B8A2}">
+      <dgm:prSet phldrT="[文本]"/>
+      <dgm:spPr/>
+      <dgm:t>
+        <a:bodyPr/>
+        <a:lstStyle/>
+        <a:p>
+          <a:r>
+            <a:rPr lang="zh-CN" altLang="en-US" dirty="0" smtClean="0"/>
+            <a:t>基础内容检查</a:t>
+          </a:r>
+          <a:endParaRPr lang="zh-CN" altLang="en-US" dirty="0"/>
+        </a:p>
+      </dgm:t>
+    </dgm:pt>
+    <dgm:pt modelId="{4B426CFB-8742-4442-9B86-FC7C2484724D}" type="parTrans" cxnId="{2EE4098C-5387-C544-9D5C-61AE61120938}">
+      <dgm:prSet/>
+      <dgm:spPr/>
+      <dgm:t>
+        <a:bodyPr/>
+        <a:lstStyle/>
+        <a:p>
+          <a:endParaRPr lang="zh-CN" altLang="en-US"/>
+        </a:p>
+      </dgm:t>
+    </dgm:pt>
+    <dgm:pt modelId="{93C89007-7F0F-1843-8A85-F43EA99DFAF2}" type="sibTrans" cxnId="{2EE4098C-5387-C544-9D5C-61AE61120938}">
+      <dgm:prSet/>
+      <dgm:spPr/>
+      <dgm:t>
+        <a:bodyPr/>
+        <a:lstStyle/>
+        <a:p>
+          <a:endParaRPr lang="zh-CN" altLang="en-US"/>
+        </a:p>
+      </dgm:t>
+    </dgm:pt>
+    <dgm:pt modelId="{A7AF4046-9928-294E-8C4B-E5CADA93EE6F}">
+      <dgm:prSet phldrT="[文本]"/>
+      <dgm:spPr/>
+      <dgm:t>
+        <a:bodyPr/>
+        <a:lstStyle/>
+        <a:p>
+          <a:r>
+            <a:rPr lang="en-US" altLang="zh-CN" dirty="0" smtClean="0"/>
+            <a:t>Android</a:t>
+          </a:r>
+          <a:r>
+            <a:rPr lang="zh-CN" altLang="en-US" dirty="0" smtClean="0"/>
+            <a:t> </a:t>
+          </a:r>
+          <a:r>
+            <a:rPr lang="en-US" altLang="zh-CN" dirty="0" smtClean="0"/>
+            <a:t>Lint</a:t>
+          </a:r>
+          <a:r>
+            <a:rPr lang="zh-CN" altLang="en-US" dirty="0" smtClean="0"/>
+            <a:t> </a:t>
+          </a:r>
+          <a:endParaRPr lang="zh-CN" altLang="en-US" dirty="0"/>
+        </a:p>
+      </dgm:t>
+    </dgm:pt>
+    <dgm:pt modelId="{8CEB9CDE-032D-504E-8044-F6E69EA77BC5}" type="parTrans" cxnId="{40916244-4F79-724E-B6EA-88E85A849381}">
+      <dgm:prSet/>
+      <dgm:spPr/>
+      <dgm:t>
+        <a:bodyPr/>
+        <a:lstStyle/>
+        <a:p>
+          <a:endParaRPr lang="zh-CN" altLang="en-US"/>
+        </a:p>
+      </dgm:t>
+    </dgm:pt>
+    <dgm:pt modelId="{F47127F2-15BB-7341-B52B-92EDDAFE23AB}" type="sibTrans" cxnId="{40916244-4F79-724E-B6EA-88E85A849381}">
+      <dgm:prSet/>
+      <dgm:spPr/>
+      <dgm:t>
+        <a:bodyPr/>
+        <a:lstStyle/>
+        <a:p>
+          <a:endParaRPr lang="zh-CN" altLang="en-US"/>
+        </a:p>
+      </dgm:t>
+    </dgm:pt>
+    <dgm:pt modelId="{C777CDBB-FC4C-C646-91D1-39767D361C9F}">
+      <dgm:prSet phldrT="[文本]"/>
+      <dgm:spPr/>
+      <dgm:t>
+        <a:bodyPr/>
+        <a:lstStyle/>
+        <a:p>
+          <a:r>
+            <a:rPr lang="en-US" altLang="zh-CN" dirty="0" smtClean="0"/>
+            <a:t>Crash</a:t>
+          </a:r>
+          <a:r>
+            <a:rPr lang="zh-CN" altLang="en-US" dirty="0" smtClean="0"/>
+            <a:t>隐患检查</a:t>
+          </a:r>
+          <a:endParaRPr lang="zh-CN" altLang="en-US" dirty="0"/>
+        </a:p>
+      </dgm:t>
+    </dgm:pt>
+    <dgm:pt modelId="{E119D877-9972-474D-9463-AA7C370DDB31}" type="parTrans" cxnId="{22132925-F8AE-3447-80D5-D06C2FF91763}">
+      <dgm:prSet/>
+      <dgm:spPr/>
+      <dgm:t>
+        <a:bodyPr/>
+        <a:lstStyle/>
+        <a:p>
+          <a:endParaRPr lang="zh-CN" altLang="en-US"/>
+        </a:p>
+      </dgm:t>
+    </dgm:pt>
+    <dgm:pt modelId="{EDCDFB0E-2399-2A48-9F19-AB88B2509014}" type="sibTrans" cxnId="{22132925-F8AE-3447-80D5-D06C2FF91763}">
+      <dgm:prSet/>
+      <dgm:spPr/>
+      <dgm:t>
+        <a:bodyPr/>
+        <a:lstStyle/>
+        <a:p>
+          <a:endParaRPr lang="zh-CN" altLang="en-US"/>
+        </a:p>
+      </dgm:t>
+    </dgm:pt>
+    <dgm:pt modelId="{8FB57942-3B97-364B-8484-963448C5B4A3}">
+      <dgm:prSet phldrT="[文本]"/>
+      <dgm:spPr/>
+      <dgm:t>
+        <a:bodyPr/>
+        <a:lstStyle/>
+        <a:p>
+          <a:r>
+            <a:rPr lang="en-US" altLang="zh-CN" dirty="0" smtClean="0"/>
+            <a:t>360</a:t>
+          </a:r>
+          <a:r>
+            <a:rPr lang="zh-CN" altLang="en-US" dirty="0" smtClean="0"/>
+            <a:t> </a:t>
+          </a:r>
+          <a:r>
+            <a:rPr lang="en-US" altLang="zh-CN" dirty="0" err="1" smtClean="0"/>
+            <a:t>Fireline</a:t>
+          </a:r>
+          <a:endParaRPr lang="zh-CN" altLang="en-US" dirty="0"/>
+        </a:p>
+      </dgm:t>
+    </dgm:pt>
+    <dgm:pt modelId="{05E7CCA4-8463-1F47-BDC1-3230AB7F6FEA}" type="parTrans" cxnId="{BA748978-6DCC-C042-B882-C1DAA3E27966}">
+      <dgm:prSet/>
+      <dgm:spPr/>
+      <dgm:t>
+        <a:bodyPr/>
+        <a:lstStyle/>
+        <a:p>
+          <a:endParaRPr lang="zh-CN" altLang="en-US"/>
+        </a:p>
+      </dgm:t>
+    </dgm:pt>
+    <dgm:pt modelId="{D1C07FC2-A126-4445-9F41-F55736082A39}" type="sibTrans" cxnId="{BA748978-6DCC-C042-B882-C1DAA3E27966}">
+      <dgm:prSet/>
+      <dgm:spPr/>
+      <dgm:t>
+        <a:bodyPr/>
+        <a:lstStyle/>
+        <a:p>
+          <a:endParaRPr lang="zh-CN" altLang="en-US"/>
+        </a:p>
+      </dgm:t>
+    </dgm:pt>
+    <dgm:pt modelId="{BADB6F4D-48E5-5043-8495-D8682A66AF1C}">
+      <dgm:prSet phldrT="[文本]"/>
+      <dgm:spPr/>
+      <dgm:t>
+        <a:bodyPr/>
+        <a:lstStyle/>
+        <a:p>
+          <a:r>
+            <a:rPr lang="zh-CN" altLang="en-US" dirty="0" smtClean="0"/>
+            <a:t>空指针和内存泄露检查</a:t>
+          </a:r>
+          <a:endParaRPr lang="zh-CN" altLang="en-US" dirty="0"/>
+        </a:p>
+      </dgm:t>
+    </dgm:pt>
+    <dgm:pt modelId="{DF63DA60-BC8A-5C4B-A5FA-E27DC8689F07}" type="parTrans" cxnId="{B5522F63-523D-B549-B820-3DF530C1B091}">
+      <dgm:prSet/>
+      <dgm:spPr/>
+      <dgm:t>
+        <a:bodyPr/>
+        <a:lstStyle/>
+        <a:p>
+          <a:endParaRPr lang="zh-CN" altLang="en-US"/>
+        </a:p>
+      </dgm:t>
+    </dgm:pt>
+    <dgm:pt modelId="{BF2D905D-31CC-314B-A227-12066070E7B4}" type="sibTrans" cxnId="{B5522F63-523D-B549-B820-3DF530C1B091}">
+      <dgm:prSet/>
+      <dgm:spPr/>
+      <dgm:t>
+        <a:bodyPr/>
+        <a:lstStyle/>
+        <a:p>
+          <a:endParaRPr lang="zh-CN" altLang="en-US"/>
+        </a:p>
+      </dgm:t>
+    </dgm:pt>
+    <dgm:pt modelId="{D3A6B144-A6A0-014B-B157-90102BD781F3}">
+      <dgm:prSet phldrT="[文本]"/>
+      <dgm:spPr/>
+      <dgm:t>
+        <a:bodyPr/>
+        <a:lstStyle/>
+        <a:p>
+          <a:r>
+            <a:rPr lang="en-US" altLang="zh-CN" dirty="0" smtClean="0"/>
+            <a:t>Infer</a:t>
+          </a:r>
+          <a:endParaRPr lang="zh-CN" altLang="en-US" dirty="0"/>
+        </a:p>
+      </dgm:t>
+    </dgm:pt>
+    <dgm:pt modelId="{BDEDCD20-49EF-4448-AF75-B19C6865EEFC}" type="parTrans" cxnId="{4B19973D-1CA4-4F42-BA0A-918B741D86C0}">
+      <dgm:prSet/>
+      <dgm:spPr/>
+      <dgm:t>
+        <a:bodyPr/>
+        <a:lstStyle/>
+        <a:p>
+          <a:endParaRPr lang="zh-CN" altLang="en-US"/>
+        </a:p>
+      </dgm:t>
+    </dgm:pt>
+    <dgm:pt modelId="{122FA16E-B41C-9A46-A205-D6DCE2CDACD0}" type="sibTrans" cxnId="{4B19973D-1CA4-4F42-BA0A-918B741D86C0}">
+      <dgm:prSet/>
+      <dgm:spPr/>
+      <dgm:t>
+        <a:bodyPr/>
+        <a:lstStyle/>
+        <a:p>
+          <a:endParaRPr lang="zh-CN" altLang="en-US"/>
+        </a:p>
+      </dgm:t>
+    </dgm:pt>
+    <dgm:pt modelId="{548515C8-1792-D640-AED8-361364F84F94}">
+      <dgm:prSet phldrT="[文本]"/>
+      <dgm:spPr/>
+      <dgm:t>
+        <a:bodyPr/>
+        <a:lstStyle/>
+        <a:p>
+          <a:r>
+            <a:rPr lang="en-US" altLang="zh-CN" dirty="0" err="1" smtClean="0"/>
+            <a:t>Godeyes</a:t>
+          </a:r>
+          <a:endParaRPr lang="zh-CN" altLang="en-US" dirty="0"/>
+        </a:p>
+      </dgm:t>
+    </dgm:pt>
+    <dgm:pt modelId="{AD399E26-7F0F-F34F-B40A-FF9F42402611}" type="parTrans" cxnId="{015BDE0A-93FD-0C47-A959-F91C5316A5F7}">
+      <dgm:prSet/>
+      <dgm:spPr/>
+      <dgm:t>
+        <a:bodyPr/>
+        <a:lstStyle/>
+        <a:p>
+          <a:endParaRPr lang="zh-CN" altLang="en-US"/>
+        </a:p>
+      </dgm:t>
+    </dgm:pt>
+    <dgm:pt modelId="{1E05E600-2AC4-094E-9242-A21D2E54743E}" type="sibTrans" cxnId="{015BDE0A-93FD-0C47-A959-F91C5316A5F7}">
+      <dgm:prSet/>
+      <dgm:spPr/>
+      <dgm:t>
+        <a:bodyPr/>
+        <a:lstStyle/>
+        <a:p>
+          <a:endParaRPr lang="zh-CN" altLang="en-US"/>
+        </a:p>
+      </dgm:t>
+    </dgm:pt>
+    <dgm:pt modelId="{99A9C100-78EB-E34B-94BF-E88BCA9A8E5D}" type="pres">
+      <dgm:prSet presAssocID="{02EC5842-0FC9-6144-A1E3-D6DAB8CC11BF}" presName="Name0" presStyleCnt="0">
+        <dgm:presLayoutVars>
+          <dgm:dir/>
+          <dgm:resizeHandles val="exact"/>
+        </dgm:presLayoutVars>
+      </dgm:prSet>
+      <dgm:spPr/>
+    </dgm:pt>
+    <dgm:pt modelId="{B9411532-D740-6F43-A34C-62C5B3EF0AAD}" type="pres">
+      <dgm:prSet presAssocID="{02EC5842-0FC9-6144-A1E3-D6DAB8CC11BF}" presName="arrow" presStyleLbl="bgShp" presStyleIdx="0" presStyleCnt="1"/>
+      <dgm:spPr/>
+    </dgm:pt>
+    <dgm:pt modelId="{C3E011CA-3F74-3D41-BBE3-6E100999A271}" type="pres">
+      <dgm:prSet presAssocID="{02EC5842-0FC9-6144-A1E3-D6DAB8CC11BF}" presName="points" presStyleCnt="0"/>
+      <dgm:spPr/>
+    </dgm:pt>
+    <dgm:pt modelId="{A032C557-76D5-B948-AEE5-42D2143EC4D3}" type="pres">
+      <dgm:prSet presAssocID="{77EC890D-58DA-464D-B0FE-C65A6134B8A2}" presName="compositeA" presStyleCnt="0"/>
+      <dgm:spPr/>
+    </dgm:pt>
+    <dgm:pt modelId="{712D7270-50A0-AF46-943A-9CE5AB0C11A6}" type="pres">
+      <dgm:prSet presAssocID="{77EC890D-58DA-464D-B0FE-C65A6134B8A2}" presName="textA" presStyleLbl="revTx" presStyleIdx="0" presStyleCnt="3">
+        <dgm:presLayoutVars>
+          <dgm:bulletEnabled val="1"/>
+        </dgm:presLayoutVars>
+      </dgm:prSet>
+      <dgm:spPr/>
+    </dgm:pt>
+    <dgm:pt modelId="{DE8006EB-C060-6943-AF5D-3B97AFF6F2A5}" type="pres">
+      <dgm:prSet presAssocID="{77EC890D-58DA-464D-B0FE-C65A6134B8A2}" presName="circleA" presStyleLbl="node1" presStyleIdx="0" presStyleCnt="3"/>
+      <dgm:spPr/>
+    </dgm:pt>
+    <dgm:pt modelId="{C7B44FA7-1CAC-F743-873D-21AB28C772AF}" type="pres">
+      <dgm:prSet presAssocID="{77EC890D-58DA-464D-B0FE-C65A6134B8A2}" presName="spaceA" presStyleCnt="0"/>
+      <dgm:spPr/>
+    </dgm:pt>
+    <dgm:pt modelId="{9DC434CA-6020-EF47-AC7C-3E0713FAF171}" type="pres">
+      <dgm:prSet presAssocID="{93C89007-7F0F-1843-8A85-F43EA99DFAF2}" presName="space" presStyleCnt="0"/>
+      <dgm:spPr/>
+    </dgm:pt>
+    <dgm:pt modelId="{0965D38F-FC21-8C4C-910F-C568AED04938}" type="pres">
+      <dgm:prSet presAssocID="{C777CDBB-FC4C-C646-91D1-39767D361C9F}" presName="compositeB" presStyleCnt="0"/>
+      <dgm:spPr/>
+    </dgm:pt>
+    <dgm:pt modelId="{135E1D9D-2E6F-2747-A359-D369BAD52CA0}" type="pres">
+      <dgm:prSet presAssocID="{C777CDBB-FC4C-C646-91D1-39767D361C9F}" presName="textB" presStyleLbl="revTx" presStyleIdx="1" presStyleCnt="3">
+        <dgm:presLayoutVars>
+          <dgm:bulletEnabled val="1"/>
+        </dgm:presLayoutVars>
+      </dgm:prSet>
+      <dgm:spPr/>
+    </dgm:pt>
+    <dgm:pt modelId="{FD079F88-3701-964D-B5C6-AD44EF8BB1A0}" type="pres">
+      <dgm:prSet presAssocID="{C777CDBB-FC4C-C646-91D1-39767D361C9F}" presName="circleB" presStyleLbl="node1" presStyleIdx="1" presStyleCnt="3"/>
+      <dgm:spPr/>
+    </dgm:pt>
+    <dgm:pt modelId="{BA01D4E4-193C-8548-AC3A-0A1BA52948C8}" type="pres">
+      <dgm:prSet presAssocID="{C777CDBB-FC4C-C646-91D1-39767D361C9F}" presName="spaceB" presStyleCnt="0"/>
+      <dgm:spPr/>
+    </dgm:pt>
+    <dgm:pt modelId="{4F36BC3A-8581-A847-9B04-73B6BA2D2E07}" type="pres">
+      <dgm:prSet presAssocID="{EDCDFB0E-2399-2A48-9F19-AB88B2509014}" presName="space" presStyleCnt="0"/>
+      <dgm:spPr/>
+    </dgm:pt>
+    <dgm:pt modelId="{40E75E87-243A-1A4E-B32A-17642C19792B}" type="pres">
+      <dgm:prSet presAssocID="{BADB6F4D-48E5-5043-8495-D8682A66AF1C}" presName="compositeA" presStyleCnt="0"/>
+      <dgm:spPr/>
+    </dgm:pt>
+    <dgm:pt modelId="{92391C52-40D6-C545-A699-524BB1B93FE2}" type="pres">
+      <dgm:prSet presAssocID="{BADB6F4D-48E5-5043-8495-D8682A66AF1C}" presName="textA" presStyleLbl="revTx" presStyleIdx="2" presStyleCnt="3">
+        <dgm:presLayoutVars>
+          <dgm:bulletEnabled val="1"/>
+        </dgm:presLayoutVars>
+      </dgm:prSet>
+      <dgm:spPr/>
+    </dgm:pt>
+    <dgm:pt modelId="{30CE4B6E-3775-1740-B5DF-AEFB806BDDBB}" type="pres">
+      <dgm:prSet presAssocID="{BADB6F4D-48E5-5043-8495-D8682A66AF1C}" presName="circleA" presStyleLbl="node1" presStyleIdx="2" presStyleCnt="3"/>
+      <dgm:spPr/>
+    </dgm:pt>
+    <dgm:pt modelId="{773046FE-340F-B843-BA67-2525DC289CBB}" type="pres">
+      <dgm:prSet presAssocID="{BADB6F4D-48E5-5043-8495-D8682A66AF1C}" presName="spaceA" presStyleCnt="0"/>
+      <dgm:spPr/>
+    </dgm:pt>
+  </dgm:ptLst>
+  <dgm:cxnLst>
+    <dgm:cxn modelId="{01F9BFF9-0B30-274D-87D3-16037972D877}" type="presOf" srcId="{77EC890D-58DA-464D-B0FE-C65A6134B8A2}" destId="{712D7270-50A0-AF46-943A-9CE5AB0C11A6}" srcOrd="0" destOrd="0" presId="urn:microsoft.com/office/officeart/2005/8/layout/hProcess11"/>
+    <dgm:cxn modelId="{DFE154E3-93B3-D04A-A330-A0D9F92F6BDB}" type="presOf" srcId="{02EC5842-0FC9-6144-A1E3-D6DAB8CC11BF}" destId="{99A9C100-78EB-E34B-94BF-E88BCA9A8E5D}" srcOrd="0" destOrd="0" presId="urn:microsoft.com/office/officeart/2005/8/layout/hProcess11"/>
+    <dgm:cxn modelId="{2087A85C-B57C-1943-8A50-6E7986C2BE71}" type="presOf" srcId="{548515C8-1792-D640-AED8-361364F84F94}" destId="{135E1D9D-2E6F-2747-A359-D369BAD52CA0}" srcOrd="0" destOrd="2" presId="urn:microsoft.com/office/officeart/2005/8/layout/hProcess11"/>
+    <dgm:cxn modelId="{668681F9-E650-734D-A8FF-44F41A7CA527}" type="presOf" srcId="{C777CDBB-FC4C-C646-91D1-39767D361C9F}" destId="{135E1D9D-2E6F-2747-A359-D369BAD52CA0}" srcOrd="0" destOrd="0" presId="urn:microsoft.com/office/officeart/2005/8/layout/hProcess11"/>
+    <dgm:cxn modelId="{40916244-4F79-724E-B6EA-88E85A849381}" srcId="{77EC890D-58DA-464D-B0FE-C65A6134B8A2}" destId="{A7AF4046-9928-294E-8C4B-E5CADA93EE6F}" srcOrd="0" destOrd="0" parTransId="{8CEB9CDE-032D-504E-8044-F6E69EA77BC5}" sibTransId="{F47127F2-15BB-7341-B52B-92EDDAFE23AB}"/>
+    <dgm:cxn modelId="{22132925-F8AE-3447-80D5-D06C2FF91763}" srcId="{02EC5842-0FC9-6144-A1E3-D6DAB8CC11BF}" destId="{C777CDBB-FC4C-C646-91D1-39767D361C9F}" srcOrd="1" destOrd="0" parTransId="{E119D877-9972-474D-9463-AA7C370DDB31}" sibTransId="{EDCDFB0E-2399-2A48-9F19-AB88B2509014}"/>
+    <dgm:cxn modelId="{BA748978-6DCC-C042-B882-C1DAA3E27966}" srcId="{C777CDBB-FC4C-C646-91D1-39767D361C9F}" destId="{8FB57942-3B97-364B-8484-963448C5B4A3}" srcOrd="0" destOrd="0" parTransId="{05E7CCA4-8463-1F47-BDC1-3230AB7F6FEA}" sibTransId="{D1C07FC2-A126-4445-9F41-F55736082A39}"/>
+    <dgm:cxn modelId="{982E567C-7FE3-A441-9227-6BF1152BB333}" type="presOf" srcId="{BADB6F4D-48E5-5043-8495-D8682A66AF1C}" destId="{92391C52-40D6-C545-A699-524BB1B93FE2}" srcOrd="0" destOrd="0" presId="urn:microsoft.com/office/officeart/2005/8/layout/hProcess11"/>
+    <dgm:cxn modelId="{897C6A4C-1606-B14E-B912-2511E97D93B1}" type="presOf" srcId="{D3A6B144-A6A0-014B-B157-90102BD781F3}" destId="{92391C52-40D6-C545-A699-524BB1B93FE2}" srcOrd="0" destOrd="1" presId="urn:microsoft.com/office/officeart/2005/8/layout/hProcess11"/>
+    <dgm:cxn modelId="{015BDE0A-93FD-0C47-A959-F91C5316A5F7}" srcId="{C777CDBB-FC4C-C646-91D1-39767D361C9F}" destId="{548515C8-1792-D640-AED8-361364F84F94}" srcOrd="1" destOrd="0" parTransId="{AD399E26-7F0F-F34F-B40A-FF9F42402611}" sibTransId="{1E05E600-2AC4-094E-9242-A21D2E54743E}"/>
+    <dgm:cxn modelId="{B5522F63-523D-B549-B820-3DF530C1B091}" srcId="{02EC5842-0FC9-6144-A1E3-D6DAB8CC11BF}" destId="{BADB6F4D-48E5-5043-8495-D8682A66AF1C}" srcOrd="2" destOrd="0" parTransId="{DF63DA60-BC8A-5C4B-A5FA-E27DC8689F07}" sibTransId="{BF2D905D-31CC-314B-A227-12066070E7B4}"/>
+    <dgm:cxn modelId="{4B19973D-1CA4-4F42-BA0A-918B741D86C0}" srcId="{BADB6F4D-48E5-5043-8495-D8682A66AF1C}" destId="{D3A6B144-A6A0-014B-B157-90102BD781F3}" srcOrd="0" destOrd="0" parTransId="{BDEDCD20-49EF-4448-AF75-B19C6865EEFC}" sibTransId="{122FA16E-B41C-9A46-A205-D6DCE2CDACD0}"/>
+    <dgm:cxn modelId="{EC85B8F7-7EAF-5E42-A5F2-A4485F368151}" type="presOf" srcId="{A7AF4046-9928-294E-8C4B-E5CADA93EE6F}" destId="{712D7270-50A0-AF46-943A-9CE5AB0C11A6}" srcOrd="0" destOrd="1" presId="urn:microsoft.com/office/officeart/2005/8/layout/hProcess11"/>
+    <dgm:cxn modelId="{2EE4098C-5387-C544-9D5C-61AE61120938}" srcId="{02EC5842-0FC9-6144-A1E3-D6DAB8CC11BF}" destId="{77EC890D-58DA-464D-B0FE-C65A6134B8A2}" srcOrd="0" destOrd="0" parTransId="{4B426CFB-8742-4442-9B86-FC7C2484724D}" sibTransId="{93C89007-7F0F-1843-8A85-F43EA99DFAF2}"/>
+    <dgm:cxn modelId="{D87D2222-4B8E-8F44-89C4-26F94BCF729F}" type="presOf" srcId="{8FB57942-3B97-364B-8484-963448C5B4A3}" destId="{135E1D9D-2E6F-2747-A359-D369BAD52CA0}" srcOrd="0" destOrd="1" presId="urn:microsoft.com/office/officeart/2005/8/layout/hProcess11"/>
+    <dgm:cxn modelId="{FDE1438B-A99D-9149-AA2F-8D3AD0B1AEC2}" type="presParOf" srcId="{99A9C100-78EB-E34B-94BF-E88BCA9A8E5D}" destId="{B9411532-D740-6F43-A34C-62C5B3EF0AAD}" srcOrd="0" destOrd="0" presId="urn:microsoft.com/office/officeart/2005/8/layout/hProcess11"/>
+    <dgm:cxn modelId="{44266F32-095C-F040-A276-581C2C60505B}" type="presParOf" srcId="{99A9C100-78EB-E34B-94BF-E88BCA9A8E5D}" destId="{C3E011CA-3F74-3D41-BBE3-6E100999A271}" srcOrd="1" destOrd="0" presId="urn:microsoft.com/office/officeart/2005/8/layout/hProcess11"/>
+    <dgm:cxn modelId="{258BDC60-F1B5-2D40-94BD-9AAC8E55373E}" type="presParOf" srcId="{C3E011CA-3F74-3D41-BBE3-6E100999A271}" destId="{A032C557-76D5-B948-AEE5-42D2143EC4D3}" srcOrd="0" destOrd="0" presId="urn:microsoft.com/office/officeart/2005/8/layout/hProcess11"/>
+    <dgm:cxn modelId="{B6DB3038-03FA-074B-A3E8-485B9B90D6D1}" type="presParOf" srcId="{A032C557-76D5-B948-AEE5-42D2143EC4D3}" destId="{712D7270-50A0-AF46-943A-9CE5AB0C11A6}" srcOrd="0" destOrd="0" presId="urn:microsoft.com/office/officeart/2005/8/layout/hProcess11"/>
+    <dgm:cxn modelId="{A4D1CAA4-DFF5-6346-B07A-2BF50DAE637C}" type="presParOf" srcId="{A032C557-76D5-B948-AEE5-42D2143EC4D3}" destId="{DE8006EB-C060-6943-AF5D-3B97AFF6F2A5}" srcOrd="1" destOrd="0" presId="urn:microsoft.com/office/officeart/2005/8/layout/hProcess11"/>
+    <dgm:cxn modelId="{A6DB75DF-9978-B54C-8C39-67660A46CC57}" type="presParOf" srcId="{A032C557-76D5-B948-AEE5-42D2143EC4D3}" destId="{C7B44FA7-1CAC-F743-873D-21AB28C772AF}" srcOrd="2" destOrd="0" presId="urn:microsoft.com/office/officeart/2005/8/layout/hProcess11"/>
+    <dgm:cxn modelId="{C6C7FB5D-1126-294A-88F3-1B4AF2C39318}" type="presParOf" srcId="{C3E011CA-3F74-3D41-BBE3-6E100999A271}" destId="{9DC434CA-6020-EF47-AC7C-3E0713FAF171}" srcOrd="1" destOrd="0" presId="urn:microsoft.com/office/officeart/2005/8/layout/hProcess11"/>
+    <dgm:cxn modelId="{6E09D977-4891-1E46-812A-E626EC29C610}" type="presParOf" srcId="{C3E011CA-3F74-3D41-BBE3-6E100999A271}" destId="{0965D38F-FC21-8C4C-910F-C568AED04938}" srcOrd="2" destOrd="0" presId="urn:microsoft.com/office/officeart/2005/8/layout/hProcess11"/>
+    <dgm:cxn modelId="{AFCF2EAD-53B0-AC42-B56E-9481D81E1FA5}" type="presParOf" srcId="{0965D38F-FC21-8C4C-910F-C568AED04938}" destId="{135E1D9D-2E6F-2747-A359-D369BAD52CA0}" srcOrd="0" destOrd="0" presId="urn:microsoft.com/office/officeart/2005/8/layout/hProcess11"/>
+    <dgm:cxn modelId="{530BD2C7-43A2-EA49-8E8B-372836C34CBA}" type="presParOf" srcId="{0965D38F-FC21-8C4C-910F-C568AED04938}" destId="{FD079F88-3701-964D-B5C6-AD44EF8BB1A0}" srcOrd="1" destOrd="0" presId="urn:microsoft.com/office/officeart/2005/8/layout/hProcess11"/>
+    <dgm:cxn modelId="{F4C21778-1E7B-564D-B9EA-BC4B58158330}" type="presParOf" srcId="{0965D38F-FC21-8C4C-910F-C568AED04938}" destId="{BA01D4E4-193C-8548-AC3A-0A1BA52948C8}" srcOrd="2" destOrd="0" presId="urn:microsoft.com/office/officeart/2005/8/layout/hProcess11"/>
+    <dgm:cxn modelId="{6197B8CD-6D49-764D-A96A-93BF26E75537}" type="presParOf" srcId="{C3E011CA-3F74-3D41-BBE3-6E100999A271}" destId="{4F36BC3A-8581-A847-9B04-73B6BA2D2E07}" srcOrd="3" destOrd="0" presId="urn:microsoft.com/office/officeart/2005/8/layout/hProcess11"/>
+    <dgm:cxn modelId="{51751514-E935-A140-B710-F412C9420C74}" type="presParOf" srcId="{C3E011CA-3F74-3D41-BBE3-6E100999A271}" destId="{40E75E87-243A-1A4E-B32A-17642C19792B}" srcOrd="4" destOrd="0" presId="urn:microsoft.com/office/officeart/2005/8/layout/hProcess11"/>
+    <dgm:cxn modelId="{83B5EEB8-E6BC-F341-9D48-5CE78DDDAAFE}" type="presParOf" srcId="{40E75E87-243A-1A4E-B32A-17642C19792B}" destId="{92391C52-40D6-C545-A699-524BB1B93FE2}" srcOrd="0" destOrd="0" presId="urn:microsoft.com/office/officeart/2005/8/layout/hProcess11"/>
+    <dgm:cxn modelId="{014F4ED0-14E5-F344-8200-290B3724E71A}" type="presParOf" srcId="{40E75E87-243A-1A4E-B32A-17642C19792B}" destId="{30CE4B6E-3775-1740-B5DF-AEFB806BDDBB}" srcOrd="1" destOrd="0" presId="urn:microsoft.com/office/officeart/2005/8/layout/hProcess11"/>
+    <dgm:cxn modelId="{3BDD3C1B-5FDB-D54B-9B02-D054C3F97E0C}" type="presParOf" srcId="{40E75E87-243A-1A4E-B32A-17642C19792B}" destId="{773046FE-340F-B843-BA67-2525DC289CBB}" srcOrd="2" destOrd="0" presId="urn:microsoft.com/office/officeart/2005/8/layout/hProcess11"/>
+  </dgm:cxnLst>
+  <dgm:bg/>
+  <dgm:whole/>
+  <dgm:extLst>
+    <a:ext uri="http://schemas.microsoft.com/office/drawing/2008/diagram">
+      <dsp:dataModelExt xmlns:dsp="http://schemas.microsoft.com/office/drawing/2008/diagram" relId="rId6" minVer="http://schemas.openxmlformats.org/drawingml/2006/diagram"/>
+    </a:ext>
+  </dgm:extLst>
+</dgm:dataModel>
+</file>
+
+<file path=ppt/diagrams/drawing1.xml><?xml version="1.0" encoding="utf-8"?>
+<dsp:drawing xmlns:dgm="http://schemas.openxmlformats.org/drawingml/2006/diagram" xmlns:dsp="http://schemas.microsoft.com/office/drawing/2008/diagram" xmlns:a="http://schemas.openxmlformats.org/drawingml/2006/main">
+  <dsp:spTree>
+    <dsp:nvGrpSpPr>
+      <dsp:cNvPr id="0" name=""/>
+      <dsp:cNvGrpSpPr/>
+    </dsp:nvGrpSpPr>
+    <dsp:grpSpPr/>
+    <dsp:sp modelId="{B9411532-D740-6F43-A34C-62C5B3EF0AAD}">
+      <dsp:nvSpPr>
+        <dsp:cNvPr id="0" name=""/>
+        <dsp:cNvSpPr/>
+      </dsp:nvSpPr>
+      <dsp:spPr>
+        <a:xfrm>
+          <a:off x="0" y="1625600"/>
+          <a:ext cx="11694694" cy="2167466"/>
+        </a:xfrm>
+        <a:prstGeom prst="notchedRightArrow">
+          <a:avLst/>
+        </a:prstGeom>
+        <a:solidFill>
+          <a:schemeClr val="accent1">
+            <a:tint val="40000"/>
+            <a:hueOff val="0"/>
+            <a:satOff val="0"/>
+            <a:lumOff val="0"/>
+            <a:alphaOff val="0"/>
+          </a:schemeClr>
+        </a:solidFill>
+        <a:ln>
+          <a:noFill/>
+        </a:ln>
+        <a:effectLst/>
+      </dsp:spPr>
+      <dsp:style>
+        <a:lnRef idx="0">
+          <a:scrgbClr r="0" g="0" b="0"/>
+        </a:lnRef>
+        <a:fillRef idx="1">
+          <a:scrgbClr r="0" g="0" b="0"/>
+        </a:fillRef>
+        <a:effectRef idx="2">
+          <a:scrgbClr r="0" g="0" b="0"/>
+        </a:effectRef>
+        <a:fontRef idx="minor"/>
+      </dsp:style>
+    </dsp:sp>
+    <dsp:sp modelId="{712D7270-50A0-AF46-943A-9CE5AB0C11A6}">
+      <dsp:nvSpPr>
+        <dsp:cNvPr id="0" name=""/>
+        <dsp:cNvSpPr/>
+      </dsp:nvSpPr>
+      <dsp:spPr>
+        <a:xfrm>
+          <a:off x="5139" y="0"/>
+          <a:ext cx="3391918" cy="2167466"/>
+        </a:xfrm>
+        <a:prstGeom prst="rect">
+          <a:avLst/>
+        </a:prstGeom>
+        <a:noFill/>
+        <a:ln>
+          <a:noFill/>
+        </a:ln>
+        <a:effectLst/>
+      </dsp:spPr>
+      <dsp:style>
+        <a:lnRef idx="0">
+          <a:scrgbClr r="0" g="0" b="0"/>
+        </a:lnRef>
+        <a:fillRef idx="0">
+          <a:scrgbClr r="0" g="0" b="0"/>
+        </a:fillRef>
+        <a:effectRef idx="0">
+          <a:scrgbClr r="0" g="0" b="0"/>
+        </a:effectRef>
+        <a:fontRef idx="minor"/>
+      </dsp:style>
+      <dsp:txBody>
+        <a:bodyPr spcFirstLastPara="0" vert="horz" wrap="square" lIns="256032" tIns="256032" rIns="256032" bIns="256032" numCol="1" spcCol="1270" anchor="b" anchorCtr="1">
+          <a:noAutofit/>
+        </a:bodyPr>
+        <a:lstStyle/>
+        <a:p>
+          <a:pPr lvl="0" algn="l" defTabSz="1600200">
+            <a:lnSpc>
+              <a:spcPct val="90000"/>
+            </a:lnSpc>
+            <a:spcBef>
+              <a:spcPct val="0"/>
+            </a:spcBef>
+            <a:spcAft>
+              <a:spcPct val="35000"/>
+            </a:spcAft>
+          </a:pPr>
+          <a:r>
+            <a:rPr lang="zh-CN" altLang="en-US" sz="3600" kern="1200" dirty="0" smtClean="0"/>
+            <a:t>基础内容检查</a:t>
+          </a:r>
+          <a:endParaRPr lang="zh-CN" altLang="en-US" sz="3600" kern="1200" dirty="0"/>
+        </a:p>
+        <a:p>
+          <a:pPr marL="285750" lvl="1" indent="-285750" algn="l" defTabSz="1244600">
+            <a:lnSpc>
+              <a:spcPct val="90000"/>
+            </a:lnSpc>
+            <a:spcBef>
+              <a:spcPct val="0"/>
+            </a:spcBef>
+            <a:spcAft>
+              <a:spcPct val="15000"/>
+            </a:spcAft>
+            <a:buChar char="••"/>
+          </a:pPr>
+          <a:r>
+            <a:rPr lang="en-US" altLang="zh-CN" sz="2800" kern="1200" dirty="0" smtClean="0"/>
+            <a:t>Android</a:t>
+          </a:r>
+          <a:r>
+            <a:rPr lang="zh-CN" altLang="en-US" sz="2800" kern="1200" dirty="0" smtClean="0"/>
+            <a:t> </a:t>
+          </a:r>
+          <a:r>
+            <a:rPr lang="en-US" altLang="zh-CN" sz="2800" kern="1200" dirty="0" smtClean="0"/>
+            <a:t>Lint</a:t>
+          </a:r>
+          <a:r>
+            <a:rPr lang="zh-CN" altLang="en-US" sz="2800" kern="1200" dirty="0" smtClean="0"/>
+            <a:t> </a:t>
+          </a:r>
+          <a:endParaRPr lang="zh-CN" altLang="en-US" sz="2800" kern="1200" dirty="0"/>
+        </a:p>
+      </dsp:txBody>
+      <dsp:txXfrm>
+        <a:off x="5139" y="0"/>
+        <a:ext cx="3391918" cy="2167466"/>
+      </dsp:txXfrm>
+    </dsp:sp>
+    <dsp:sp modelId="{DE8006EB-C060-6943-AF5D-3B97AFF6F2A5}">
+      <dsp:nvSpPr>
+        <dsp:cNvPr id="0" name=""/>
+        <dsp:cNvSpPr/>
+      </dsp:nvSpPr>
+      <dsp:spPr>
+        <a:xfrm>
+          <a:off x="1430164" y="2438400"/>
+          <a:ext cx="541866" cy="541866"/>
+        </a:xfrm>
+        <a:prstGeom prst="ellipse">
+          <a:avLst/>
+        </a:prstGeom>
+        <a:gradFill rotWithShape="0">
+          <a:gsLst>
+            <a:gs pos="0">
+              <a:schemeClr val="accent1">
+                <a:hueOff val="0"/>
+                <a:satOff val="0"/>
+                <a:lumOff val="0"/>
+                <a:alphaOff val="0"/>
+                <a:satMod val="103000"/>
+                <a:lumMod val="102000"/>
+                <a:tint val="94000"/>
+              </a:schemeClr>
+            </a:gs>
+            <a:gs pos="50000">
+              <a:schemeClr val="accent1">
+                <a:hueOff val="0"/>
+                <a:satOff val="0"/>
+                <a:lumOff val="0"/>
+                <a:alphaOff val="0"/>
+                <a:satMod val="110000"/>
+                <a:lumMod val="100000"/>
+                <a:shade val="100000"/>
+              </a:schemeClr>
+            </a:gs>
+            <a:gs pos="100000">
+              <a:schemeClr val="accent1">
+                <a:hueOff val="0"/>
+                <a:satOff val="0"/>
+                <a:lumOff val="0"/>
+                <a:alphaOff val="0"/>
+                <a:lumMod val="99000"/>
+                <a:satMod val="120000"/>
+                <a:shade val="78000"/>
+              </a:schemeClr>
+            </a:gs>
+          </a:gsLst>
+          <a:lin ang="5400000" scaled="0"/>
+        </a:gradFill>
+        <a:ln>
+          <a:noFill/>
+        </a:ln>
+        <a:effectLst/>
+      </dsp:spPr>
+      <dsp:style>
+        <a:lnRef idx="0">
+          <a:scrgbClr r="0" g="0" b="0"/>
+        </a:lnRef>
+        <a:fillRef idx="3">
+          <a:scrgbClr r="0" g="0" b="0"/>
+        </a:fillRef>
+        <a:effectRef idx="2">
+          <a:scrgbClr r="0" g="0" b="0"/>
+        </a:effectRef>
+        <a:fontRef idx="minor">
+          <a:schemeClr val="lt1"/>
+        </a:fontRef>
+      </dsp:style>
+    </dsp:sp>
+    <dsp:sp modelId="{135E1D9D-2E6F-2747-A359-D369BAD52CA0}">
+      <dsp:nvSpPr>
+        <dsp:cNvPr id="0" name=""/>
+        <dsp:cNvSpPr/>
+      </dsp:nvSpPr>
+      <dsp:spPr>
+        <a:xfrm>
+          <a:off x="3566653" y="3251200"/>
+          <a:ext cx="3391918" cy="2167466"/>
+        </a:xfrm>
+        <a:prstGeom prst="rect">
+          <a:avLst/>
+        </a:prstGeom>
+        <a:noFill/>
+        <a:ln>
+          <a:noFill/>
+        </a:ln>
+        <a:effectLst/>
+      </dsp:spPr>
+      <dsp:style>
+        <a:lnRef idx="0">
+          <a:scrgbClr r="0" g="0" b="0"/>
+        </a:lnRef>
+        <a:fillRef idx="0">
+          <a:scrgbClr r="0" g="0" b="0"/>
+        </a:fillRef>
+        <a:effectRef idx="0">
+          <a:scrgbClr r="0" g="0" b="0"/>
+        </a:effectRef>
+        <a:fontRef idx="minor"/>
+      </dsp:style>
+      <dsp:txBody>
+        <a:bodyPr spcFirstLastPara="0" vert="horz" wrap="square" lIns="256032" tIns="256032" rIns="256032" bIns="256032" numCol="1" spcCol="1270" anchor="t" anchorCtr="1">
+          <a:noAutofit/>
+        </a:bodyPr>
+        <a:lstStyle/>
+        <a:p>
+          <a:pPr lvl="0" algn="l" defTabSz="1600200">
+            <a:lnSpc>
+              <a:spcPct val="90000"/>
+            </a:lnSpc>
+            <a:spcBef>
+              <a:spcPct val="0"/>
+            </a:spcBef>
+            <a:spcAft>
+              <a:spcPct val="35000"/>
+            </a:spcAft>
+          </a:pPr>
+          <a:r>
+            <a:rPr lang="en-US" altLang="zh-CN" sz="3600" kern="1200" dirty="0" smtClean="0"/>
+            <a:t>Crash</a:t>
+          </a:r>
+          <a:r>
+            <a:rPr lang="zh-CN" altLang="en-US" sz="3600" kern="1200" dirty="0" smtClean="0"/>
+            <a:t>隐患检查</a:t>
+          </a:r>
+          <a:endParaRPr lang="zh-CN" altLang="en-US" sz="3600" kern="1200" dirty="0"/>
+        </a:p>
+        <a:p>
+          <a:pPr marL="285750" lvl="1" indent="-285750" algn="l" defTabSz="1244600">
+            <a:lnSpc>
+              <a:spcPct val="90000"/>
+            </a:lnSpc>
+            <a:spcBef>
+              <a:spcPct val="0"/>
+            </a:spcBef>
+            <a:spcAft>
+              <a:spcPct val="15000"/>
+            </a:spcAft>
+            <a:buChar char="••"/>
+          </a:pPr>
+          <a:r>
+            <a:rPr lang="en-US" altLang="zh-CN" sz="2800" kern="1200" dirty="0" smtClean="0"/>
+            <a:t>360</a:t>
+          </a:r>
+          <a:r>
+            <a:rPr lang="zh-CN" altLang="en-US" sz="2800" kern="1200" dirty="0" smtClean="0"/>
+            <a:t> </a:t>
+          </a:r>
+          <a:r>
+            <a:rPr lang="en-US" altLang="zh-CN" sz="2800" kern="1200" dirty="0" err="1" smtClean="0"/>
+            <a:t>Fireline</a:t>
+          </a:r>
+          <a:endParaRPr lang="zh-CN" altLang="en-US" sz="2800" kern="1200" dirty="0"/>
+        </a:p>
+        <a:p>
+          <a:pPr marL="285750" lvl="1" indent="-285750" algn="l" defTabSz="1244600">
+            <a:lnSpc>
+              <a:spcPct val="90000"/>
+            </a:lnSpc>
+            <a:spcBef>
+              <a:spcPct val="0"/>
+            </a:spcBef>
+            <a:spcAft>
+              <a:spcPct val="15000"/>
+            </a:spcAft>
+            <a:buChar char="••"/>
+          </a:pPr>
+          <a:r>
+            <a:rPr lang="en-US" altLang="zh-CN" sz="2800" kern="1200" dirty="0" err="1" smtClean="0"/>
+            <a:t>Godeyes</a:t>
+          </a:r>
+          <a:endParaRPr lang="zh-CN" altLang="en-US" sz="2800" kern="1200" dirty="0"/>
+        </a:p>
+      </dsp:txBody>
+      <dsp:txXfrm>
+        <a:off x="3566653" y="3251200"/>
+        <a:ext cx="3391918" cy="2167466"/>
+      </dsp:txXfrm>
+    </dsp:sp>
+    <dsp:sp modelId="{FD079F88-3701-964D-B5C6-AD44EF8BB1A0}">
+      <dsp:nvSpPr>
+        <dsp:cNvPr id="0" name=""/>
+        <dsp:cNvSpPr/>
+      </dsp:nvSpPr>
+      <dsp:spPr>
+        <a:xfrm>
+          <a:off x="4991678" y="2438400"/>
+          <a:ext cx="541866" cy="541866"/>
+        </a:xfrm>
+        <a:prstGeom prst="ellipse">
+          <a:avLst/>
+        </a:prstGeom>
+        <a:gradFill rotWithShape="0">
+          <a:gsLst>
+            <a:gs pos="0">
+              <a:schemeClr val="accent1">
+                <a:hueOff val="0"/>
+                <a:satOff val="0"/>
+                <a:lumOff val="0"/>
+                <a:alphaOff val="0"/>
+                <a:satMod val="103000"/>
+                <a:lumMod val="102000"/>
+                <a:tint val="94000"/>
+              </a:schemeClr>
+            </a:gs>
+            <a:gs pos="50000">
+              <a:schemeClr val="accent1">
+                <a:hueOff val="0"/>
+                <a:satOff val="0"/>
+                <a:lumOff val="0"/>
+                <a:alphaOff val="0"/>
+                <a:satMod val="110000"/>
+                <a:lumMod val="100000"/>
+                <a:shade val="100000"/>
+              </a:schemeClr>
+            </a:gs>
+            <a:gs pos="100000">
+              <a:schemeClr val="accent1">
+                <a:hueOff val="0"/>
+                <a:satOff val="0"/>
+                <a:lumOff val="0"/>
+                <a:alphaOff val="0"/>
+                <a:lumMod val="99000"/>
+                <a:satMod val="120000"/>
+                <a:shade val="78000"/>
+              </a:schemeClr>
+            </a:gs>
+          </a:gsLst>
+          <a:lin ang="5400000" scaled="0"/>
+        </a:gradFill>
+        <a:ln>
+          <a:noFill/>
+        </a:ln>
+        <a:effectLst/>
+      </dsp:spPr>
+      <dsp:style>
+        <a:lnRef idx="0">
+          <a:scrgbClr r="0" g="0" b="0"/>
+        </a:lnRef>
+        <a:fillRef idx="3">
+          <a:scrgbClr r="0" g="0" b="0"/>
+        </a:fillRef>
+        <a:effectRef idx="2">
+          <a:scrgbClr r="0" g="0" b="0"/>
+        </a:effectRef>
+        <a:fontRef idx="minor">
+          <a:schemeClr val="lt1"/>
+        </a:fontRef>
+      </dsp:style>
+    </dsp:sp>
+    <dsp:sp modelId="{92391C52-40D6-C545-A699-524BB1B93FE2}">
+      <dsp:nvSpPr>
+        <dsp:cNvPr id="0" name=""/>
+        <dsp:cNvSpPr/>
+      </dsp:nvSpPr>
+      <dsp:spPr>
+        <a:xfrm>
+          <a:off x="7128167" y="0"/>
+          <a:ext cx="3391918" cy="2167466"/>
+        </a:xfrm>
+        <a:prstGeom prst="rect">
+          <a:avLst/>
+        </a:prstGeom>
+        <a:noFill/>
+        <a:ln>
+          <a:noFill/>
+        </a:ln>
+        <a:effectLst/>
+      </dsp:spPr>
+      <dsp:style>
+        <a:lnRef idx="0">
+          <a:scrgbClr r="0" g="0" b="0"/>
+        </a:lnRef>
+        <a:fillRef idx="0">
+          <a:scrgbClr r="0" g="0" b="0"/>
+        </a:fillRef>
+        <a:effectRef idx="0">
+          <a:scrgbClr r="0" g="0" b="0"/>
+        </a:effectRef>
+        <a:fontRef idx="minor"/>
+      </dsp:style>
+      <dsp:txBody>
+        <a:bodyPr spcFirstLastPara="0" vert="horz" wrap="square" lIns="256032" tIns="256032" rIns="256032" bIns="256032" numCol="1" spcCol="1270" anchor="b" anchorCtr="1">
+          <a:noAutofit/>
+        </a:bodyPr>
+        <a:lstStyle/>
+        <a:p>
+          <a:pPr lvl="0" algn="l" defTabSz="1600200">
+            <a:lnSpc>
+              <a:spcPct val="90000"/>
+            </a:lnSpc>
+            <a:spcBef>
+              <a:spcPct val="0"/>
+            </a:spcBef>
+            <a:spcAft>
+              <a:spcPct val="35000"/>
+            </a:spcAft>
+          </a:pPr>
+          <a:r>
+            <a:rPr lang="zh-CN" altLang="en-US" sz="3600" kern="1200" dirty="0" smtClean="0"/>
+            <a:t>空指针和内存泄露检查</a:t>
+          </a:r>
+          <a:endParaRPr lang="zh-CN" altLang="en-US" sz="3600" kern="1200" dirty="0"/>
+        </a:p>
+        <a:p>
+          <a:pPr marL="285750" lvl="1" indent="-285750" algn="l" defTabSz="1244600">
+            <a:lnSpc>
+              <a:spcPct val="90000"/>
+            </a:lnSpc>
+            <a:spcBef>
+              <a:spcPct val="0"/>
+            </a:spcBef>
+            <a:spcAft>
+              <a:spcPct val="15000"/>
+            </a:spcAft>
+            <a:buChar char="••"/>
+          </a:pPr>
+          <a:r>
+            <a:rPr lang="en-US" altLang="zh-CN" sz="2800" kern="1200" dirty="0" smtClean="0"/>
+            <a:t>Infer</a:t>
+          </a:r>
+          <a:endParaRPr lang="zh-CN" altLang="en-US" sz="2800" kern="1200" dirty="0"/>
+        </a:p>
+      </dsp:txBody>
+      <dsp:txXfrm>
+        <a:off x="7128167" y="0"/>
+        <a:ext cx="3391918" cy="2167466"/>
+      </dsp:txXfrm>
+    </dsp:sp>
+    <dsp:sp modelId="{30CE4B6E-3775-1740-B5DF-AEFB806BDDBB}">
+      <dsp:nvSpPr>
+        <dsp:cNvPr id="0" name=""/>
+        <dsp:cNvSpPr/>
+      </dsp:nvSpPr>
+      <dsp:spPr>
+        <a:xfrm>
+          <a:off x="8553192" y="2438400"/>
+          <a:ext cx="541866" cy="541866"/>
+        </a:xfrm>
+        <a:prstGeom prst="ellipse">
+          <a:avLst/>
+        </a:prstGeom>
+        <a:gradFill rotWithShape="0">
+          <a:gsLst>
+            <a:gs pos="0">
+              <a:schemeClr val="accent1">
+                <a:hueOff val="0"/>
+                <a:satOff val="0"/>
+                <a:lumOff val="0"/>
+                <a:alphaOff val="0"/>
+                <a:satMod val="103000"/>
+                <a:lumMod val="102000"/>
+                <a:tint val="94000"/>
+              </a:schemeClr>
+            </a:gs>
+            <a:gs pos="50000">
+              <a:schemeClr val="accent1">
+                <a:hueOff val="0"/>
+                <a:satOff val="0"/>
+                <a:lumOff val="0"/>
+                <a:alphaOff val="0"/>
+                <a:satMod val="110000"/>
+                <a:lumMod val="100000"/>
+                <a:shade val="100000"/>
+              </a:schemeClr>
+            </a:gs>
+            <a:gs pos="100000">
+              <a:schemeClr val="accent1">
+                <a:hueOff val="0"/>
+                <a:satOff val="0"/>
+                <a:lumOff val="0"/>
+                <a:alphaOff val="0"/>
+                <a:lumMod val="99000"/>
+                <a:satMod val="120000"/>
+                <a:shade val="78000"/>
+              </a:schemeClr>
+            </a:gs>
+          </a:gsLst>
+          <a:lin ang="5400000" scaled="0"/>
+        </a:gradFill>
+        <a:ln>
+          <a:noFill/>
+        </a:ln>
+        <a:effectLst/>
+      </dsp:spPr>
+      <dsp:style>
+        <a:lnRef idx="0">
+          <a:scrgbClr r="0" g="0" b="0"/>
+        </a:lnRef>
+        <a:fillRef idx="3">
+          <a:scrgbClr r="0" g="0" b="0"/>
+        </a:fillRef>
+        <a:effectRef idx="2">
+          <a:scrgbClr r="0" g="0" b="0"/>
+        </a:effectRef>
+        <a:fontRef idx="minor">
+          <a:schemeClr val="lt1"/>
+        </a:fontRef>
+      </dsp:style>
+    </dsp:sp>
+  </dsp:spTree>
+</dsp:drawing>
+</file>
+
+<file path=ppt/diagrams/layout1.xml><?xml version="1.0" encoding="utf-8"?>
+<dgm:layoutDef xmlns:dgm="http://schemas.openxmlformats.org/drawingml/2006/diagram" xmlns:a="http://schemas.openxmlformats.org/drawingml/2006/main" uniqueId="urn:microsoft.com/office/officeart/2005/8/layout/hProcess11">
+  <dgm:title val=""/>
+  <dgm:desc val=""/>
+  <dgm:catLst>
+    <dgm:cat type="process" pri="8000"/>
+    <dgm:cat type="convert" pri="14000"/>
+  </dgm:catLst>
+  <dgm:sampData useDef="1">
+    <dgm:dataModel>
+      <dgm:ptLst/>
+      <dgm:bg/>
+      <dgm:whole/>
+    </dgm:dataModel>
+  </dgm:sampData>
+  <dgm:styleData>
+    <dgm:dataModel>
+      <dgm:ptLst>
+        <dgm:pt modelId="0" type="doc"/>
+        <dgm:pt modelId="1"/>
+        <dgm:pt modelId="2"/>
+      </dgm:ptLst>
+      <dgm:cxnLst>
+        <dgm:cxn modelId="4" srcId="0" destId="1" srcOrd="0" destOrd="0"/>
+        <dgm:cxn modelId="5" srcId="0" destId="2" srcOrd="1" destOrd="0"/>
+      </dgm:cxnLst>
+      <dgm:bg/>
+      <dgm:whole/>
+    </dgm:dataModel>
+  </dgm:styleData>
+  <dgm:clrData>
+    <dgm:dataModel>
+      <dgm:ptLst>
+        <dgm:pt modelId="0" type="doc"/>
+        <dgm:pt modelId="1"/>
+        <dgm:pt modelId="2"/>
+        <dgm:pt modelId="3"/>
+        <dgm:pt modelId="4"/>
+      </dgm:ptLst>
+      <dgm:cxnLst>
+        <dgm:cxn modelId="5" srcId="0" destId="1" srcOrd="0" destOrd="0"/>
+        <dgm:cxn modelId="6" srcId="0" destId="2" srcOrd="1" destOrd="0"/>
+        <dgm:cxn modelId="7" srcId="0" destId="3" srcOrd="2" destOrd="0"/>
+        <dgm:cxn modelId="8" srcId="0" destId="4" srcOrd="3" destOrd="0"/>
+      </dgm:cxnLst>
+      <dgm:bg/>
+      <dgm:whole/>
+    </dgm:dataModel>
+  </dgm:clrData>
+  <dgm:layoutNode name="Name0">
+    <dgm:varLst>
+      <dgm:dir/>
+      <dgm:resizeHandles val="exact"/>
+    </dgm:varLst>
+    <dgm:alg type="composite"/>
+    <dgm:shape xmlns:r="http://schemas.openxmlformats.org/officeDocument/2006/relationships" r:blip="">
+      <dgm:adjLst/>
+    </dgm:shape>
+    <dgm:presOf/>
+    <dgm:choose name="Name1">
+      <dgm:if name="Name2" func="var" arg="dir" op="equ" val="norm">
+        <dgm:constrLst>
+          <dgm:constr type="w" for="ch" forName="arrow" refType="w"/>
+          <dgm:constr type="h" for="ch" forName="arrow" refType="h" fact="0.4"/>
+          <dgm:constr type="ctrY" for="ch" forName="arrow" refType="h" fact="0.5"/>
+          <dgm:constr type="l" for="ch" forName="arrow"/>
+          <dgm:constr type="w" for="ch" forName="points" refType="w" fact="0.9"/>
+          <dgm:constr type="h" for="ch" forName="points" refType="h"/>
+          <dgm:constr type="t" for="ch" forName="points"/>
+          <dgm:constr type="l" for="ch" forName="points"/>
+        </dgm:constrLst>
+      </dgm:if>
+      <dgm:else name="Name3">
+        <dgm:constrLst>
+          <dgm:constr type="w" for="ch" forName="arrow" refType="w"/>
+          <dgm:constr type="h" for="ch" forName="arrow" refType="h" fact="0.4"/>
+          <dgm:constr type="ctrY" for="ch" forName="arrow" refType="h" fact="0.5"/>
+          <dgm:constr type="r" for="ch" forName="arrow" refType="w"/>
+          <dgm:constr type="w" for="ch" forName="points" refType="w" fact="0.9"/>
+          <dgm:constr type="h" for="ch" forName="points" refType="h"/>
+          <dgm:constr type="t" for="ch" forName="points"/>
+          <dgm:constr type="r" for="ch" forName="points" refType="w"/>
+        </dgm:constrLst>
+      </dgm:else>
+    </dgm:choose>
+    <dgm:ruleLst/>
+    <dgm:layoutNode name="arrow" styleLbl="bgShp">
+      <dgm:alg type="sp"/>
+      <dgm:choose name="Name4">
+        <dgm:if name="Name5" func="var" arg="dir" op="equ" val="norm">
+          <dgm:shape xmlns:r="http://schemas.openxmlformats.org/officeDocument/2006/relationships" type="notchedRightArrow" r:blip="">
+            <dgm:adjLst/>
+          </dgm:shape>
+        </dgm:if>
+        <dgm:else name="Name6">
+          <dgm:shape xmlns:r="http://schemas.openxmlformats.org/officeDocument/2006/relationships" rot="180" type="notchedRightArrow" r:blip="">
+            <dgm:adjLst/>
+          </dgm:shape>
+        </dgm:else>
+      </dgm:choose>
+      <dgm:presOf/>
+      <dgm:constrLst/>
+      <dgm:ruleLst/>
+    </dgm:layoutNode>
+    <dgm:layoutNode name="points">
+      <dgm:choose name="Name7">
+        <dgm:if name="Name8" func="var" arg="dir" op="equ" val="norm">
+          <dgm:alg type="lin">
+            <dgm:param type="linDir" val="fromL"/>
+          </dgm:alg>
+        </dgm:if>
+        <dgm:else name="Name9">
+          <dgm:alg type="lin">
+            <dgm:param type="linDir" val="fromR"/>
+          </dgm:alg>
+        </dgm:else>
+      </dgm:choose>
+      <dgm:shape xmlns:r="http://schemas.openxmlformats.org/officeDocument/2006/relationships" r:blip="">
+        <dgm:adjLst/>
+      </dgm:shape>
+      <dgm:presOf/>
+      <dgm:constrLst>
+        <dgm:constr type="w" for="ch" forName="compositeA" refType="w"/>
+        <dgm:constr type="h" for="ch" forName="compositeA" refType="h"/>
+        <dgm:constr type="w" for="ch" forName="compositeB" refType="w" refFor="ch" refForName="compositeA" op="equ"/>
+        <dgm:constr type="h" for="ch" forName="compositeB" refType="h" refFor="ch" refForName="compositeA" op="equ"/>
+        <dgm:constr type="primFontSz" for="des" ptType="node" op="equ" val="65"/>
+        <dgm:constr type="w" for="ch" forName="space" refType="w" refFor="ch" refForName="compositeA" op="equ" fact="0.05"/>
+      </dgm:constrLst>
+      <dgm:ruleLst/>
+      <dgm:forEach name="Name10" axis="ch" ptType="node">
+        <dgm:choose name="Name11">
+          <dgm:if name="Name12" axis="self" ptType="node" func="posOdd" op="equ" val="1">
+            <dgm:layoutNode name="compositeA">
+              <dgm:alg type="composite"/>
+              <dgm:shape xmlns:r="http://schemas.openxmlformats.org/officeDocument/2006/relationships" r:blip="">
+                <dgm:adjLst/>
+              </dgm:shape>
+              <dgm:presOf/>
+              <dgm:constrLst>
+                <dgm:constr type="w" for="ch" forName="textA" refType="w"/>
+                <dgm:constr type="h" for="ch" forName="textA" refType="h" fact="0.4"/>
+                <dgm:constr type="t" for="ch" forName="textA"/>
+                <dgm:constr type="l" for="ch" forName="textA"/>
+                <dgm:constr type="h" for="ch" forName="circleA" refType="h" fact="0.1"/>
+                <dgm:constr type="h" for="ch" forName="circleA" refType="w" op="lte"/>
+                <dgm:constr type="w" for="ch" forName="circleA" refType="h" refFor="ch" refForName="circleA" op="equ"/>
+                <dgm:constr type="ctrY" for="ch" forName="circleA" refType="h" fact="0.5"/>
+                <dgm:constr type="ctrX" for="ch" forName="circleA" refType="w" refFor="ch" refForName="textA" fact="0.5"/>
+                <dgm:constr type="w" for="ch" forName="spaceA" refType="w"/>
+                <dgm:constr type="h" for="ch" forName="spaceA" refType="h" fact="0.4"/>
+                <dgm:constr type="b" for="ch" forName="spaceA" refType="h"/>
+                <dgm:constr type="l" for="ch" forName="spaceA"/>
+              </dgm:constrLst>
+              <dgm:ruleLst/>
+              <dgm:layoutNode name="textA" styleLbl="revTx">
+                <dgm:varLst>
+                  <dgm:bulletEnabled val="1"/>
+                </dgm:varLst>
+                <dgm:alg type="tx">
+                  <dgm:param type="txAnchorVert" val="b"/>
+                  <dgm:param type="txAnchorVertCh" val="b"/>
+                  <dgm:param type="txAnchorHorzCh" val="ctr"/>
+                </dgm:alg>
+                <dgm:shape xmlns:r="http://schemas.openxmlformats.org/officeDocument/2006/relationships" type="rect" r:blip="">
+                  <dgm:adjLst/>
+                </dgm:shape>
+                <dgm:presOf axis="desOrSelf" ptType="node"/>
+                <dgm:constrLst/>
+                <dgm:ruleLst>
+                  <dgm:rule type="primFontSz" val="5" fact="NaN" max="NaN"/>
+                </dgm:ruleLst>
+              </dgm:layoutNode>
+              <dgm:layoutNode name="circleA">
+                <dgm:alg type="sp"/>
+                <dgm:shape xmlns:r="http://schemas.openxmlformats.org/officeDocument/2006/relationships" type="ellipse" r:blip="">
+                  <dgm:adjLst/>
+                </dgm:shape>
+                <dgm:presOf/>
+                <dgm:constrLst/>
+                <dgm:ruleLst/>
+              </dgm:layoutNode>
+              <dgm:layoutNode name="spaceA">
+                <dgm:alg type="sp"/>
+                <dgm:shape xmlns:r="http://schemas.openxmlformats.org/officeDocument/2006/relationships" r:blip="">
+                  <dgm:adjLst/>
+                </dgm:shape>
+                <dgm:presOf/>
+                <dgm:constrLst/>
+                <dgm:ruleLst/>
+              </dgm:layoutNode>
+            </dgm:layoutNode>
+          </dgm:if>
+          <dgm:else name="Name13">
+            <dgm:layoutNode name="compositeB">
+              <dgm:alg type="composite"/>
+              <dgm:shape xmlns:r="http://schemas.openxmlformats.org/officeDocument/2006/relationships" r:blip="">
+                <dgm:adjLst/>
+              </dgm:shape>
+              <dgm:presOf/>
+              <dgm:constrLst>
+                <dgm:constr type="w" for="ch" forName="textB" refType="w"/>
+                <dgm:constr type="h" for="ch" forName="textB" refType="h" fact="0.4"/>
+                <dgm:constr type="b" for="ch" forName="textB" refType="h"/>
+                <dgm:constr type="l" for="ch" forName="textB"/>
+                <dgm:constr type="h" for="ch" forName="circleB" refType="h" fact="0.1"/>
+                <dgm:constr type="w" for="ch" forName="circleB" refType="h" refFor="ch" refForName="circleB" op="equ"/>
+                <dgm:constr type="h" for="ch" forName="circleB" refType="w" op="lte"/>
+                <dgm:constr type="ctrY" for="ch" forName="circleB" refType="h" fact="0.5"/>
+                <dgm:constr type="ctrX" for="ch" forName="circleB" refType="w" refFor="ch" refForName="textB" fact="0.5"/>
+                <dgm:constr type="w" for="ch" forName="spaceB" refType="w"/>
+                <dgm:constr type="h" for="ch" forName="spaceB" refType="h" fact="0.4"/>
+                <dgm:constr type="t" for="ch" forName="spaceB"/>
+                <dgm:constr type="l" for="ch" forName="spaceB"/>
+              </dgm:constrLst>
+              <dgm:ruleLst/>
+              <dgm:layoutNode name="textB" styleLbl="revTx">
+                <dgm:varLst>
+                  <dgm:bulletEnabled val="1"/>
+                </dgm:varLst>
+                <dgm:alg type="tx">
+                  <dgm:param type="txAnchorVert" val="t"/>
+                  <dgm:param type="txAnchorVertCh" val="t"/>
+                  <dgm:param type="txAnchorHorzCh" val="ctr"/>
+                </dgm:alg>
+                <dgm:shape xmlns:r="http://schemas.openxmlformats.org/officeDocument/2006/relationships" type="rect" r:blip="">
+                  <dgm:adjLst/>
+                </dgm:shape>
+                <dgm:presOf axis="desOrSelf" ptType="node"/>
+                <dgm:constrLst/>
+                <dgm:ruleLst>
+                  <dgm:rule type="primFontSz" val="5" fact="NaN" max="NaN"/>
+                </dgm:ruleLst>
+              </dgm:layoutNode>
+              <dgm:layoutNode name="circleB">
+                <dgm:alg type="sp"/>
+                <dgm:shape xmlns:r="http://schemas.openxmlformats.org/officeDocument/2006/relationships" type="ellipse" r:blip="">
+                  <dgm:adjLst/>
+                </dgm:shape>
+                <dgm:presOf/>
+                <dgm:constrLst/>
+                <dgm:ruleLst/>
+              </dgm:layoutNode>
+              <dgm:layoutNode name="spaceB">
+                <dgm:alg type="sp"/>
+                <dgm:shape xmlns:r="http://schemas.openxmlformats.org/officeDocument/2006/relationships" r:blip="">
+                  <dgm:adjLst/>
+                </dgm:shape>
+                <dgm:presOf/>
+                <dgm:constrLst/>
+                <dgm:ruleLst/>
+              </dgm:layoutNode>
+            </dgm:layoutNode>
+          </dgm:else>
+        </dgm:choose>
+        <dgm:forEach name="Name14" axis="followSib" ptType="sibTrans" cnt="1">
+          <dgm:layoutNode name="space">
+            <dgm:alg type="sp"/>
+            <dgm:shape xmlns:r="http://schemas.openxmlformats.org/officeDocument/2006/relationships" r:blip="">
+              <dgm:adjLst/>
+            </dgm:shape>
+            <dgm:presOf/>
+            <dgm:constrLst/>
+            <dgm:ruleLst/>
+          </dgm:layoutNode>
+        </dgm:forEach>
+      </dgm:forEach>
+    </dgm:layoutNode>
+  </dgm:layoutNode>
+</dgm:layoutDef>
+</file>
+
+<file path=ppt/diagrams/quickStyle1.xml><?xml version="1.0" encoding="utf-8"?>
+<dgm:styleDef xmlns:dgm="http://schemas.openxmlformats.org/drawingml/2006/diagram" xmlns:a="http://schemas.openxmlformats.org/drawingml/2006/main" uniqueId="urn:microsoft.com/office/officeart/2005/8/quickstyle/simple4">
+  <dgm:title val=""/>
+  <dgm:desc val=""/>
+  <dgm:catLst>
+    <dgm:cat type="simple" pri="10400"/>
+  </dgm:catLst>
+  <dgm:scene3d>
+    <a:camera prst="orthographicFront"/>
+    <a:lightRig rig="threePt" dir="t"/>
+  </dgm:scene3d>
+  <dgm:styleLbl name="node0">
+    <dgm:scene3d>
+      <a:camera prst="orthographicFront"/>
+      <a:lightRig rig="threePt" dir="t"/>
+    </dgm:scene3d>
+    <dgm:sp3d/>
+    <dgm:txPr/>
+    <dgm:style>
+      <a:lnRef idx="0">
+        <a:scrgbClr r="0" g="0" b="0"/>
+      </a:lnRef>
+      <a:fillRef idx="3">
+        <a:scrgbClr r="0" g="0" b="0"/>
+      </a:fillRef>
+      <a:effectRef idx="2">
+        <a:scrgbClr r="0" g="0" b="0"/>
+      </a:effectRef>
+      <a:fontRef idx="minor">
+        <a:schemeClr val="lt1"/>
+      </a:fontRef>
+    </dgm:style>
+  </dgm:styleLbl>
+  <dgm:styleLbl name="lnNode1">
+    <dgm:scene3d>
+      <a:camera prst="orthographicFront"/>
+      <a:lightRig rig="threePt" dir="t"/>
+    </dgm:scene3d>
+    <dgm:sp3d/>
+    <dgm:txPr/>
+    <dgm:style>
+      <a:lnRef idx="1">
+        <a:scrgbClr r="0" g="0" b="0"/>
+      </a:lnRef>
+      <a:fillRef idx="3">
+        <a:scrgbClr r="0" g="0" b="0"/>
+      </a:fillRef>
+      <a:effectRef idx="2">
+        <a:scrgbClr r="0" g="0" b="0"/>
+      </a:effectRef>
+      <a:fontRef idx="minor">
+        <a:schemeClr val="lt1"/>
+      </a:fontRef>
+    </dgm:style>
+  </dgm:styleLbl>
+  <dgm:styleLbl name="vennNode1">
+    <dgm:scene3d>
+      <a:camera prst="orthographicFront"/>
+      <a:lightRig rig="threePt" dir="t"/>
+    </dgm:scene3d>
+    <dgm:sp3d/>
+    <dgm:txPr/>
+    <dgm:style>
+      <a:lnRef idx="0">
+        <a:scrgbClr r="0" g="0" b="0"/>
+      </a:lnRef>
+      <a:fillRef idx="3">
+        <a:scrgbClr r="0" g="0" b="0"/>
+      </a:fillRef>
+      <a:effectRef idx="0">
+        <a:scrgbClr r="0" g="0" b="0"/>
+      </a:effectRef>
+      <a:fontRef idx="minor">
+        <a:schemeClr val="tx1"/>
+      </a:fontRef>
+    </dgm:style>
+  </dgm:styleLbl>
+  <dgm:styleLbl name="alignNode1">
+    <dgm:scene3d>
+      <a:camera prst="orthographicFront"/>
+      <a:lightRig rig="threePt" dir="t"/>
+    </dgm:scene3d>
+    <dgm:sp3d/>
+    <dgm:txPr/>
+    <dgm:style>
+      <a:lnRef idx="1">
+        <a:scrgbClr r="0" g="0" b="0"/>
+      </a:lnRef>
+      <a:fillRef idx="3">
+        <a:scrgbClr r="0" g="0" b="0"/>
+      </a:fillRef>
+      <a:effectRef idx="2">
+        <a:scrgbClr r="0" g="0" b="0"/>
+      </a:effectRef>
+      <a:fontRef idx="minor">
+        <a:schemeClr val="lt1"/>
+      </a:fontRef>
+    </dgm:style>
+  </dgm:styleLbl>
+  <dgm:styleLbl name="node1">
+    <dgm:scene3d>
+      <a:camera prst="orthographicFront"/>
+      <a:lightRig rig="threePt" dir="t"/>
+    </dgm:scene3d>
+    <dgm:sp3d/>
+    <dgm:txPr/>
+    <dgm:style>
+      <a:lnRef idx="0">
+        <a:scrgbClr r="0" g="0" b="0"/>
+      </a:lnRef>
+      <a:fillRef idx="3">
+        <a:scrgbClr r="0" g="0" b="0"/>
+      </a:fillRef>
+      <a:effectRef idx="2">
+        <a:scrgbClr r="0" g="0" b="0"/>
+      </a:effectRef>
+      <a:fontRef idx="minor">
+        <a:schemeClr val="lt1"/>
+      </a:fontRef>
+    </dgm:style>
+  </dgm:styleLbl>
+  <dgm:styleLbl name="node2">
+    <dgm:scene3d>
+      <a:camera prst="orthographicFront"/>
+      <a:lightRig rig="threePt" dir="t"/>
+    </dgm:scene3d>
+    <dgm:sp3d/>
+    <dgm:txPr/>
+    <dgm:style>
+      <a:lnRef idx="0">
+        <a:scrgbClr r="0" g="0" b="0"/>
+      </a:lnRef>
+      <a:fillRef idx="3">
+        <a:scrgbClr r="0" g="0" b="0"/>
+      </a:fillRef>
+      <a:effectRef idx="2">
+        <a:scrgbClr r="0" g="0" b="0"/>
+      </a:effectRef>
+      <a:fontRef idx="minor">
+        <a:schemeClr val="lt1"/>
+      </a:fontRef>
+    </dgm:style>
+  </dgm:styleLbl>
+  <dgm:styleLbl name="node3">
+    <dgm:scene3d>
+      <a:camera prst="orthographicFront"/>
+      <a:lightRig rig="threePt" dir="t"/>
+    </dgm:scene3d>
+    <dgm:sp3d/>
+    <dgm:txPr/>
+    <dgm:style>
+      <a:lnRef idx="0">
+        <a:scrgbClr r="0" g="0" b="0"/>
+      </a:lnRef>
+      <a:fillRef idx="3">
+        <a:scrgbClr r="0" g="0" b="0"/>
+      </a:fillRef>
+      <a:effectRef idx="2">
+        <a:scrgbClr r="0" g="0" b="0"/>
+      </a:effectRef>
+      <a:fontRef idx="minor">
+        <a:schemeClr val="lt1"/>
+      </a:fontRef>
+    </dgm:style>
+  </dgm:styleLbl>
+  <dgm:styleLbl name="node4">
+    <dgm:scene3d>
+      <a:camera prst="orthographicFront"/>
+      <a:lightRig rig="threePt" dir="t"/>
+    </dgm:scene3d>
+    <dgm:sp3d/>
+    <dgm:txPr/>
+    <dgm:style>
+      <a:lnRef idx="0">
+        <a:scrgbClr r="0" g="0" b="0"/>
+      </a:lnRef>
+      <a:fillRef idx="3">
+        <a:scrgbClr r="0" g="0" b="0"/>
+      </a:fillRef>
+      <a:effectRef idx="2">
+        <a:scrgbClr r="0" g="0" b="0"/>
+      </a:effectRef>
+      <a:fontRef idx="minor">
+        <a:schemeClr val="lt1"/>
+      </a:fontRef>
+    </dgm:style>
+  </dgm:styleLbl>
+  <dgm:styleLbl name="fgImgPlace1">
+    <dgm:scene3d>
+      <a:camera prst="orthographicFront"/>
+      <a:lightRig rig="threePt" dir="t"/>
+    </dgm:scene3d>
+    <dgm:sp3d/>
+    <dgm:txPr/>
+    <dgm:style>
+      <a:lnRef idx="0">
+        <a:scrgbClr r="0" g="0" b="0"/>
+      </a:lnRef>
+      <a:fillRef idx="1">
+        <a:scrgbClr r="0" g="0" b="0"/>
+      </a:fillRef>
+      <a:effectRef idx="2">
+        <a:scrgbClr r="0" g="0" b="0"/>
+      </a:effectRef>
+      <a:fontRef idx="minor"/>
+    </dgm:style>
+  </dgm:styleLbl>
+  <dgm:styleLbl name="alignImgPlace1">
+    <dgm:scene3d>
+      <a:camera prst="orthographicFront"/>
+      <a:lightRig rig="threePt" dir="t"/>
+    </dgm:scene3d>
+    <dgm:sp3d/>
+    <dgm:txPr/>
+    <dgm:style>
+      <a:lnRef idx="0">
+        <a:scrgbClr r="0" g="0" b="0"/>
+      </a:lnRef>
+      <a:fillRef idx="1">
+        <a:scrgbClr r="0" g="0" b="0"/>
+      </a:fillRef>
+      <a:effectRef idx="2">
+        <a:scrgbClr r="0" g="0" b="0"/>
+      </a:effectRef>
+      <a:fontRef idx="minor"/>
+    </dgm:style>
+  </dgm:styleLbl>
+  <dgm:styleLbl name="bgImgPlace1">
+    <dgm:scene3d>
+      <a:camera prst="orthographicFront"/>
+      <a:lightRig rig="threePt" dir="t"/>
+    </dgm:scene3d>
+    <dgm:sp3d/>
+    <dgm:txPr/>
+    <dgm:style>
+      <a:lnRef idx="0">
+        <a:scrgbClr r="0" g="0" b="0"/>
+      </a:lnRef>
+      <a:fillRef idx="1">
+        <a:scrgbClr r="0" g="0" b="0"/>
+      </a:fillRef>
+      <a:effectRef idx="2">
+        <a:scrgbClr r="0" g="0" b="0"/>
+      </a:effectRef>
+      <a:fontRef idx="minor"/>
+    </dgm:style>
+  </dgm:styleLbl>
+  <dgm:styleLbl name="sibTrans2D1">
+    <dgm:scene3d>
+      <a:camera prst="orthographicFront"/>
+      <a:lightRig rig="threePt" dir="t"/>
+    </dgm:scene3d>
+    <dgm:sp3d/>
+    <dgm:txPr/>
+    <dgm:style>
+      <a:lnRef idx="0">
+        <a:scrgbClr r="0" g="0" b="0"/>
+      </a:lnRef>
+      <a:fillRef idx="3">
+        <a:scrgbClr r="0" g="0" b="0"/>
+      </a:fillRef>
+      <a:effectRef idx="2">
+        <a:scrgbClr r="0" g="0" b="0"/>
+      </a:effectRef>
+      <a:fontRef idx="minor">
+        <a:schemeClr val="lt1"/>
+      </a:fontRef>
+    </dgm:style>
+  </dgm:styleLbl>
+  <dgm:styleLbl name="fgSibTrans2D1">
+    <dgm:scene3d>
+      <a:camera prst="orthographicFront"/>
+      <a:lightRig rig="threePt" dir="t"/>
+    </dgm:scene3d>
+    <dgm:sp3d/>
+    <dgm:txPr/>
+    <dgm:style>
+      <a:lnRef idx="0">
+        <a:scrgbClr r="0" g="0" b="0"/>
+      </a:lnRef>
+      <a:fillRef idx="3">
+        <a:scrgbClr r="0" g="0" b="0"/>
+      </a:fillRef>
+      <a:effectRef idx="2">
+        <a:scrgbClr r="0" g="0" b="0"/>
+      </a:effectRef>
+      <a:fontRef idx="minor">
+        <a:schemeClr val="lt1"/>
+      </a:fontRef>
+    </dgm:style>
+  </dgm:styleLbl>
+  <dgm:styleLbl name="bgSibTrans2D1">
+    <dgm:scene3d>
+      <a:camera prst="orthographicFront"/>
+      <a:lightRig rig="threePt" dir="t"/>
+    </dgm:scene3d>
+    <dgm:sp3d/>
+    <dgm:txPr/>
+    <dgm:style>
+      <a:lnRef idx="0">
+        <a:scrgbClr r="0" g="0" b="0"/>
+      </a:lnRef>
+      <a:fillRef idx="3">
+        <a:scrgbClr r="0" g="0" b="0"/>
+      </a:fillRef>
+      <a:effectRef idx="2">
+        <a:scrgbClr r="0" g="0" b="0"/>
+      </a:effectRef>
+      <a:fontRef idx="minor">
+        <a:schemeClr val="lt1"/>
+      </a:fontRef>
+    </dgm:style>
+  </dgm:styleLbl>
+  <dgm:styleLbl name="sibTrans1D1">
+    <dgm:scene3d>
+      <a:camera prst="orthographicFront"/>
+      <a:lightRig rig="threePt" dir="t"/>
+    </dgm:scene3d>
+    <dgm:sp3d/>
+    <dgm:txPr/>
+    <dgm:style>
+      <a:lnRef idx="1">
+        <a:scrgbClr r="0" g="0" b="0"/>
+      </a:lnRef>
+      <a:fillRef idx="0">
+        <a:scrgbClr r="0" g="0" b="0"/>
+      </a:fillRef>
+      <a:effectRef idx="0">
+        <a:scrgbClr r="0" g="0" b="0"/>
+      </a:effectRef>
+      <a:fontRef idx="minor"/>
+    </dgm:style>
+  </dgm:styleLbl>
+  <dgm:styleLbl name="callout">
+    <dgm:scene3d>
+      <a:camera prst="orthographicFront"/>
+      <a:lightRig rig="threePt" dir="t"/>
+    </dgm:scene3d>
+    <dgm:sp3d/>
+    <dgm:txPr/>
+    <dgm:style>
+      <a:lnRef idx="2">
+        <a:scrgbClr r="0" g="0" b="0"/>
+      </a:lnRef>
+      <a:fillRef idx="1">
+        <a:scrgbClr r="0" g="0" b="0"/>
+      </a:fillRef>
+      <a:effectRef idx="1">
+        <a:scrgbClr r="0" g="0" b="0"/>
+      </a:effectRef>
+      <a:fontRef idx="minor"/>
+    </dgm:style>
+  </dgm:styleLbl>
+  <dgm:styleLbl name="asst0">
+    <dgm:scene3d>
+      <a:camera prst="orthographicFront"/>
+      <a:lightRig rig="threePt" dir="t"/>
+    </dgm:scene3d>
+    <dgm:sp3d/>
+    <dgm:txPr/>
+    <dgm:style>
+      <a:lnRef idx="0">
+        <a:scrgbClr r="0" g="0" b="0"/>
+      </a:lnRef>
+      <a:fillRef idx="3">
+        <a:scrgbClr r="0" g="0" b="0"/>
+      </a:fillRef>
+      <a:effectRef idx="2">
+        <a:scrgbClr r="0" g="0" b="0"/>
+      </a:effectRef>
+      <a:fontRef idx="minor">
+        <a:schemeClr val="lt1"/>
+      </a:fontRef>
+    </dgm:style>
+  </dgm:styleLbl>
+  <dgm:styleLbl name="asst1">
+    <dgm:scene3d>
+      <a:camera prst="orthographicFront"/>
+      <a:lightRig rig="threePt" dir="t"/>
+    </dgm:scene3d>
+    <dgm:sp3d/>
+    <dgm:txPr/>
+    <dgm:style>
+      <a:lnRef idx="0">
+        <a:scrgbClr r="0" g="0" b="0"/>
+      </a:lnRef>
+      <a:fillRef idx="3">
+        <a:scrgbClr r="0" g="0" b="0"/>
+      </a:fillRef>
+      <a:effectRef idx="2">
+        <a:scrgbClr r="0" g="0" b="0"/>
+      </a:effectRef>
+      <a:fontRef idx="minor">
+        <a:schemeClr val="lt1"/>
+      </a:fontRef>
+    </dgm:style>
+  </dgm:styleLbl>
+  <dgm:styleLbl name="asst2">
+    <dgm:scene3d>
+      <a:camera prst="orthographicFront"/>
+      <a:lightRig rig="threePt" dir="t"/>
+    </dgm:scene3d>
+    <dgm:sp3d/>
+    <dgm:txPr/>
+    <dgm:style>
+      <a:lnRef idx="0">
+        <a:scrgbClr r="0" g="0" b="0"/>
+      </a:lnRef>
+      <a:fillRef idx="3">
+        <a:scrgbClr r="0" g="0" b="0"/>
+      </a:fillRef>
+      <a:effectRef idx="2">
+        <a:scrgbClr r="0" g="0" b="0"/>
+      </a:effectRef>
+      <a:fontRef idx="minor">
+        <a:schemeClr val="lt1"/>
+      </a:fontRef>
+    </dgm:style>
+  </dgm:styleLbl>
+  <dgm:styleLbl name="asst3">
+    <dgm:scene3d>
+      <a:camera prst="orthographicFront"/>
+      <a:lightRig rig="threePt" dir="t"/>
+    </dgm:scene3d>
+    <dgm:sp3d/>
+    <dgm:txPr/>
+    <dgm:style>
+      <a:lnRef idx="0">
+        <a:scrgbClr r="0" g="0" b="0"/>
+      </a:lnRef>
+      <a:fillRef idx="3">
+        <a:scrgbClr r="0" g="0" b="0"/>
+      </a:fillRef>
+      <a:effectRef idx="2">
+        <a:scrgbClr r="0" g="0" b="0"/>
+      </a:effectRef>
+      <a:fontRef idx="minor">
+        <a:schemeClr val="lt1"/>
+      </a:fontRef>
+    </dgm:style>
+  </dgm:styleLbl>
+  <dgm:styleLbl name="asst4">
+    <dgm:scene3d>
+      <a:camera prst="orthographicFront"/>
+      <a:lightRig rig="threePt" dir="t"/>
+    </dgm:scene3d>
+    <dgm:sp3d/>
+    <dgm:txPr/>
+    <dgm:style>
+      <a:lnRef idx="0">
+        <a:scrgbClr r="0" g="0" b="0"/>
+      </a:lnRef>
+      <a:fillRef idx="3">
+        <a:scrgbClr r="0" g="0" b="0"/>
+      </a:fillRef>
+      <a:effectRef idx="2">
+        <a:scrgbClr r="0" g="0" b="0"/>
+      </a:effectRef>
+      <a:fontRef idx="minor">
+        <a:schemeClr val="lt1"/>
+      </a:fontRef>
+    </dgm:style>
+  </dgm:styleLbl>
+  <dgm:styleLbl name="parChTrans2D1">
+    <dgm:scene3d>
+      <a:camera prst="orthographicFront"/>
+      <a:lightRig rig="threePt" dir="t"/>
+    </dgm:scene3d>
+    <dgm:sp3d/>
+    <dgm:txPr/>
+    <dgm:style>
+      <a:lnRef idx="0">
+        <a:scrgbClr r="0" g="0" b="0"/>
+      </a:lnRef>
+      <a:fillRef idx="3">
+        <a:scrgbClr r="0" g="0" b="0"/>
+      </a:fillRef>
+      <a:effectRef idx="2">
+        <a:scrgbClr r="0" g="0" b="0"/>
+      </a:effectRef>
+      <a:fontRef idx="minor">
+        <a:schemeClr val="lt1"/>
+      </a:fontRef>
+    </dgm:style>
+  </dgm:styleLbl>
+  <dgm:styleLbl name="parChTrans2D2">
+    <dgm:scene3d>
+      <a:camera prst="orthographicFront"/>
+      <a:lightRig rig="threePt" dir="t"/>
+    </dgm:scene3d>
+    <dgm:sp3d/>
+    <dgm:txPr/>
+    <dgm:style>
+      <a:lnRef idx="0">
+        <a:scrgbClr r="0" g="0" b="0"/>
+      </a:lnRef>
+      <a:fillRef idx="3">
+        <a:scrgbClr r="0" g="0" b="0"/>
+      </a:fillRef>
+      <a:effectRef idx="2">
+        <a:scrgbClr r="0" g="0" b="0"/>
+      </a:effectRef>
+      <a:fontRef idx="minor">
+        <a:schemeClr val="lt1"/>
+      </a:fontRef>
+    </dgm:style>
+  </dgm:styleLbl>
+  <dgm:styleLbl name="parChTrans2D3">
+    <dgm:scene3d>
+      <a:camera prst="orthographicFront"/>
+      <a:lightRig rig="threePt" dir="t"/>
+    </dgm:scene3d>
+    <dgm:sp3d/>
+    <dgm:txPr/>
+    <dgm:style>
+      <a:lnRef idx="1">
+        <a:scrgbClr r="0" g="0" b="0"/>
+      </a:lnRef>
+      <a:fillRef idx="3">
+        <a:scrgbClr r="0" g="0" b="0"/>
+      </a:fillRef>
+      <a:effectRef idx="2">
+        <a:scrgbClr r="0" g="0" b="0"/>
+      </a:effectRef>
+      <a:fontRef idx="minor">
+        <a:schemeClr val="lt1"/>
+      </a:fontRef>
+    </dgm:style>
+  </dgm:styleLbl>
+  <dgm:styleLbl name="parChTrans2D4">
+    <dgm:scene3d>
+      <a:camera prst="orthographicFront"/>
+      <a:lightRig rig="threePt" dir="t"/>
+    </dgm:scene3d>
+    <dgm:sp3d/>
+    <dgm:txPr/>
+    <dgm:style>
+      <a:lnRef idx="1">
+        <a:scrgbClr r="0" g="0" b="0"/>
+      </a:lnRef>
+      <a:fillRef idx="3">
+        <a:scrgbClr r="0" g="0" b="0"/>
+      </a:fillRef>
+      <a:effectRef idx="2">
+        <a:scrgbClr r="0" g="0" b="0"/>
+      </a:effectRef>
+      <a:fontRef idx="minor">
+        <a:schemeClr val="lt1"/>
+      </a:fontRef>
+    </dgm:style>
+  </dgm:styleLbl>
+  <dgm:styleLbl name="parChTrans1D1">
+    <dgm:scene3d>
+      <a:camera prst="orthographicFront"/>
+      <a:lightRig rig="threePt" dir="t"/>
+    </dgm:scene3d>
+    <dgm:sp3d/>
+    <dgm:txPr/>
+    <dgm:style>
+      <a:lnRef idx="1">
+        <a:scrgbClr r="0" g="0" b="0"/>
+      </a:lnRef>
+      <a:fillRef idx="0">
+        <a:scrgbClr r="0" g="0" b="0"/>
+      </a:fillRef>
+      <a:effectRef idx="0">
+        <a:scrgbClr r="0" g="0" b="0"/>
+      </a:effectRef>
+      <a:fontRef idx="minor"/>
+    </dgm:style>
+  </dgm:styleLbl>
+  <dgm:styleLbl name="parChTrans1D2">
+    <dgm:scene3d>
+      <a:camera prst="orthographicFront"/>
+      <a:lightRig rig="threePt" dir="t"/>
+    </dgm:scene3d>
+    <dgm:sp3d/>
+    <dgm:txPr/>
+    <dgm:style>
+      <a:lnRef idx="1">
+        <a:scrgbClr r="0" g="0" b="0"/>
+      </a:lnRef>
+      <a:fillRef idx="0">
+        <a:scrgbClr r="0" g="0" b="0"/>
+      </a:fillRef>
+      <a:effectRef idx="0">
+        <a:scrgbClr r="0" g="0" b="0"/>
+      </a:effectRef>
+      <a:fontRef idx="minor"/>
+    </dgm:style>
+  </dgm:styleLbl>
+  <dgm:styleLbl name="parChTrans1D3">
+    <dgm:scene3d>
+      <a:camera prst="orthographicFront"/>
+      <a:lightRig rig="threePt" dir="t"/>
+    </dgm:scene3d>
+    <dgm:sp3d/>
+    <dgm:txPr/>
+    <dgm:style>
+      <a:lnRef idx="1">
+        <a:scrgbClr r="0" g="0" b="0"/>
+      </a:lnRef>
+      <a:fillRef idx="0">
+        <a:scrgbClr r="0" g="0" b="0"/>
+      </a:fillRef>
+      <a:effectRef idx="0">
+        <a:scrgbClr r="0" g="0" b="0"/>
+      </a:effectRef>
+      <a:fontRef idx="minor"/>
+    </dgm:style>
+  </dgm:styleLbl>
+  <dgm:styleLbl name="parChTrans1D4">
+    <dgm:scene3d>
+      <a:camera prst="orthographicFront"/>
+      <a:lightRig rig="threePt" dir="t"/>
+    </dgm:scene3d>
+    <dgm:sp3d/>
+    <dgm:txPr/>
+    <dgm:style>
+      <a:lnRef idx="1">
+        <a:scrgbClr r="0" g="0" b="0"/>
+      </a:lnRef>
+      <a:fillRef idx="0">
+        <a:scrgbClr r="0" g="0" b="0"/>
+      </a:fillRef>
+      <a:effectRef idx="0">
+        <a:scrgbClr r="0" g="0" b="0"/>
+      </a:effectRef>
+      <a:fontRef idx="minor"/>
+    </dgm:style>
+  </dgm:styleLbl>
+  <dgm:styleLbl name="fgAcc1">
+    <dgm:scene3d>
+      <a:camera prst="orthographicFront"/>
+      <a:lightRig rig="threePt" dir="t"/>
+    </dgm:scene3d>
+    <dgm:sp3d/>
+    <dgm:txPr/>
+    <dgm:style>
+      <a:lnRef idx="1">
+        <a:scrgbClr r="0" g="0" b="0"/>
+      </a:lnRef>
+      <a:fillRef idx="1">
+        <a:scrgbClr r="0" g="0" b="0"/>
+      </a:fillRef>
+      <a:effectRef idx="0">
+        <a:scrgbClr r="0" g="0" b="0"/>
+      </a:effectRef>
+      <a:fontRef idx="minor"/>
+    </dgm:style>
+  </dgm:styleLbl>
+  <dgm:styleLbl name="conFgAcc1">
+    <dgm:scene3d>
+      <a:camera prst="orthographicFront"/>
+      <a:lightRig rig="threePt" dir="t"/>
+    </dgm:scene3d>
+    <dgm:sp3d/>
+    <dgm:txPr/>
+    <dgm:style>
+      <a:lnRef idx="1">
+        <a:scrgbClr r="0" g="0" b="0"/>
+      </a:lnRef>
+      <a:fillRef idx="1">
+        <a:scrgbClr r="0" g="0" b="0"/>
+      </a:fillRef>
+      <a:effectRef idx="0">
+        <a:scrgbClr r="0" g="0" b="0"/>
+      </a:effectRef>
+      <a:fontRef idx="minor"/>
+    </dgm:style>
+  </dgm:styleLbl>
+  <dgm:styleLbl name="alignAcc1">
+    <dgm:scene3d>
+      <a:camera prst="orthographicFront"/>
+      <a:lightRig rig="threePt" dir="t"/>
+    </dgm:scene3d>
+    <dgm:sp3d/>
+    <dgm:txPr/>
+    <dgm:style>
+      <a:lnRef idx="1">
+        <a:scrgbClr r="0" g="0" b="0"/>
+      </a:lnRef>
+      <a:fillRef idx="1">
+        <a:scrgbClr r="0" g="0" b="0"/>
+      </a:fillRef>
+      <a:effectRef idx="0">
+        <a:scrgbClr r="0" g="0" b="0"/>
+      </a:effectRef>
+      <a:fontRef idx="minor"/>
+    </dgm:style>
+  </dgm:styleLbl>
+  <dgm:styleLbl name="trAlignAcc1">
+    <dgm:scene3d>
+      <a:camera prst="orthographicFront"/>
+      <a:lightRig rig="threePt" dir="t"/>
+    </dgm:scene3d>
+    <dgm:sp3d/>
+    <dgm:txPr/>
+    <dgm:style>
+      <a:lnRef idx="1">
+        <a:scrgbClr r="0" g="0" b="0"/>
+      </a:lnRef>
+      <a:fillRef idx="1">
+        <a:scrgbClr r="0" g="0" b="0"/>
+      </a:fillRef>
+      <a:effectRef idx="0">
+        <a:scrgbClr r="0" g="0" b="0"/>
+      </a:effectRef>
+      <a:fontRef idx="minor"/>
+    </dgm:style>
+  </dgm:styleLbl>
+  <dgm:styleLbl name="bgAcc1">
+    <dgm:scene3d>
+      <a:camera prst="orthographicFront"/>
+      <a:lightRig rig="threePt" dir="t"/>
+    </dgm:scene3d>
+    <dgm:sp3d/>
+    <dgm:txPr/>
+    <dgm:style>
+      <a:lnRef idx="1">
+        <a:scrgbClr r="0" g="0" b="0"/>
+      </a:lnRef>
+      <a:fillRef idx="1">
+        <a:scrgbClr r="0" g="0" b="0"/>
+      </a:fillRef>
+      <a:effectRef idx="0">
+        <a:scrgbClr r="0" g="0" b="0"/>
+      </a:effectRef>
+      <a:fontRef idx="minor"/>
+    </dgm:style>
+  </dgm:styleLbl>
+  <dgm:styleLbl name="solidFgAcc1">
+    <dgm:scene3d>
+      <a:camera prst="orthographicFront"/>
+      <a:lightRig rig="threePt" dir="t"/>
+    </dgm:scene3d>
+    <dgm:sp3d/>
+    <dgm:txPr/>
+    <dgm:style>
+      <a:lnRef idx="1">
+        <a:scrgbClr r="0" g="0" b="0"/>
+      </a:lnRef>
+      <a:fillRef idx="1">
+        <a:scrgbClr r="0" g="0" b="0"/>
+      </a:fillRef>
+      <a:effectRef idx="0">
+        <a:scrgbClr r="0" g="0" b="0"/>
+      </a:effectRef>
+      <a:fontRef idx="minor"/>
+    </dgm:style>
+  </dgm:styleLbl>
+  <dgm:styleLbl name="solidAlignAcc1">
+    <dgm:scene3d>
+      <a:camera prst="orthographicFront"/>
+      <a:lightRig rig="threePt" dir="t"/>
+    </dgm:scene3d>
+    <dgm:sp3d/>
+    <dgm:txPr/>
+    <dgm:style>
+      <a:lnRef idx="1">
+        <a:scrgbClr r="0" g="0" b="0"/>
+      </a:lnRef>
+      <a:fillRef idx="1">
+        <a:scrgbClr r="0" g="0" b="0"/>
+      </a:fillRef>
+      <a:effectRef idx="0">
+        <a:scrgbClr r="0" g="0" b="0"/>
+      </a:effectRef>
+      <a:fontRef idx="minor"/>
+    </dgm:style>
+  </dgm:styleLbl>
+  <dgm:styleLbl name="solidBgAcc1">
+    <dgm:scene3d>
+      <a:camera prst="orthographicFront"/>
+      <a:lightRig rig="threePt" dir="t"/>
+    </dgm:scene3d>
+    <dgm:sp3d/>
+    <dgm:txPr/>
+    <dgm:style>
+      <a:lnRef idx="1">
+        <a:scrgbClr r="0" g="0" b="0"/>
+      </a:lnRef>
+      <a:fillRef idx="1">
+        <a:scrgbClr r="0" g="0" b="0"/>
+      </a:fillRef>
+      <a:effectRef idx="0">
+        <a:scrgbClr r="0" g="0" b="0"/>
+      </a:effectRef>
+      <a:fontRef idx="minor"/>
+    </dgm:style>
+  </dgm:styleLbl>
+  <dgm:styleLbl name="fgAccFollowNode1">
+    <dgm:scene3d>
+      <a:camera prst="orthographicFront"/>
+      <a:lightRig rig="threePt" dir="t"/>
+    </dgm:scene3d>
+    <dgm:sp3d/>
+    <dgm:txPr/>
+    <dgm:style>
+      <a:lnRef idx="1">
+        <a:scrgbClr r="0" g="0" b="0"/>
+      </a:lnRef>
+      <a:fillRef idx="1">
+        <a:scrgbClr r="0" g="0" b="0"/>
+      </a:fillRef>
+      <a:effectRef idx="0">
+        <a:scrgbClr r="0" g="0" b="0"/>
+      </a:effectRef>
+      <a:fontRef idx="minor"/>
+    </dgm:style>
+  </dgm:styleLbl>
+  <dgm:styleLbl name="alignAccFollowNode1">
+    <dgm:scene3d>
+      <a:camera prst="orthographicFront"/>
+      <a:lightRig rig="threePt" dir="t"/>
+    </dgm:scene3d>
+    <dgm:sp3d/>
+    <dgm:txPr/>
+    <dgm:style>
+      <a:lnRef idx="1">
+        <a:scrgbClr r="0" g="0" b="0"/>
+      </a:lnRef>
+      <a:fillRef idx="1">
+        <a:scrgbClr r="0" g="0" b="0"/>
+      </a:fillRef>
+      <a:effectRef idx="0">
+        <a:scrgbClr r="0" g="0" b="0"/>
+      </a:effectRef>
+      <a:fontRef idx="minor"/>
+    </dgm:style>
+  </dgm:styleLbl>
+  <dgm:styleLbl name="bgAccFollowNode1">
+    <dgm:scene3d>
+      <a:camera prst="orthographicFront"/>
+      <a:lightRig rig="threePt" dir="t"/>
+    </dgm:scene3d>
+    <dgm:sp3d/>
+    <dgm:txPr/>
+    <dgm:style>
+      <a:lnRef idx="1">
+        <a:scrgbClr r="0" g="0" b="0"/>
+      </a:lnRef>
+      <a:fillRef idx="1">
+        <a:scrgbClr r="0" g="0" b="0"/>
+      </a:fillRef>
+      <a:effectRef idx="0">
+        <a:scrgbClr r="0" g="0" b="0"/>
+      </a:effectRef>
+      <a:fontRef idx="minor"/>
+    </dgm:style>
+  </dgm:styleLbl>
+  <dgm:styleLbl name="fgAcc0">
+    <dgm:scene3d>
+      <a:camera prst="orthographicFront"/>
+      <a:lightRig rig="threePt" dir="t"/>
+    </dgm:scene3d>
+    <dgm:sp3d/>
+    <dgm:txPr/>
+    <dgm:style>
+      <a:lnRef idx="1">
+        <a:scrgbClr r="0" g="0" b="0"/>
+      </a:lnRef>
+      <a:fillRef idx="1">
+        <a:scrgbClr r="0" g="0" b="0"/>
+      </a:fillRef>
+      <a:effectRef idx="0">
+        <a:scrgbClr r="0" g="0" b="0"/>
+      </a:effectRef>
+      <a:fontRef idx="minor"/>
+    </dgm:style>
+  </dgm:styleLbl>
+  <dgm:styleLbl name="fgAcc2">
+    <dgm:scene3d>
+      <a:camera prst="orthographicFront"/>
+      <a:lightRig rig="threePt" dir="t"/>
+    </dgm:scene3d>
+    <dgm:sp3d/>
+    <dgm:txPr/>
+    <dgm:style>
+      <a:lnRef idx="1">
+        <a:scrgbClr r="0" g="0" b="0"/>
+      </a:lnRef>
+      <a:fillRef idx="1">
+        <a:scrgbClr r="0" g="0" b="0"/>
+      </a:fillRef>
+      <a:effectRef idx="0">
+        <a:scrgbClr r="0" g="0" b="0"/>
+      </a:effectRef>
+      <a:fontRef idx="minor"/>
+    </dgm:style>
+  </dgm:styleLbl>
+  <dgm:styleLbl name="fgAcc3">
+    <dgm:scene3d>
+      <a:camera prst="orthographicFront"/>
+      <a:lightRig rig="threePt" dir="t"/>
+    </dgm:scene3d>
+    <dgm:sp3d/>
+    <dgm:txPr/>
+    <dgm:style>
+      <a:lnRef idx="1">
+        <a:scrgbClr r="0" g="0" b="0"/>
+      </a:lnRef>
+      <a:fillRef idx="1">
+        <a:scrgbClr r="0" g="0" b="0"/>
+      </a:fillRef>
+      <a:effectRef idx="0">
+        <a:scrgbClr r="0" g="0" b="0"/>
+      </a:effectRef>
+      <a:fontRef idx="minor"/>
+    </dgm:style>
+  </dgm:styleLbl>
+  <dgm:styleLbl name="fgAcc4">
+    <dgm:scene3d>
+      <a:camera prst="orthographicFront"/>
+      <a:lightRig rig="threePt" dir="t"/>
+    </dgm:scene3d>
+    <dgm:sp3d/>
+    <dgm:txPr/>
+    <dgm:style>
+      <a:lnRef idx="1">
+        <a:scrgbClr r="0" g="0" b="0"/>
+      </a:lnRef>
+      <a:fillRef idx="1">
+        <a:scrgbClr r="0" g="0" b="0"/>
+      </a:fillRef>
+      <a:effectRef idx="0">
+        <a:scrgbClr r="0" g="0" b="0"/>
+      </a:effectRef>
+      <a:fontRef idx="minor"/>
+    </dgm:style>
+  </dgm:styleLbl>
+  <dgm:styleLbl name="bgShp">
+    <dgm:scene3d>
+      <a:camera prst="orthographicFront"/>
+      <a:lightRig rig="threePt" dir="t"/>
+    </dgm:scene3d>
+    <dgm:sp3d/>
+    <dgm:txPr/>
+    <dgm:style>
+      <a:lnRef idx="0">
+        <a:scrgbClr r="0" g="0" b="0"/>
+      </a:lnRef>
+      <a:fillRef idx="1">
+        <a:scrgbClr r="0" g="0" b="0"/>
+      </a:fillRef>
+      <a:effectRef idx="2">
+        <a:scrgbClr r="0" g="0" b="0"/>
+      </a:effectRef>
+      <a:fontRef idx="minor"/>
+    </dgm:style>
+  </dgm:styleLbl>
+  <dgm:styleLbl name="dkBgShp">
+    <dgm:scene3d>
+      <a:camera prst="orthographicFront"/>
+      <a:lightRig rig="threePt" dir="t"/>
+    </dgm:scene3d>
+    <dgm:sp3d/>
+    <dgm:txPr/>
+    <dgm:style>
+      <a:lnRef idx="0">
+        <a:scrgbClr r="0" g="0" b="0"/>
+      </a:lnRef>
+      <a:fillRef idx="1">
+        <a:scrgbClr r="0" g="0" b="0"/>
+      </a:fillRef>
+      <a:effectRef idx="2">
+        <a:scrgbClr r="0" g="0" b="0"/>
+      </a:effectRef>
+      <a:fontRef idx="minor"/>
+    </dgm:style>
+  </dgm:styleLbl>
+  <dgm:styleLbl name="trBgShp">
+    <dgm:scene3d>
+      <a:camera prst="orthographicFront"/>
+      <a:lightRig rig="threePt" dir="t"/>
+    </dgm:scene3d>
+    <dgm:sp3d/>
+    <dgm:txPr/>
+    <dgm:style>
+      <a:lnRef idx="0">
+        <a:scrgbClr r="0" g="0" b="0"/>
+      </a:lnRef>
+      <a:fillRef idx="1">
+        <a:scrgbClr r="0" g="0" b="0"/>
+      </a:fillRef>
+      <a:effectRef idx="0">
+        <a:scrgbClr r="0" g="0" b="0"/>
+      </a:effectRef>
+      <a:fontRef idx="minor"/>
+    </dgm:style>
+  </dgm:styleLbl>
+  <dgm:styleLbl name="fgShp">
+    <dgm:scene3d>
+      <a:camera prst="orthographicFront"/>
+      <a:lightRig rig="threePt" dir="t"/>
+    </dgm:scene3d>
+    <dgm:sp3d/>
+    <dgm:txPr/>
+    <dgm:style>
+      <a:lnRef idx="0">
+        <a:scrgbClr r="0" g="0" b="0"/>
+      </a:lnRef>
+      <a:fillRef idx="3">
+        <a:scrgbClr r="0" g="0" b="0"/>
+      </a:fillRef>
+      <a:effectRef idx="2">
+        <a:scrgbClr r="0" g="0" b="0"/>
+      </a:effectRef>
+      <a:fontRef idx="minor"/>
+    </dgm:style>
+  </dgm:styleLbl>
+  <dgm:styleLbl name="revTx">
+    <dgm:scene3d>
+      <a:camera prst="orthographicFront"/>
+      <a:lightRig rig="threePt" dir="t"/>
+    </dgm:scene3d>
+    <dgm:sp3d/>
+    <dgm:txPr/>
+    <dgm:style>
+      <a:lnRef idx="0">
+        <a:scrgbClr r="0" g="0" b="0"/>
+      </a:lnRef>
+      <a:fillRef idx="0">
+        <a:scrgbClr r="0" g="0" b="0"/>
+      </a:fillRef>
+      <a:effectRef idx="0">
+        <a:scrgbClr r="0" g="0" b="0"/>
+      </a:effectRef>
+      <a:fontRef idx="minor"/>
+    </dgm:style>
+  </dgm:styleLbl>
+</dgm:styleDef>
 </file>
 
 <file path=ppt/slideLayouts/slideLayout1.xml><?xml version="1.0" encoding="utf-8"?>
@@ -2980,48 +6005,124 @@
           <a:chExt cx="0" cy="0"/>
         </a:xfrm>
       </p:grpSpPr>
-      <p:sp>
-        <p:nvSpPr>
-          <p:cNvPr id="2" name="标题 1"/>
-          <p:cNvSpPr>
-            <a:spLocks noGrp="1"/>
-          </p:cNvSpPr>
-          <p:nvPr>
-            <p:ph type="ctrTitle"/>
-          </p:nvPr>
-        </p:nvSpPr>
-        <p:spPr/>
-        <p:txBody>
-          <a:bodyPr/>
-          <a:lstStyle/>
-          <a:p>
-            <a:endParaRPr kumimoji="1" lang="zh-CN" altLang="en-US"/>
-          </a:p>
-        </p:txBody>
-      </p:sp>
-      <p:sp>
-        <p:nvSpPr>
-          <p:cNvPr id="3" name="副标题 2"/>
-          <p:cNvSpPr>
-            <a:spLocks noGrp="1"/>
-          </p:cNvSpPr>
-          <p:nvPr>
-            <p:ph type="subTitle" idx="1"/>
-          </p:nvPr>
-        </p:nvSpPr>
-        <p:spPr/>
-        <p:txBody>
-          <a:bodyPr/>
-          <a:lstStyle/>
-          <a:p>
-            <a:endParaRPr kumimoji="1" lang="zh-CN" altLang="en-US"/>
-          </a:p>
-        </p:txBody>
-      </p:sp>
+      <p:graphicFrame>
+        <p:nvGraphicFramePr>
+          <p:cNvPr id="5" name="图表 4"/>
+          <p:cNvGraphicFramePr/>
+          <p:nvPr>
+            <p:extLst>
+              <p:ext uri="{D42A27DB-BD31-4B8C-83A1-F6EECF244321}">
+                <p14:modId xmlns:p14="http://schemas.microsoft.com/office/powerpoint/2010/main" val="257675105"/>
+              </p:ext>
+            </p:extLst>
+          </p:nvPr>
+        </p:nvGraphicFramePr>
+        <p:xfrm>
+          <a:off x="264695" y="719666"/>
+          <a:ext cx="11694694" cy="5418667"/>
+        </p:xfrm>
+        <a:graphic>
+          <a:graphicData uri="http://schemas.openxmlformats.org/drawingml/2006/diagram">
+            <dgm:relIds xmlns:dgm="http://schemas.openxmlformats.org/drawingml/2006/diagram" xmlns:r="http://schemas.openxmlformats.org/officeDocument/2006/relationships" r:dm="rId2" r:lo="rId3" r:qs="rId4" r:cs="rId5"/>
+          </a:graphicData>
+        </a:graphic>
+      </p:graphicFrame>
     </p:spTree>
     <p:extLst>
       <p:ext uri="{BB962C8B-B14F-4D97-AF65-F5344CB8AC3E}">
         <p14:creationId xmlns:p14="http://schemas.microsoft.com/office/powerpoint/2010/main" val="1681692777"/>
+      </p:ext>
+    </p:extLst>
+  </p:cSld>
+  <p:clrMapOvr>
+    <a:masterClrMapping/>
+  </p:clrMapOvr>
+</p:sld>
+</file>
+
+<file path=ppt/slides/slide2.xml><?xml version="1.0" encoding="utf-8"?>
+<p:sld xmlns:a="http://schemas.openxmlformats.org/drawingml/2006/main" xmlns:r="http://schemas.openxmlformats.org/officeDocument/2006/relationships" xmlns:p="http://schemas.openxmlformats.org/presentationml/2006/main">
+  <p:cSld>
+    <p:spTree>
+      <p:nvGrpSpPr>
+        <p:cNvPr id="1" name=""/>
+        <p:cNvGrpSpPr/>
+        <p:nvPr/>
+      </p:nvGrpSpPr>
+      <p:grpSpPr>
+        <a:xfrm>
+          <a:off x="0" y="0"/>
+          <a:ext cx="0" cy="0"/>
+          <a:chOff x="0" y="0"/>
+          <a:chExt cx="0" cy="0"/>
+        </a:xfrm>
+      </p:grpSpPr>
+      <p:sp>
+        <p:nvSpPr>
+          <p:cNvPr id="2" name="标题 1"/>
+          <p:cNvSpPr>
+            <a:spLocks noGrp="1"/>
+          </p:cNvSpPr>
+          <p:nvPr>
+            <p:ph type="title"/>
+          </p:nvPr>
+        </p:nvSpPr>
+        <p:spPr/>
+        <p:txBody>
+          <a:bodyPr/>
+          <a:lstStyle/>
+          <a:p>
+            <a:endParaRPr kumimoji="1" lang="zh-CN" altLang="en-US"/>
+          </a:p>
+        </p:txBody>
+      </p:sp>
+      <p:sp>
+        <p:nvSpPr>
+          <p:cNvPr id="3" name="内容占位符 2"/>
+          <p:cNvSpPr>
+            <a:spLocks noGrp="1"/>
+          </p:cNvSpPr>
+          <p:nvPr>
+            <p:ph idx="1"/>
+          </p:nvPr>
+        </p:nvSpPr>
+        <p:spPr/>
+        <p:txBody>
+          <a:bodyPr/>
+          <a:lstStyle/>
+          <a:p>
+            <a:endParaRPr kumimoji="1" lang="zh-CN" altLang="en-US"/>
+          </a:p>
+        </p:txBody>
+      </p:sp>
+      <p:pic>
+        <p:nvPicPr>
+          <p:cNvPr id="4" name="图片 3"/>
+          <p:cNvPicPr>
+            <a:picLocks noChangeAspect="1"/>
+          </p:cNvPicPr>
+          <p:nvPr/>
+        </p:nvPicPr>
+        <p:blipFill>
+          <a:blip r:embed="rId2"/>
+          <a:stretch>
+            <a:fillRect/>
+          </a:stretch>
+        </p:blipFill>
+        <p:spPr>
+          <a:xfrm>
+            <a:off x="0" y="2114944"/>
+            <a:ext cx="12192000" cy="2628111"/>
+          </a:xfrm>
+          <a:prstGeom prst="rect">
+            <a:avLst/>
+          </a:prstGeom>
+        </p:spPr>
+      </p:pic>
+    </p:spTree>
+    <p:extLst>
+      <p:ext uri="{BB962C8B-B14F-4D97-AF65-F5344CB8AC3E}">
+        <p14:creationId xmlns:p14="http://schemas.microsoft.com/office/powerpoint/2010/main" val="1782436840"/>
       </p:ext>
     </p:extLst>
   </p:cSld>

--- a/绘图.pptx
+++ b/绘图.pptx
@@ -7,6 +7,7 @@
   <p:sldIdLst>
     <p:sldId id="256" r:id="rId2"/>
     <p:sldId id="257" r:id="rId3"/>
+    <p:sldId id="258" r:id="rId4"/>
   </p:sldIdLst>
   <p:sldSz cx="12192000" cy="6858000"/>
   <p:notesSz cx="6858000" cy="9144000"/>
@@ -871,6 +872,753 @@
 </dgm:colorsDef>
 </file>
 
+<file path=ppt/diagrams/colors2.xml><?xml version="1.0" encoding="utf-8"?>
+<dgm:colorsDef xmlns:dgm="http://schemas.openxmlformats.org/drawingml/2006/diagram" xmlns:a="http://schemas.openxmlformats.org/drawingml/2006/main" uniqueId="urn:microsoft.com/office/officeart/2005/8/colors/accent1_2">
+  <dgm:title val=""/>
+  <dgm:desc val=""/>
+  <dgm:catLst>
+    <dgm:cat type="accent1" pri="11200"/>
+  </dgm:catLst>
+  <dgm:styleLbl name="node0">
+    <dgm:fillClrLst meth="repeat">
+      <a:schemeClr val="accent1"/>
+    </dgm:fillClrLst>
+    <dgm:linClrLst meth="repeat">
+      <a:schemeClr val="lt1"/>
+    </dgm:linClrLst>
+    <dgm:effectClrLst/>
+    <dgm:txLinClrLst/>
+    <dgm:txFillClrLst/>
+    <dgm:txEffectClrLst/>
+  </dgm:styleLbl>
+  <dgm:styleLbl name="alignNode1">
+    <dgm:fillClrLst meth="repeat">
+      <a:schemeClr val="accent1"/>
+    </dgm:fillClrLst>
+    <dgm:linClrLst meth="repeat">
+      <a:schemeClr val="accent1"/>
+    </dgm:linClrLst>
+    <dgm:effectClrLst/>
+    <dgm:txLinClrLst/>
+    <dgm:txFillClrLst/>
+    <dgm:txEffectClrLst/>
+  </dgm:styleLbl>
+  <dgm:styleLbl name="node1">
+    <dgm:fillClrLst meth="repeat">
+      <a:schemeClr val="accent1"/>
+    </dgm:fillClrLst>
+    <dgm:linClrLst meth="repeat">
+      <a:schemeClr val="lt1"/>
+    </dgm:linClrLst>
+    <dgm:effectClrLst/>
+    <dgm:txLinClrLst/>
+    <dgm:txFillClrLst/>
+    <dgm:txEffectClrLst/>
+  </dgm:styleLbl>
+  <dgm:styleLbl name="lnNode1">
+    <dgm:fillClrLst meth="repeat">
+      <a:schemeClr val="accent1"/>
+    </dgm:fillClrLst>
+    <dgm:linClrLst meth="repeat">
+      <a:schemeClr val="lt1"/>
+    </dgm:linClrLst>
+    <dgm:effectClrLst/>
+    <dgm:txLinClrLst/>
+    <dgm:txFillClrLst/>
+    <dgm:txEffectClrLst/>
+  </dgm:styleLbl>
+  <dgm:styleLbl name="vennNode1">
+    <dgm:fillClrLst meth="repeat">
+      <a:schemeClr val="accent1">
+        <a:alpha val="50000"/>
+      </a:schemeClr>
+    </dgm:fillClrLst>
+    <dgm:linClrLst meth="repeat">
+      <a:schemeClr val="lt1"/>
+    </dgm:linClrLst>
+    <dgm:effectClrLst/>
+    <dgm:txLinClrLst/>
+    <dgm:txFillClrLst/>
+    <dgm:txEffectClrLst/>
+  </dgm:styleLbl>
+  <dgm:styleLbl name="node2">
+    <dgm:fillClrLst meth="repeat">
+      <a:schemeClr val="accent1"/>
+    </dgm:fillClrLst>
+    <dgm:linClrLst meth="repeat">
+      <a:schemeClr val="lt1"/>
+    </dgm:linClrLst>
+    <dgm:effectClrLst/>
+    <dgm:txLinClrLst/>
+    <dgm:txFillClrLst/>
+    <dgm:txEffectClrLst/>
+  </dgm:styleLbl>
+  <dgm:styleLbl name="node3">
+    <dgm:fillClrLst meth="repeat">
+      <a:schemeClr val="accent1"/>
+    </dgm:fillClrLst>
+    <dgm:linClrLst meth="repeat">
+      <a:schemeClr val="lt1"/>
+    </dgm:linClrLst>
+    <dgm:effectClrLst/>
+    <dgm:txLinClrLst/>
+    <dgm:txFillClrLst/>
+    <dgm:txEffectClrLst/>
+  </dgm:styleLbl>
+  <dgm:styleLbl name="node4">
+    <dgm:fillClrLst meth="repeat">
+      <a:schemeClr val="accent1"/>
+    </dgm:fillClrLst>
+    <dgm:linClrLst meth="repeat">
+      <a:schemeClr val="lt1"/>
+    </dgm:linClrLst>
+    <dgm:effectClrLst/>
+    <dgm:txLinClrLst/>
+    <dgm:txFillClrLst/>
+    <dgm:txEffectClrLst/>
+  </dgm:styleLbl>
+  <dgm:styleLbl name="fgImgPlace1">
+    <dgm:fillClrLst meth="repeat">
+      <a:schemeClr val="accent1">
+        <a:tint val="50000"/>
+      </a:schemeClr>
+    </dgm:fillClrLst>
+    <dgm:linClrLst meth="repeat">
+      <a:schemeClr val="lt1"/>
+    </dgm:linClrLst>
+    <dgm:effectClrLst/>
+    <dgm:txLinClrLst/>
+    <dgm:txFillClrLst meth="repeat">
+      <a:schemeClr val="lt1"/>
+    </dgm:txFillClrLst>
+    <dgm:txEffectClrLst/>
+  </dgm:styleLbl>
+  <dgm:styleLbl name="alignImgPlace1">
+    <dgm:fillClrLst meth="repeat">
+      <a:schemeClr val="accent1">
+        <a:tint val="50000"/>
+      </a:schemeClr>
+    </dgm:fillClrLst>
+    <dgm:linClrLst meth="repeat">
+      <a:schemeClr val="lt1"/>
+    </dgm:linClrLst>
+    <dgm:effectClrLst/>
+    <dgm:txLinClrLst/>
+    <dgm:txFillClrLst meth="repeat">
+      <a:schemeClr val="lt1"/>
+    </dgm:txFillClrLst>
+    <dgm:txEffectClrLst/>
+  </dgm:styleLbl>
+  <dgm:styleLbl name="bgImgPlace1">
+    <dgm:fillClrLst meth="repeat">
+      <a:schemeClr val="accent1">
+        <a:tint val="50000"/>
+      </a:schemeClr>
+    </dgm:fillClrLst>
+    <dgm:linClrLst meth="repeat">
+      <a:schemeClr val="lt1"/>
+    </dgm:linClrLst>
+    <dgm:effectClrLst/>
+    <dgm:txLinClrLst/>
+    <dgm:txFillClrLst meth="repeat">
+      <a:schemeClr val="lt1"/>
+    </dgm:txFillClrLst>
+    <dgm:txEffectClrLst/>
+  </dgm:styleLbl>
+  <dgm:styleLbl name="sibTrans2D1">
+    <dgm:fillClrLst meth="repeat">
+      <a:schemeClr val="accent1">
+        <a:tint val="60000"/>
+      </a:schemeClr>
+    </dgm:fillClrLst>
+    <dgm:linClrLst meth="repeat">
+      <a:schemeClr val="accent1">
+        <a:tint val="60000"/>
+      </a:schemeClr>
+    </dgm:linClrLst>
+    <dgm:effectClrLst/>
+    <dgm:txLinClrLst/>
+    <dgm:txFillClrLst/>
+    <dgm:txEffectClrLst/>
+  </dgm:styleLbl>
+  <dgm:styleLbl name="fgSibTrans2D1">
+    <dgm:fillClrLst meth="repeat">
+      <a:schemeClr val="accent1">
+        <a:tint val="60000"/>
+      </a:schemeClr>
+    </dgm:fillClrLst>
+    <dgm:linClrLst meth="repeat">
+      <a:schemeClr val="accent1">
+        <a:tint val="60000"/>
+      </a:schemeClr>
+    </dgm:linClrLst>
+    <dgm:effectClrLst/>
+    <dgm:txLinClrLst/>
+    <dgm:txFillClrLst/>
+    <dgm:txEffectClrLst/>
+  </dgm:styleLbl>
+  <dgm:styleLbl name="bgSibTrans2D1">
+    <dgm:fillClrLst meth="repeat">
+      <a:schemeClr val="accent1">
+        <a:tint val="60000"/>
+      </a:schemeClr>
+    </dgm:fillClrLst>
+    <dgm:linClrLst meth="repeat">
+      <a:schemeClr val="accent1">
+        <a:tint val="60000"/>
+      </a:schemeClr>
+    </dgm:linClrLst>
+    <dgm:effectClrLst/>
+    <dgm:txLinClrLst/>
+    <dgm:txFillClrLst/>
+    <dgm:txEffectClrLst/>
+  </dgm:styleLbl>
+  <dgm:styleLbl name="sibTrans1D1">
+    <dgm:fillClrLst meth="repeat">
+      <a:schemeClr val="accent1"/>
+    </dgm:fillClrLst>
+    <dgm:linClrLst meth="repeat">
+      <a:schemeClr val="accent1"/>
+    </dgm:linClrLst>
+    <dgm:effectClrLst/>
+    <dgm:txLinClrLst/>
+    <dgm:txFillClrLst meth="repeat">
+      <a:schemeClr val="tx1"/>
+    </dgm:txFillClrLst>
+    <dgm:txEffectClrLst/>
+  </dgm:styleLbl>
+  <dgm:styleLbl name="callout">
+    <dgm:fillClrLst meth="repeat">
+      <a:schemeClr val="accent1"/>
+    </dgm:fillClrLst>
+    <dgm:linClrLst meth="repeat">
+      <a:schemeClr val="accent1">
+        <a:tint val="50000"/>
+      </a:schemeClr>
+    </dgm:linClrLst>
+    <dgm:effectClrLst/>
+    <dgm:txLinClrLst/>
+    <dgm:txFillClrLst meth="repeat">
+      <a:schemeClr val="tx1"/>
+    </dgm:txFillClrLst>
+    <dgm:txEffectClrLst/>
+  </dgm:styleLbl>
+  <dgm:styleLbl name="asst0">
+    <dgm:fillClrLst meth="repeat">
+      <a:schemeClr val="accent1"/>
+    </dgm:fillClrLst>
+    <dgm:linClrLst meth="repeat">
+      <a:schemeClr val="lt1"/>
+    </dgm:linClrLst>
+    <dgm:effectClrLst/>
+    <dgm:txLinClrLst/>
+    <dgm:txFillClrLst/>
+    <dgm:txEffectClrLst/>
+  </dgm:styleLbl>
+  <dgm:styleLbl name="asst1">
+    <dgm:fillClrLst meth="repeat">
+      <a:schemeClr val="accent1"/>
+    </dgm:fillClrLst>
+    <dgm:linClrLst meth="repeat">
+      <a:schemeClr val="lt1"/>
+    </dgm:linClrLst>
+    <dgm:effectClrLst/>
+    <dgm:txLinClrLst/>
+    <dgm:txFillClrLst/>
+    <dgm:txEffectClrLst/>
+  </dgm:styleLbl>
+  <dgm:styleLbl name="asst2">
+    <dgm:fillClrLst meth="repeat">
+      <a:schemeClr val="accent1"/>
+    </dgm:fillClrLst>
+    <dgm:linClrLst meth="repeat">
+      <a:schemeClr val="lt1"/>
+    </dgm:linClrLst>
+    <dgm:effectClrLst/>
+    <dgm:txLinClrLst/>
+    <dgm:txFillClrLst/>
+    <dgm:txEffectClrLst/>
+  </dgm:styleLbl>
+  <dgm:styleLbl name="asst3">
+    <dgm:fillClrLst meth="repeat">
+      <a:schemeClr val="accent1"/>
+    </dgm:fillClrLst>
+    <dgm:linClrLst meth="repeat">
+      <a:schemeClr val="lt1"/>
+    </dgm:linClrLst>
+    <dgm:effectClrLst/>
+    <dgm:txLinClrLst/>
+    <dgm:txFillClrLst/>
+    <dgm:txEffectClrLst/>
+  </dgm:styleLbl>
+  <dgm:styleLbl name="asst4">
+    <dgm:fillClrLst meth="repeat">
+      <a:schemeClr val="accent1"/>
+    </dgm:fillClrLst>
+    <dgm:linClrLst meth="repeat">
+      <a:schemeClr val="lt1"/>
+    </dgm:linClrLst>
+    <dgm:effectClrLst/>
+    <dgm:txLinClrLst/>
+    <dgm:txFillClrLst/>
+    <dgm:txEffectClrLst/>
+  </dgm:styleLbl>
+  <dgm:styleLbl name="parChTrans2D1">
+    <dgm:fillClrLst meth="repeat">
+      <a:schemeClr val="accent1">
+        <a:tint val="60000"/>
+      </a:schemeClr>
+    </dgm:fillClrLst>
+    <dgm:linClrLst meth="repeat">
+      <a:schemeClr val="accent1">
+        <a:tint val="60000"/>
+      </a:schemeClr>
+    </dgm:linClrLst>
+    <dgm:effectClrLst/>
+    <dgm:txLinClrLst/>
+    <dgm:txFillClrLst meth="repeat">
+      <a:schemeClr val="lt1"/>
+    </dgm:txFillClrLst>
+    <dgm:txEffectClrLst/>
+  </dgm:styleLbl>
+  <dgm:styleLbl name="parChTrans2D2">
+    <dgm:fillClrLst meth="repeat">
+      <a:schemeClr val="accent1"/>
+    </dgm:fillClrLst>
+    <dgm:linClrLst meth="repeat">
+      <a:schemeClr val="accent1"/>
+    </dgm:linClrLst>
+    <dgm:effectClrLst/>
+    <dgm:txLinClrLst/>
+    <dgm:txFillClrLst meth="repeat">
+      <a:schemeClr val="lt1"/>
+    </dgm:txFillClrLst>
+    <dgm:txEffectClrLst/>
+  </dgm:styleLbl>
+  <dgm:styleLbl name="parChTrans2D3">
+    <dgm:fillClrLst meth="repeat">
+      <a:schemeClr val="accent1"/>
+    </dgm:fillClrLst>
+    <dgm:linClrLst meth="repeat">
+      <a:schemeClr val="accent1"/>
+    </dgm:linClrLst>
+    <dgm:effectClrLst/>
+    <dgm:txLinClrLst/>
+    <dgm:txFillClrLst meth="repeat">
+      <a:schemeClr val="lt1"/>
+    </dgm:txFillClrLst>
+    <dgm:txEffectClrLst/>
+  </dgm:styleLbl>
+  <dgm:styleLbl name="parChTrans2D4">
+    <dgm:fillClrLst meth="repeat">
+      <a:schemeClr val="accent1"/>
+    </dgm:fillClrLst>
+    <dgm:linClrLst meth="repeat">
+      <a:schemeClr val="accent1"/>
+    </dgm:linClrLst>
+    <dgm:effectClrLst/>
+    <dgm:txLinClrLst/>
+    <dgm:txFillClrLst meth="repeat">
+      <a:schemeClr val="lt1"/>
+    </dgm:txFillClrLst>
+    <dgm:txEffectClrLst/>
+  </dgm:styleLbl>
+  <dgm:styleLbl name="parChTrans1D1">
+    <dgm:fillClrLst meth="repeat">
+      <a:schemeClr val="accent1"/>
+    </dgm:fillClrLst>
+    <dgm:linClrLst meth="repeat">
+      <a:schemeClr val="accent1">
+        <a:shade val="60000"/>
+      </a:schemeClr>
+    </dgm:linClrLst>
+    <dgm:effectClrLst/>
+    <dgm:txLinClrLst/>
+    <dgm:txFillClrLst meth="repeat">
+      <a:schemeClr val="tx1"/>
+    </dgm:txFillClrLst>
+    <dgm:txEffectClrLst/>
+  </dgm:styleLbl>
+  <dgm:styleLbl name="parChTrans1D2">
+    <dgm:fillClrLst meth="repeat">
+      <a:schemeClr val="accent1"/>
+    </dgm:fillClrLst>
+    <dgm:linClrLst meth="repeat">
+      <a:schemeClr val="accent1">
+        <a:shade val="60000"/>
+      </a:schemeClr>
+    </dgm:linClrLst>
+    <dgm:effectClrLst/>
+    <dgm:txLinClrLst/>
+    <dgm:txFillClrLst meth="repeat">
+      <a:schemeClr val="tx1"/>
+    </dgm:txFillClrLst>
+    <dgm:txEffectClrLst/>
+  </dgm:styleLbl>
+  <dgm:styleLbl name="parChTrans1D3">
+    <dgm:fillClrLst meth="repeat">
+      <a:schemeClr val="accent1"/>
+    </dgm:fillClrLst>
+    <dgm:linClrLst meth="repeat">
+      <a:schemeClr val="accent1">
+        <a:shade val="80000"/>
+      </a:schemeClr>
+    </dgm:linClrLst>
+    <dgm:effectClrLst/>
+    <dgm:txLinClrLst/>
+    <dgm:txFillClrLst meth="repeat">
+      <a:schemeClr val="tx1"/>
+    </dgm:txFillClrLst>
+    <dgm:txEffectClrLst/>
+  </dgm:styleLbl>
+  <dgm:styleLbl name="parChTrans1D4">
+    <dgm:fillClrLst meth="repeat">
+      <a:schemeClr val="accent1"/>
+    </dgm:fillClrLst>
+    <dgm:linClrLst meth="repeat">
+      <a:schemeClr val="accent1">
+        <a:shade val="80000"/>
+      </a:schemeClr>
+    </dgm:linClrLst>
+    <dgm:effectClrLst/>
+    <dgm:txLinClrLst/>
+    <dgm:txFillClrLst meth="repeat">
+      <a:schemeClr val="tx1"/>
+    </dgm:txFillClrLst>
+    <dgm:txEffectClrLst/>
+  </dgm:styleLbl>
+  <dgm:styleLbl name="fgAcc1">
+    <dgm:fillClrLst meth="repeat">
+      <a:schemeClr val="lt1">
+        <a:alpha val="90000"/>
+      </a:schemeClr>
+    </dgm:fillClrLst>
+    <dgm:linClrLst meth="repeat">
+      <a:schemeClr val="accent1"/>
+    </dgm:linClrLst>
+    <dgm:effectClrLst/>
+    <dgm:txLinClrLst/>
+    <dgm:txFillClrLst meth="repeat">
+      <a:schemeClr val="dk1"/>
+    </dgm:txFillClrLst>
+    <dgm:txEffectClrLst/>
+  </dgm:styleLbl>
+  <dgm:styleLbl name="conFgAcc1">
+    <dgm:fillClrLst meth="repeat">
+      <a:schemeClr val="lt1">
+        <a:alpha val="90000"/>
+      </a:schemeClr>
+    </dgm:fillClrLst>
+    <dgm:linClrLst meth="repeat">
+      <a:schemeClr val="accent1"/>
+    </dgm:linClrLst>
+    <dgm:effectClrLst/>
+    <dgm:txLinClrLst/>
+    <dgm:txFillClrLst meth="repeat">
+      <a:schemeClr val="dk1"/>
+    </dgm:txFillClrLst>
+    <dgm:txEffectClrLst/>
+  </dgm:styleLbl>
+  <dgm:styleLbl name="alignAcc1">
+    <dgm:fillClrLst meth="repeat">
+      <a:schemeClr val="lt1">
+        <a:alpha val="90000"/>
+      </a:schemeClr>
+    </dgm:fillClrLst>
+    <dgm:linClrLst meth="repeat">
+      <a:schemeClr val="accent1"/>
+    </dgm:linClrLst>
+    <dgm:effectClrLst/>
+    <dgm:txLinClrLst/>
+    <dgm:txFillClrLst meth="repeat">
+      <a:schemeClr val="dk1"/>
+    </dgm:txFillClrLst>
+    <dgm:txEffectClrLst/>
+  </dgm:styleLbl>
+  <dgm:styleLbl name="trAlignAcc1">
+    <dgm:fillClrLst meth="repeat">
+      <a:schemeClr val="lt1">
+        <a:alpha val="40000"/>
+      </a:schemeClr>
+    </dgm:fillClrLst>
+    <dgm:linClrLst meth="repeat">
+      <a:schemeClr val="accent1"/>
+    </dgm:linClrLst>
+    <dgm:effectClrLst/>
+    <dgm:txLinClrLst/>
+    <dgm:txFillClrLst meth="repeat">
+      <a:schemeClr val="dk1"/>
+    </dgm:txFillClrLst>
+    <dgm:txEffectClrLst/>
+  </dgm:styleLbl>
+  <dgm:styleLbl name="bgAcc1">
+    <dgm:fillClrLst meth="repeat">
+      <a:schemeClr val="lt1">
+        <a:alpha val="90000"/>
+      </a:schemeClr>
+    </dgm:fillClrLst>
+    <dgm:linClrLst meth="repeat">
+      <a:schemeClr val="accent1"/>
+    </dgm:linClrLst>
+    <dgm:effectClrLst/>
+    <dgm:txLinClrLst/>
+    <dgm:txFillClrLst meth="repeat">
+      <a:schemeClr val="dk1"/>
+    </dgm:txFillClrLst>
+    <dgm:txEffectClrLst/>
+  </dgm:styleLbl>
+  <dgm:styleLbl name="solidFgAcc1">
+    <dgm:fillClrLst meth="repeat">
+      <a:schemeClr val="lt1"/>
+    </dgm:fillClrLst>
+    <dgm:linClrLst meth="repeat">
+      <a:schemeClr val="accent1"/>
+    </dgm:linClrLst>
+    <dgm:effectClrLst/>
+    <dgm:txLinClrLst/>
+    <dgm:txFillClrLst meth="repeat">
+      <a:schemeClr val="dk1"/>
+    </dgm:txFillClrLst>
+    <dgm:txEffectClrLst/>
+  </dgm:styleLbl>
+  <dgm:styleLbl name="solidAlignAcc1">
+    <dgm:fillClrLst meth="repeat">
+      <a:schemeClr val="lt1"/>
+    </dgm:fillClrLst>
+    <dgm:linClrLst meth="repeat">
+      <a:schemeClr val="accent1"/>
+    </dgm:linClrLst>
+    <dgm:effectClrLst/>
+    <dgm:txLinClrLst/>
+    <dgm:txFillClrLst meth="repeat">
+      <a:schemeClr val="dk1"/>
+    </dgm:txFillClrLst>
+    <dgm:txEffectClrLst/>
+  </dgm:styleLbl>
+  <dgm:styleLbl name="solidBgAcc1">
+    <dgm:fillClrLst meth="repeat">
+      <a:schemeClr val="lt1"/>
+    </dgm:fillClrLst>
+    <dgm:linClrLst meth="repeat">
+      <a:schemeClr val="accent1"/>
+    </dgm:linClrLst>
+    <dgm:effectClrLst/>
+    <dgm:txLinClrLst/>
+    <dgm:txFillClrLst meth="repeat">
+      <a:schemeClr val="dk1"/>
+    </dgm:txFillClrLst>
+    <dgm:txEffectClrLst/>
+  </dgm:styleLbl>
+  <dgm:styleLbl name="fgAccFollowNode1">
+    <dgm:fillClrLst meth="repeat">
+      <a:schemeClr val="accent1">
+        <a:alpha val="90000"/>
+        <a:tint val="40000"/>
+      </a:schemeClr>
+    </dgm:fillClrLst>
+    <dgm:linClrLst meth="repeat">
+      <a:schemeClr val="accent1">
+        <a:alpha val="90000"/>
+        <a:tint val="40000"/>
+      </a:schemeClr>
+    </dgm:linClrLst>
+    <dgm:effectClrLst/>
+    <dgm:txLinClrLst/>
+    <dgm:txFillClrLst meth="repeat">
+      <a:schemeClr val="dk1"/>
+    </dgm:txFillClrLst>
+    <dgm:txEffectClrLst/>
+  </dgm:styleLbl>
+  <dgm:styleLbl name="alignAccFollowNode1">
+    <dgm:fillClrLst meth="repeat">
+      <a:schemeClr val="accent1">
+        <a:alpha val="90000"/>
+        <a:tint val="40000"/>
+      </a:schemeClr>
+    </dgm:fillClrLst>
+    <dgm:linClrLst meth="repeat">
+      <a:schemeClr val="accent1">
+        <a:alpha val="90000"/>
+        <a:tint val="40000"/>
+      </a:schemeClr>
+    </dgm:linClrLst>
+    <dgm:effectClrLst/>
+    <dgm:txLinClrLst/>
+    <dgm:txFillClrLst meth="repeat">
+      <a:schemeClr val="dk1"/>
+    </dgm:txFillClrLst>
+    <dgm:txEffectClrLst/>
+  </dgm:styleLbl>
+  <dgm:styleLbl name="bgAccFollowNode1">
+    <dgm:fillClrLst meth="repeat">
+      <a:schemeClr val="accent1">
+        <a:alpha val="90000"/>
+        <a:tint val="40000"/>
+      </a:schemeClr>
+    </dgm:fillClrLst>
+    <dgm:linClrLst meth="repeat">
+      <a:schemeClr val="accent1">
+        <a:alpha val="90000"/>
+        <a:tint val="40000"/>
+      </a:schemeClr>
+    </dgm:linClrLst>
+    <dgm:effectClrLst/>
+    <dgm:txLinClrLst/>
+    <dgm:txFillClrLst meth="repeat">
+      <a:schemeClr val="dk1"/>
+    </dgm:txFillClrLst>
+    <dgm:txEffectClrLst/>
+  </dgm:styleLbl>
+  <dgm:styleLbl name="fgAcc0">
+    <dgm:fillClrLst meth="repeat">
+      <a:schemeClr val="lt1">
+        <a:alpha val="90000"/>
+      </a:schemeClr>
+    </dgm:fillClrLst>
+    <dgm:linClrLst meth="repeat">
+      <a:schemeClr val="accent1"/>
+    </dgm:linClrLst>
+    <dgm:effectClrLst/>
+    <dgm:txLinClrLst/>
+    <dgm:txFillClrLst meth="repeat">
+      <a:schemeClr val="dk1"/>
+    </dgm:txFillClrLst>
+    <dgm:txEffectClrLst/>
+  </dgm:styleLbl>
+  <dgm:styleLbl name="fgAcc2">
+    <dgm:fillClrLst meth="repeat">
+      <a:schemeClr val="lt1">
+        <a:alpha val="90000"/>
+      </a:schemeClr>
+    </dgm:fillClrLst>
+    <dgm:linClrLst meth="repeat">
+      <a:schemeClr val="accent1"/>
+    </dgm:linClrLst>
+    <dgm:effectClrLst/>
+    <dgm:txLinClrLst/>
+    <dgm:txFillClrLst meth="repeat">
+      <a:schemeClr val="dk1"/>
+    </dgm:txFillClrLst>
+    <dgm:txEffectClrLst/>
+  </dgm:styleLbl>
+  <dgm:styleLbl name="fgAcc3">
+    <dgm:fillClrLst meth="repeat">
+      <a:schemeClr val="lt1">
+        <a:alpha val="90000"/>
+      </a:schemeClr>
+    </dgm:fillClrLst>
+    <dgm:linClrLst meth="repeat">
+      <a:schemeClr val="accent1"/>
+    </dgm:linClrLst>
+    <dgm:effectClrLst/>
+    <dgm:txLinClrLst/>
+    <dgm:txFillClrLst meth="repeat">
+      <a:schemeClr val="dk1"/>
+    </dgm:txFillClrLst>
+    <dgm:txEffectClrLst/>
+  </dgm:styleLbl>
+  <dgm:styleLbl name="fgAcc4">
+    <dgm:fillClrLst meth="repeat">
+      <a:schemeClr val="lt1">
+        <a:alpha val="90000"/>
+      </a:schemeClr>
+    </dgm:fillClrLst>
+    <dgm:linClrLst meth="repeat">
+      <a:schemeClr val="accent1"/>
+    </dgm:linClrLst>
+    <dgm:effectClrLst/>
+    <dgm:txLinClrLst/>
+    <dgm:txFillClrLst meth="repeat">
+      <a:schemeClr val="dk1"/>
+    </dgm:txFillClrLst>
+    <dgm:txEffectClrLst/>
+  </dgm:styleLbl>
+  <dgm:styleLbl name="bgShp">
+    <dgm:fillClrLst meth="repeat">
+      <a:schemeClr val="accent1">
+        <a:tint val="40000"/>
+      </a:schemeClr>
+    </dgm:fillClrLst>
+    <dgm:linClrLst meth="repeat">
+      <a:schemeClr val="accent1"/>
+    </dgm:linClrLst>
+    <dgm:effectClrLst/>
+    <dgm:txLinClrLst/>
+    <dgm:txFillClrLst meth="repeat">
+      <a:schemeClr val="dk1"/>
+    </dgm:txFillClrLst>
+    <dgm:txEffectClrLst/>
+  </dgm:styleLbl>
+  <dgm:styleLbl name="dkBgShp">
+    <dgm:fillClrLst meth="repeat">
+      <a:schemeClr val="accent1">
+        <a:shade val="80000"/>
+      </a:schemeClr>
+    </dgm:fillClrLst>
+    <dgm:linClrLst meth="repeat">
+      <a:schemeClr val="accent1"/>
+    </dgm:linClrLst>
+    <dgm:effectClrLst/>
+    <dgm:txLinClrLst/>
+    <dgm:txFillClrLst meth="repeat">
+      <a:schemeClr val="lt1"/>
+    </dgm:txFillClrLst>
+    <dgm:txEffectClrLst/>
+  </dgm:styleLbl>
+  <dgm:styleLbl name="trBgShp">
+    <dgm:fillClrLst meth="repeat">
+      <a:schemeClr val="accent1">
+        <a:tint val="50000"/>
+        <a:alpha val="40000"/>
+      </a:schemeClr>
+    </dgm:fillClrLst>
+    <dgm:linClrLst meth="repeat">
+      <a:schemeClr val="accent1"/>
+    </dgm:linClrLst>
+    <dgm:effectClrLst/>
+    <dgm:txLinClrLst/>
+    <dgm:txFillClrLst meth="repeat">
+      <a:schemeClr val="lt1"/>
+    </dgm:txFillClrLst>
+    <dgm:txEffectClrLst/>
+  </dgm:styleLbl>
+  <dgm:styleLbl name="fgShp">
+    <dgm:fillClrLst meth="repeat">
+      <a:schemeClr val="accent1">
+        <a:tint val="60000"/>
+      </a:schemeClr>
+    </dgm:fillClrLst>
+    <dgm:linClrLst meth="repeat">
+      <a:schemeClr val="lt1"/>
+    </dgm:linClrLst>
+    <dgm:effectClrLst/>
+    <dgm:txLinClrLst/>
+    <dgm:txFillClrLst meth="repeat">
+      <a:schemeClr val="dk1"/>
+    </dgm:txFillClrLst>
+    <dgm:txEffectClrLst/>
+  </dgm:styleLbl>
+  <dgm:styleLbl name="revTx">
+    <dgm:fillClrLst meth="repeat">
+      <a:schemeClr val="lt1">
+        <a:alpha val="0"/>
+      </a:schemeClr>
+    </dgm:fillClrLst>
+    <dgm:linClrLst meth="repeat">
+      <a:schemeClr val="dk1">
+        <a:alpha val="0"/>
+      </a:schemeClr>
+    </dgm:linClrLst>
+    <dgm:effectClrLst/>
+    <dgm:txLinClrLst/>
+    <dgm:txFillClrLst meth="repeat">
+      <a:schemeClr val="tx1"/>
+    </dgm:txFillClrLst>
+    <dgm:txEffectClrLst/>
+  </dgm:styleLbl>
+</dgm:colorsDef>
+</file>
+
 <file path=ppt/diagrams/data1.xml><?xml version="1.0" encoding="utf-8"?>
 <dgm:dataModel xmlns:dgm="http://schemas.openxmlformats.org/drawingml/2006/diagram" xmlns:a="http://schemas.openxmlformats.org/drawingml/2006/main">
   <dgm:ptLst>
@@ -886,17 +1634,25 @@
       </dgm:t>
     </dgm:pt>
     <dgm:pt modelId="{77EC890D-58DA-464D-B0FE-C65A6134B8A2}">
-      <dgm:prSet phldrT="[文本]"/>
+      <dgm:prSet phldrT="[文本]" custT="1"/>
       <dgm:spPr/>
       <dgm:t>
         <a:bodyPr/>
         <a:lstStyle/>
         <a:p>
           <a:r>
-            <a:rPr lang="zh-CN" altLang="en-US" dirty="0" smtClean="0"/>
+            <a:rPr lang="zh-CN" altLang="en-US" sz="1600" dirty="0" smtClean="0">
+              <a:latin typeface="Hiragino Sans GB W3" charset="-122"/>
+              <a:ea typeface="Hiragino Sans GB W3" charset="-122"/>
+              <a:cs typeface="Hiragino Sans GB W3" charset="-122"/>
+            </a:rPr>
             <a:t>基础内容检查</a:t>
           </a:r>
-          <a:endParaRPr lang="zh-CN" altLang="en-US" dirty="0"/>
+          <a:endParaRPr lang="zh-CN" altLang="en-US" sz="1600" dirty="0">
+            <a:latin typeface="Hiragino Sans GB W3" charset="-122"/>
+            <a:ea typeface="Hiragino Sans GB W3" charset="-122"/>
+            <a:cs typeface="Hiragino Sans GB W3" charset="-122"/>
+          </a:endParaRPr>
         </a:p>
       </dgm:t>
     </dgm:pt>
@@ -907,7 +1663,11 @@
         <a:bodyPr/>
         <a:lstStyle/>
         <a:p>
-          <a:endParaRPr lang="zh-CN" altLang="en-US"/>
+          <a:endParaRPr lang="zh-CN" altLang="en-US" sz="1600">
+            <a:latin typeface="Hiragino Sans GB W3" charset="-122"/>
+            <a:ea typeface="Hiragino Sans GB W3" charset="-122"/>
+            <a:cs typeface="Hiragino Sans GB W3" charset="-122"/>
+          </a:endParaRPr>
         </a:p>
       </dgm:t>
     </dgm:pt>
@@ -918,34 +1678,58 @@
         <a:bodyPr/>
         <a:lstStyle/>
         <a:p>
-          <a:endParaRPr lang="zh-CN" altLang="en-US"/>
+          <a:endParaRPr lang="zh-CN" altLang="en-US" sz="1600">
+            <a:latin typeface="Hiragino Sans GB W3" charset="-122"/>
+            <a:ea typeface="Hiragino Sans GB W3" charset="-122"/>
+            <a:cs typeface="Hiragino Sans GB W3" charset="-122"/>
+          </a:endParaRPr>
         </a:p>
       </dgm:t>
     </dgm:pt>
     <dgm:pt modelId="{A7AF4046-9928-294E-8C4B-E5CADA93EE6F}">
-      <dgm:prSet phldrT="[文本]"/>
+      <dgm:prSet phldrT="[文本]" custT="1"/>
       <dgm:spPr/>
       <dgm:t>
         <a:bodyPr/>
         <a:lstStyle/>
         <a:p>
           <a:r>
-            <a:rPr lang="en-US" altLang="zh-CN" dirty="0" smtClean="0"/>
+            <a:rPr lang="en-US" altLang="zh-CN" sz="1600" dirty="0" smtClean="0">
+              <a:latin typeface="Hiragino Sans GB W3" charset="-122"/>
+              <a:ea typeface="Hiragino Sans GB W3" charset="-122"/>
+              <a:cs typeface="Hiragino Sans GB W3" charset="-122"/>
+            </a:rPr>
             <a:t>Android</a:t>
           </a:r>
           <a:r>
-            <a:rPr lang="zh-CN" altLang="en-US" dirty="0" smtClean="0"/>
+            <a:rPr lang="zh-CN" altLang="en-US" sz="1600" dirty="0" smtClean="0">
+              <a:latin typeface="Hiragino Sans GB W3" charset="-122"/>
+              <a:ea typeface="Hiragino Sans GB W3" charset="-122"/>
+              <a:cs typeface="Hiragino Sans GB W3" charset="-122"/>
+            </a:rPr>
             <a:t> </a:t>
           </a:r>
           <a:r>
-            <a:rPr lang="en-US" altLang="zh-CN" dirty="0" smtClean="0"/>
+            <a:rPr lang="en-US" altLang="zh-CN" sz="1600" dirty="0" smtClean="0">
+              <a:latin typeface="Hiragino Sans GB W3" charset="-122"/>
+              <a:ea typeface="Hiragino Sans GB W3" charset="-122"/>
+              <a:cs typeface="Hiragino Sans GB W3" charset="-122"/>
+            </a:rPr>
             <a:t>Lint</a:t>
           </a:r>
           <a:r>
-            <a:rPr lang="zh-CN" altLang="en-US" dirty="0" smtClean="0"/>
+            <a:rPr lang="zh-CN" altLang="en-US" sz="1600" dirty="0" smtClean="0">
+              <a:latin typeface="Hiragino Sans GB W3" charset="-122"/>
+              <a:ea typeface="Hiragino Sans GB W3" charset="-122"/>
+              <a:cs typeface="Hiragino Sans GB W3" charset="-122"/>
+            </a:rPr>
             <a:t> </a:t>
           </a:r>
-          <a:endParaRPr lang="zh-CN" altLang="en-US" dirty="0"/>
+          <a:endParaRPr lang="zh-CN" altLang="en-US" sz="1600" dirty="0">
+            <a:latin typeface="Hiragino Sans GB W3" charset="-122"/>
+            <a:ea typeface="Hiragino Sans GB W3" charset="-122"/>
+            <a:cs typeface="Hiragino Sans GB W3" charset="-122"/>
+          </a:endParaRPr>
         </a:p>
       </dgm:t>
     </dgm:pt>
@@ -956,7 +1740,11 @@
         <a:bodyPr/>
         <a:lstStyle/>
         <a:p>
-          <a:endParaRPr lang="zh-CN" altLang="en-US"/>
+          <a:endParaRPr lang="zh-CN" altLang="en-US" sz="1600">
+            <a:latin typeface="Hiragino Sans GB W3" charset="-122"/>
+            <a:ea typeface="Hiragino Sans GB W3" charset="-122"/>
+            <a:cs typeface="Hiragino Sans GB W3" charset="-122"/>
+          </a:endParaRPr>
         </a:p>
       </dgm:t>
     </dgm:pt>
@@ -967,26 +1755,42 @@
         <a:bodyPr/>
         <a:lstStyle/>
         <a:p>
-          <a:endParaRPr lang="zh-CN" altLang="en-US"/>
+          <a:endParaRPr lang="zh-CN" altLang="en-US" sz="1600">
+            <a:latin typeface="Hiragino Sans GB W3" charset="-122"/>
+            <a:ea typeface="Hiragino Sans GB W3" charset="-122"/>
+            <a:cs typeface="Hiragino Sans GB W3" charset="-122"/>
+          </a:endParaRPr>
         </a:p>
       </dgm:t>
     </dgm:pt>
     <dgm:pt modelId="{C777CDBB-FC4C-C646-91D1-39767D361C9F}">
-      <dgm:prSet phldrT="[文本]"/>
+      <dgm:prSet phldrT="[文本]" custT="1"/>
       <dgm:spPr/>
       <dgm:t>
         <a:bodyPr/>
         <a:lstStyle/>
         <a:p>
           <a:r>
-            <a:rPr lang="en-US" altLang="zh-CN" dirty="0" smtClean="0"/>
+            <a:rPr lang="en-US" altLang="zh-CN" sz="1600" dirty="0" smtClean="0">
+              <a:latin typeface="Hiragino Sans GB W3" charset="-122"/>
+              <a:ea typeface="Hiragino Sans GB W3" charset="-122"/>
+              <a:cs typeface="Hiragino Sans GB W3" charset="-122"/>
+            </a:rPr>
             <a:t>Crash</a:t>
           </a:r>
           <a:r>
-            <a:rPr lang="zh-CN" altLang="en-US" dirty="0" smtClean="0"/>
+            <a:rPr lang="zh-CN" altLang="en-US" sz="1600" dirty="0" smtClean="0">
+              <a:latin typeface="Hiragino Sans GB W3" charset="-122"/>
+              <a:ea typeface="Hiragino Sans GB W3" charset="-122"/>
+              <a:cs typeface="Hiragino Sans GB W3" charset="-122"/>
+            </a:rPr>
             <a:t>隐患检查</a:t>
           </a:r>
-          <a:endParaRPr lang="zh-CN" altLang="en-US" dirty="0"/>
+          <a:endParaRPr lang="zh-CN" altLang="en-US" sz="1600" dirty="0">
+            <a:latin typeface="Hiragino Sans GB W3" charset="-122"/>
+            <a:ea typeface="Hiragino Sans GB W3" charset="-122"/>
+            <a:cs typeface="Hiragino Sans GB W3" charset="-122"/>
+          </a:endParaRPr>
         </a:p>
       </dgm:t>
     </dgm:pt>
@@ -997,7 +1801,11 @@
         <a:bodyPr/>
         <a:lstStyle/>
         <a:p>
-          <a:endParaRPr lang="zh-CN" altLang="en-US"/>
+          <a:endParaRPr lang="zh-CN" altLang="en-US" sz="1600">
+            <a:latin typeface="Hiragino Sans GB W3" charset="-122"/>
+            <a:ea typeface="Hiragino Sans GB W3" charset="-122"/>
+            <a:cs typeface="Hiragino Sans GB W3" charset="-122"/>
+          </a:endParaRPr>
         </a:p>
       </dgm:t>
     </dgm:pt>
@@ -1008,30 +1816,50 @@
         <a:bodyPr/>
         <a:lstStyle/>
         <a:p>
-          <a:endParaRPr lang="zh-CN" altLang="en-US"/>
+          <a:endParaRPr lang="zh-CN" altLang="en-US" sz="1600">
+            <a:latin typeface="Hiragino Sans GB W3" charset="-122"/>
+            <a:ea typeface="Hiragino Sans GB W3" charset="-122"/>
+            <a:cs typeface="Hiragino Sans GB W3" charset="-122"/>
+          </a:endParaRPr>
         </a:p>
       </dgm:t>
     </dgm:pt>
     <dgm:pt modelId="{8FB57942-3B97-364B-8484-963448C5B4A3}">
-      <dgm:prSet phldrT="[文本]"/>
+      <dgm:prSet phldrT="[文本]" custT="1"/>
       <dgm:spPr/>
       <dgm:t>
         <a:bodyPr/>
         <a:lstStyle/>
         <a:p>
           <a:r>
-            <a:rPr lang="en-US" altLang="zh-CN" dirty="0" smtClean="0"/>
+            <a:rPr lang="en-US" altLang="zh-CN" sz="1600" dirty="0" smtClean="0">
+              <a:latin typeface="Hiragino Sans GB W3" charset="-122"/>
+              <a:ea typeface="Hiragino Sans GB W3" charset="-122"/>
+              <a:cs typeface="Hiragino Sans GB W3" charset="-122"/>
+            </a:rPr>
             <a:t>360</a:t>
           </a:r>
           <a:r>
-            <a:rPr lang="zh-CN" altLang="en-US" dirty="0" smtClean="0"/>
+            <a:rPr lang="zh-CN" altLang="en-US" sz="1600" dirty="0" smtClean="0">
+              <a:latin typeface="Hiragino Sans GB W3" charset="-122"/>
+              <a:ea typeface="Hiragino Sans GB W3" charset="-122"/>
+              <a:cs typeface="Hiragino Sans GB W3" charset="-122"/>
+            </a:rPr>
             <a:t> </a:t>
           </a:r>
           <a:r>
-            <a:rPr lang="en-US" altLang="zh-CN" dirty="0" err="1" smtClean="0"/>
+            <a:rPr lang="en-US" altLang="zh-CN" sz="1600" dirty="0" err="1" smtClean="0">
+              <a:latin typeface="Hiragino Sans GB W3" charset="-122"/>
+              <a:ea typeface="Hiragino Sans GB W3" charset="-122"/>
+              <a:cs typeface="Hiragino Sans GB W3" charset="-122"/>
+            </a:rPr>
             <a:t>Fireline</a:t>
           </a:r>
-          <a:endParaRPr lang="zh-CN" altLang="en-US" dirty="0"/>
+          <a:endParaRPr lang="zh-CN" altLang="en-US" sz="1600" dirty="0">
+            <a:latin typeface="Hiragino Sans GB W3" charset="-122"/>
+            <a:ea typeface="Hiragino Sans GB W3" charset="-122"/>
+            <a:cs typeface="Hiragino Sans GB W3" charset="-122"/>
+          </a:endParaRPr>
         </a:p>
       </dgm:t>
     </dgm:pt>
@@ -1042,7 +1870,11 @@
         <a:bodyPr/>
         <a:lstStyle/>
         <a:p>
-          <a:endParaRPr lang="zh-CN" altLang="en-US"/>
+          <a:endParaRPr lang="zh-CN" altLang="en-US" sz="1600">
+            <a:latin typeface="Hiragino Sans GB W3" charset="-122"/>
+            <a:ea typeface="Hiragino Sans GB W3" charset="-122"/>
+            <a:cs typeface="Hiragino Sans GB W3" charset="-122"/>
+          </a:endParaRPr>
         </a:p>
       </dgm:t>
     </dgm:pt>
@@ -1053,22 +1885,34 @@
         <a:bodyPr/>
         <a:lstStyle/>
         <a:p>
-          <a:endParaRPr lang="zh-CN" altLang="en-US"/>
+          <a:endParaRPr lang="zh-CN" altLang="en-US" sz="1600">
+            <a:latin typeface="Hiragino Sans GB W3" charset="-122"/>
+            <a:ea typeface="Hiragino Sans GB W3" charset="-122"/>
+            <a:cs typeface="Hiragino Sans GB W3" charset="-122"/>
+          </a:endParaRPr>
         </a:p>
       </dgm:t>
     </dgm:pt>
     <dgm:pt modelId="{BADB6F4D-48E5-5043-8495-D8682A66AF1C}">
-      <dgm:prSet phldrT="[文本]"/>
+      <dgm:prSet phldrT="[文本]" custT="1"/>
       <dgm:spPr/>
       <dgm:t>
         <a:bodyPr/>
         <a:lstStyle/>
         <a:p>
           <a:r>
-            <a:rPr lang="zh-CN" altLang="en-US" dirty="0" smtClean="0"/>
+            <a:rPr lang="zh-CN" altLang="en-US" sz="1600" dirty="0" smtClean="0">
+              <a:latin typeface="Hiragino Sans GB W3" charset="-122"/>
+              <a:ea typeface="Hiragino Sans GB W3" charset="-122"/>
+              <a:cs typeface="Hiragino Sans GB W3" charset="-122"/>
+            </a:rPr>
             <a:t>空指针和内存泄露检查</a:t>
           </a:r>
-          <a:endParaRPr lang="zh-CN" altLang="en-US" dirty="0"/>
+          <a:endParaRPr lang="zh-CN" altLang="en-US" sz="1600" dirty="0">
+            <a:latin typeface="Hiragino Sans GB W3" charset="-122"/>
+            <a:ea typeface="Hiragino Sans GB W3" charset="-122"/>
+            <a:cs typeface="Hiragino Sans GB W3" charset="-122"/>
+          </a:endParaRPr>
         </a:p>
       </dgm:t>
     </dgm:pt>
@@ -1079,7 +1923,11 @@
         <a:bodyPr/>
         <a:lstStyle/>
         <a:p>
-          <a:endParaRPr lang="zh-CN" altLang="en-US"/>
+          <a:endParaRPr lang="zh-CN" altLang="en-US" sz="1600">
+            <a:latin typeface="Hiragino Sans GB W3" charset="-122"/>
+            <a:ea typeface="Hiragino Sans GB W3" charset="-122"/>
+            <a:cs typeface="Hiragino Sans GB W3" charset="-122"/>
+          </a:endParaRPr>
         </a:p>
       </dgm:t>
     </dgm:pt>
@@ -1090,22 +1938,34 @@
         <a:bodyPr/>
         <a:lstStyle/>
         <a:p>
-          <a:endParaRPr lang="zh-CN" altLang="en-US"/>
+          <a:endParaRPr lang="zh-CN" altLang="en-US" sz="1600">
+            <a:latin typeface="Hiragino Sans GB W3" charset="-122"/>
+            <a:ea typeface="Hiragino Sans GB W3" charset="-122"/>
+            <a:cs typeface="Hiragino Sans GB W3" charset="-122"/>
+          </a:endParaRPr>
         </a:p>
       </dgm:t>
     </dgm:pt>
     <dgm:pt modelId="{D3A6B144-A6A0-014B-B157-90102BD781F3}">
-      <dgm:prSet phldrT="[文本]"/>
+      <dgm:prSet phldrT="[文本]" custT="1"/>
       <dgm:spPr/>
       <dgm:t>
         <a:bodyPr/>
         <a:lstStyle/>
         <a:p>
           <a:r>
-            <a:rPr lang="en-US" altLang="zh-CN" dirty="0" smtClean="0"/>
+            <a:rPr lang="en-US" altLang="zh-CN" sz="1600" dirty="0" smtClean="0">
+              <a:latin typeface="Hiragino Sans GB W3" charset="-122"/>
+              <a:ea typeface="Hiragino Sans GB W3" charset="-122"/>
+              <a:cs typeface="Hiragino Sans GB W3" charset="-122"/>
+            </a:rPr>
             <a:t>Infer</a:t>
           </a:r>
-          <a:endParaRPr lang="zh-CN" altLang="en-US" dirty="0"/>
+          <a:endParaRPr lang="zh-CN" altLang="en-US" sz="1600" dirty="0">
+            <a:latin typeface="Hiragino Sans GB W3" charset="-122"/>
+            <a:ea typeface="Hiragino Sans GB W3" charset="-122"/>
+            <a:cs typeface="Hiragino Sans GB W3" charset="-122"/>
+          </a:endParaRPr>
         </a:p>
       </dgm:t>
     </dgm:pt>
@@ -1116,7 +1976,11 @@
         <a:bodyPr/>
         <a:lstStyle/>
         <a:p>
-          <a:endParaRPr lang="zh-CN" altLang="en-US"/>
+          <a:endParaRPr lang="zh-CN" altLang="en-US" sz="1600">
+            <a:latin typeface="Hiragino Sans GB W3" charset="-122"/>
+            <a:ea typeface="Hiragino Sans GB W3" charset="-122"/>
+            <a:cs typeface="Hiragino Sans GB W3" charset="-122"/>
+          </a:endParaRPr>
         </a:p>
       </dgm:t>
     </dgm:pt>
@@ -1127,22 +1991,34 @@
         <a:bodyPr/>
         <a:lstStyle/>
         <a:p>
-          <a:endParaRPr lang="zh-CN" altLang="en-US"/>
+          <a:endParaRPr lang="zh-CN" altLang="en-US" sz="1600">
+            <a:latin typeface="Hiragino Sans GB W3" charset="-122"/>
+            <a:ea typeface="Hiragino Sans GB W3" charset="-122"/>
+            <a:cs typeface="Hiragino Sans GB W3" charset="-122"/>
+          </a:endParaRPr>
         </a:p>
       </dgm:t>
     </dgm:pt>
     <dgm:pt modelId="{548515C8-1792-D640-AED8-361364F84F94}">
-      <dgm:prSet phldrT="[文本]"/>
+      <dgm:prSet phldrT="[文本]" custT="1"/>
       <dgm:spPr/>
       <dgm:t>
         <a:bodyPr/>
         <a:lstStyle/>
         <a:p>
           <a:r>
-            <a:rPr lang="en-US" altLang="zh-CN" dirty="0" err="1" smtClean="0"/>
+            <a:rPr lang="en-US" altLang="zh-CN" sz="1600" dirty="0" err="1" smtClean="0">
+              <a:latin typeface="Hiragino Sans GB W3" charset="-122"/>
+              <a:ea typeface="Hiragino Sans GB W3" charset="-122"/>
+              <a:cs typeface="Hiragino Sans GB W3" charset="-122"/>
+            </a:rPr>
             <a:t>Godeyes</a:t>
           </a:r>
-          <a:endParaRPr lang="zh-CN" altLang="en-US" dirty="0"/>
+          <a:endParaRPr lang="zh-CN" altLang="en-US" sz="1600" dirty="0">
+            <a:latin typeface="Hiragino Sans GB W3" charset="-122"/>
+            <a:ea typeface="Hiragino Sans GB W3" charset="-122"/>
+            <a:cs typeface="Hiragino Sans GB W3" charset="-122"/>
+          </a:endParaRPr>
         </a:p>
       </dgm:t>
     </dgm:pt>
@@ -1153,7 +2029,11 @@
         <a:bodyPr/>
         <a:lstStyle/>
         <a:p>
-          <a:endParaRPr lang="zh-CN" altLang="en-US"/>
+          <a:endParaRPr lang="zh-CN" altLang="en-US" sz="1600">
+            <a:latin typeface="Hiragino Sans GB W3" charset="-122"/>
+            <a:ea typeface="Hiragino Sans GB W3" charset="-122"/>
+            <a:cs typeface="Hiragino Sans GB W3" charset="-122"/>
+          </a:endParaRPr>
         </a:p>
       </dgm:t>
     </dgm:pt>
@@ -1164,7 +2044,11 @@
         <a:bodyPr/>
         <a:lstStyle/>
         <a:p>
-          <a:endParaRPr lang="zh-CN" altLang="en-US"/>
+          <a:endParaRPr lang="zh-CN" altLang="en-US" sz="1600">
+            <a:latin typeface="Hiragino Sans GB W3" charset="-122"/>
+            <a:ea typeface="Hiragino Sans GB W3" charset="-122"/>
+            <a:cs typeface="Hiragino Sans GB W3" charset="-122"/>
+          </a:endParaRPr>
         </a:p>
       </dgm:t>
     </dgm:pt>
@@ -1176,6 +2060,13 @@
         </dgm:presLayoutVars>
       </dgm:prSet>
       <dgm:spPr/>
+      <dgm:t>
+        <a:bodyPr/>
+        <a:lstStyle/>
+        <a:p>
+          <a:endParaRPr lang="zh-CN" altLang="en-US"/>
+        </a:p>
+      </dgm:t>
     </dgm:pt>
     <dgm:pt modelId="{B9411532-D740-6F43-A34C-62C5B3EF0AAD}" type="pres">
       <dgm:prSet presAssocID="{02EC5842-0FC9-6144-A1E3-D6DAB8CC11BF}" presName="arrow" presStyleLbl="bgShp" presStyleIdx="0" presStyleCnt="1"/>
@@ -1196,6 +2087,13 @@
         </dgm:presLayoutVars>
       </dgm:prSet>
       <dgm:spPr/>
+      <dgm:t>
+        <a:bodyPr/>
+        <a:lstStyle/>
+        <a:p>
+          <a:endParaRPr lang="zh-CN" altLang="en-US"/>
+        </a:p>
+      </dgm:t>
     </dgm:pt>
     <dgm:pt modelId="{DE8006EB-C060-6943-AF5D-3B97AFF6F2A5}" type="pres">
       <dgm:prSet presAssocID="{77EC890D-58DA-464D-B0FE-C65A6134B8A2}" presName="circleA" presStyleLbl="node1" presStyleIdx="0" presStyleCnt="3"/>
@@ -1220,6 +2118,13 @@
         </dgm:presLayoutVars>
       </dgm:prSet>
       <dgm:spPr/>
+      <dgm:t>
+        <a:bodyPr/>
+        <a:lstStyle/>
+        <a:p>
+          <a:endParaRPr lang="zh-CN" altLang="en-US"/>
+        </a:p>
+      </dgm:t>
     </dgm:pt>
     <dgm:pt modelId="{FD079F88-3701-964D-B5C6-AD44EF8BB1A0}" type="pres">
       <dgm:prSet presAssocID="{C777CDBB-FC4C-C646-91D1-39767D361C9F}" presName="circleB" presStyleLbl="node1" presStyleIdx="1" presStyleCnt="3"/>
@@ -1244,6 +2149,13 @@
         </dgm:presLayoutVars>
       </dgm:prSet>
       <dgm:spPr/>
+      <dgm:t>
+        <a:bodyPr/>
+        <a:lstStyle/>
+        <a:p>
+          <a:endParaRPr lang="zh-CN" altLang="en-US"/>
+        </a:p>
+      </dgm:t>
     </dgm:pt>
     <dgm:pt modelId="{30CE4B6E-3775-1740-B5DF-AEFB806BDDBB}" type="pres">
       <dgm:prSet presAssocID="{BADB6F4D-48E5-5043-8495-D8682A66AF1C}" presName="circleA" presStyleLbl="node1" presStyleIdx="2" presStyleCnt="3"/>
@@ -1255,21 +2167,21 @@
     </dgm:pt>
   </dgm:ptLst>
   <dgm:cxnLst>
+    <dgm:cxn modelId="{B5522F63-523D-B549-B820-3DF530C1B091}" srcId="{02EC5842-0FC9-6144-A1E3-D6DAB8CC11BF}" destId="{BADB6F4D-48E5-5043-8495-D8682A66AF1C}" srcOrd="2" destOrd="0" parTransId="{DF63DA60-BC8A-5C4B-A5FA-E27DC8689F07}" sibTransId="{BF2D905D-31CC-314B-A227-12066070E7B4}"/>
+    <dgm:cxn modelId="{015BDE0A-93FD-0C47-A959-F91C5316A5F7}" srcId="{C777CDBB-FC4C-C646-91D1-39767D361C9F}" destId="{548515C8-1792-D640-AED8-361364F84F94}" srcOrd="1" destOrd="0" parTransId="{AD399E26-7F0F-F34F-B40A-FF9F42402611}" sibTransId="{1E05E600-2AC4-094E-9242-A21D2E54743E}"/>
+    <dgm:cxn modelId="{668681F9-E650-734D-A8FF-44F41A7CA527}" type="presOf" srcId="{C777CDBB-FC4C-C646-91D1-39767D361C9F}" destId="{135E1D9D-2E6F-2747-A359-D369BAD52CA0}" srcOrd="0" destOrd="0" presId="urn:microsoft.com/office/officeart/2005/8/layout/hProcess11"/>
+    <dgm:cxn modelId="{22132925-F8AE-3447-80D5-D06C2FF91763}" srcId="{02EC5842-0FC9-6144-A1E3-D6DAB8CC11BF}" destId="{C777CDBB-FC4C-C646-91D1-39767D361C9F}" srcOrd="1" destOrd="0" parTransId="{E119D877-9972-474D-9463-AA7C370DDB31}" sibTransId="{EDCDFB0E-2399-2A48-9F19-AB88B2509014}"/>
+    <dgm:cxn modelId="{2EE4098C-5387-C544-9D5C-61AE61120938}" srcId="{02EC5842-0FC9-6144-A1E3-D6DAB8CC11BF}" destId="{77EC890D-58DA-464D-B0FE-C65A6134B8A2}" srcOrd="0" destOrd="0" parTransId="{4B426CFB-8742-4442-9B86-FC7C2484724D}" sibTransId="{93C89007-7F0F-1843-8A85-F43EA99DFAF2}"/>
+    <dgm:cxn modelId="{40916244-4F79-724E-B6EA-88E85A849381}" srcId="{77EC890D-58DA-464D-B0FE-C65A6134B8A2}" destId="{A7AF4046-9928-294E-8C4B-E5CADA93EE6F}" srcOrd="0" destOrd="0" parTransId="{8CEB9CDE-032D-504E-8044-F6E69EA77BC5}" sibTransId="{F47127F2-15BB-7341-B52B-92EDDAFE23AB}"/>
+    <dgm:cxn modelId="{BA748978-6DCC-C042-B882-C1DAA3E27966}" srcId="{C777CDBB-FC4C-C646-91D1-39767D361C9F}" destId="{8FB57942-3B97-364B-8484-963448C5B4A3}" srcOrd="0" destOrd="0" parTransId="{05E7CCA4-8463-1F47-BDC1-3230AB7F6FEA}" sibTransId="{D1C07FC2-A126-4445-9F41-F55736082A39}"/>
+    <dgm:cxn modelId="{D87D2222-4B8E-8F44-89C4-26F94BCF729F}" type="presOf" srcId="{8FB57942-3B97-364B-8484-963448C5B4A3}" destId="{135E1D9D-2E6F-2747-A359-D369BAD52CA0}" srcOrd="0" destOrd="1" presId="urn:microsoft.com/office/officeart/2005/8/layout/hProcess11"/>
+    <dgm:cxn modelId="{EC85B8F7-7EAF-5E42-A5F2-A4485F368151}" type="presOf" srcId="{A7AF4046-9928-294E-8C4B-E5CADA93EE6F}" destId="{712D7270-50A0-AF46-943A-9CE5AB0C11A6}" srcOrd="0" destOrd="1" presId="urn:microsoft.com/office/officeart/2005/8/layout/hProcess11"/>
+    <dgm:cxn modelId="{4B19973D-1CA4-4F42-BA0A-918B741D86C0}" srcId="{BADB6F4D-48E5-5043-8495-D8682A66AF1C}" destId="{D3A6B144-A6A0-014B-B157-90102BD781F3}" srcOrd="0" destOrd="0" parTransId="{BDEDCD20-49EF-4448-AF75-B19C6865EEFC}" sibTransId="{122FA16E-B41C-9A46-A205-D6DCE2CDACD0}"/>
+    <dgm:cxn modelId="{DFE154E3-93B3-D04A-A330-A0D9F92F6BDB}" type="presOf" srcId="{02EC5842-0FC9-6144-A1E3-D6DAB8CC11BF}" destId="{99A9C100-78EB-E34B-94BF-E88BCA9A8E5D}" srcOrd="0" destOrd="0" presId="urn:microsoft.com/office/officeart/2005/8/layout/hProcess11"/>
     <dgm:cxn modelId="{01F9BFF9-0B30-274D-87D3-16037972D877}" type="presOf" srcId="{77EC890D-58DA-464D-B0FE-C65A6134B8A2}" destId="{712D7270-50A0-AF46-943A-9CE5AB0C11A6}" srcOrd="0" destOrd="0" presId="urn:microsoft.com/office/officeart/2005/8/layout/hProcess11"/>
-    <dgm:cxn modelId="{DFE154E3-93B3-D04A-A330-A0D9F92F6BDB}" type="presOf" srcId="{02EC5842-0FC9-6144-A1E3-D6DAB8CC11BF}" destId="{99A9C100-78EB-E34B-94BF-E88BCA9A8E5D}" srcOrd="0" destOrd="0" presId="urn:microsoft.com/office/officeart/2005/8/layout/hProcess11"/>
-    <dgm:cxn modelId="{2087A85C-B57C-1943-8A50-6E7986C2BE71}" type="presOf" srcId="{548515C8-1792-D640-AED8-361364F84F94}" destId="{135E1D9D-2E6F-2747-A359-D369BAD52CA0}" srcOrd="0" destOrd="2" presId="urn:microsoft.com/office/officeart/2005/8/layout/hProcess11"/>
-    <dgm:cxn modelId="{668681F9-E650-734D-A8FF-44F41A7CA527}" type="presOf" srcId="{C777CDBB-FC4C-C646-91D1-39767D361C9F}" destId="{135E1D9D-2E6F-2747-A359-D369BAD52CA0}" srcOrd="0" destOrd="0" presId="urn:microsoft.com/office/officeart/2005/8/layout/hProcess11"/>
-    <dgm:cxn modelId="{40916244-4F79-724E-B6EA-88E85A849381}" srcId="{77EC890D-58DA-464D-B0FE-C65A6134B8A2}" destId="{A7AF4046-9928-294E-8C4B-E5CADA93EE6F}" srcOrd="0" destOrd="0" parTransId="{8CEB9CDE-032D-504E-8044-F6E69EA77BC5}" sibTransId="{F47127F2-15BB-7341-B52B-92EDDAFE23AB}"/>
-    <dgm:cxn modelId="{22132925-F8AE-3447-80D5-D06C2FF91763}" srcId="{02EC5842-0FC9-6144-A1E3-D6DAB8CC11BF}" destId="{C777CDBB-FC4C-C646-91D1-39767D361C9F}" srcOrd="1" destOrd="0" parTransId="{E119D877-9972-474D-9463-AA7C370DDB31}" sibTransId="{EDCDFB0E-2399-2A48-9F19-AB88B2509014}"/>
-    <dgm:cxn modelId="{BA748978-6DCC-C042-B882-C1DAA3E27966}" srcId="{C777CDBB-FC4C-C646-91D1-39767D361C9F}" destId="{8FB57942-3B97-364B-8484-963448C5B4A3}" srcOrd="0" destOrd="0" parTransId="{05E7CCA4-8463-1F47-BDC1-3230AB7F6FEA}" sibTransId="{D1C07FC2-A126-4445-9F41-F55736082A39}"/>
     <dgm:cxn modelId="{982E567C-7FE3-A441-9227-6BF1152BB333}" type="presOf" srcId="{BADB6F4D-48E5-5043-8495-D8682A66AF1C}" destId="{92391C52-40D6-C545-A699-524BB1B93FE2}" srcOrd="0" destOrd="0" presId="urn:microsoft.com/office/officeart/2005/8/layout/hProcess11"/>
     <dgm:cxn modelId="{897C6A4C-1606-B14E-B912-2511E97D93B1}" type="presOf" srcId="{D3A6B144-A6A0-014B-B157-90102BD781F3}" destId="{92391C52-40D6-C545-A699-524BB1B93FE2}" srcOrd="0" destOrd="1" presId="urn:microsoft.com/office/officeart/2005/8/layout/hProcess11"/>
-    <dgm:cxn modelId="{015BDE0A-93FD-0C47-A959-F91C5316A5F7}" srcId="{C777CDBB-FC4C-C646-91D1-39767D361C9F}" destId="{548515C8-1792-D640-AED8-361364F84F94}" srcOrd="1" destOrd="0" parTransId="{AD399E26-7F0F-F34F-B40A-FF9F42402611}" sibTransId="{1E05E600-2AC4-094E-9242-A21D2E54743E}"/>
-    <dgm:cxn modelId="{B5522F63-523D-B549-B820-3DF530C1B091}" srcId="{02EC5842-0FC9-6144-A1E3-D6DAB8CC11BF}" destId="{BADB6F4D-48E5-5043-8495-D8682A66AF1C}" srcOrd="2" destOrd="0" parTransId="{DF63DA60-BC8A-5C4B-A5FA-E27DC8689F07}" sibTransId="{BF2D905D-31CC-314B-A227-12066070E7B4}"/>
-    <dgm:cxn modelId="{4B19973D-1CA4-4F42-BA0A-918B741D86C0}" srcId="{BADB6F4D-48E5-5043-8495-D8682A66AF1C}" destId="{D3A6B144-A6A0-014B-B157-90102BD781F3}" srcOrd="0" destOrd="0" parTransId="{BDEDCD20-49EF-4448-AF75-B19C6865EEFC}" sibTransId="{122FA16E-B41C-9A46-A205-D6DCE2CDACD0}"/>
-    <dgm:cxn modelId="{EC85B8F7-7EAF-5E42-A5F2-A4485F368151}" type="presOf" srcId="{A7AF4046-9928-294E-8C4B-E5CADA93EE6F}" destId="{712D7270-50A0-AF46-943A-9CE5AB0C11A6}" srcOrd="0" destOrd="1" presId="urn:microsoft.com/office/officeart/2005/8/layout/hProcess11"/>
-    <dgm:cxn modelId="{2EE4098C-5387-C544-9D5C-61AE61120938}" srcId="{02EC5842-0FC9-6144-A1E3-D6DAB8CC11BF}" destId="{77EC890D-58DA-464D-B0FE-C65A6134B8A2}" srcOrd="0" destOrd="0" parTransId="{4B426CFB-8742-4442-9B86-FC7C2484724D}" sibTransId="{93C89007-7F0F-1843-8A85-F43EA99DFAF2}"/>
-    <dgm:cxn modelId="{D87D2222-4B8E-8F44-89C4-26F94BCF729F}" type="presOf" srcId="{8FB57942-3B97-364B-8484-963448C5B4A3}" destId="{135E1D9D-2E6F-2747-A359-D369BAD52CA0}" srcOrd="0" destOrd="1" presId="urn:microsoft.com/office/officeart/2005/8/layout/hProcess11"/>
+    <dgm:cxn modelId="{2087A85C-B57C-1943-8A50-6E7986C2BE71}" type="presOf" srcId="{548515C8-1792-D640-AED8-361364F84F94}" destId="{135E1D9D-2E6F-2747-A359-D369BAD52CA0}" srcOrd="0" destOrd="2" presId="urn:microsoft.com/office/officeart/2005/8/layout/hProcess11"/>
     <dgm:cxn modelId="{FDE1438B-A99D-9149-AA2F-8D3AD0B1AEC2}" type="presParOf" srcId="{99A9C100-78EB-E34B-94BF-E88BCA9A8E5D}" destId="{B9411532-D740-6F43-A34C-62C5B3EF0AAD}" srcOrd="0" destOrd="0" presId="urn:microsoft.com/office/officeart/2005/8/layout/hProcess11"/>
     <dgm:cxn modelId="{44266F32-095C-F040-A276-581C2C60505B}" type="presParOf" srcId="{99A9C100-78EB-E34B-94BF-E88BCA9A8E5D}" destId="{C3E011CA-3F74-3D41-BBE3-6E100999A271}" srcOrd="1" destOrd="0" presId="urn:microsoft.com/office/officeart/2005/8/layout/hProcess11"/>
     <dgm:cxn modelId="{258BDC60-F1B5-2D40-94BD-9AAC8E55373E}" type="presParOf" srcId="{C3E011CA-3F74-3D41-BBE3-6E100999A271}" destId="{A032C557-76D5-B948-AEE5-42D2143EC4D3}" srcOrd="0" destOrd="0" presId="urn:microsoft.com/office/officeart/2005/8/layout/hProcess11"/>
@@ -1297,6 +2209,443 @@
 </dgm:dataModel>
 </file>
 
+<file path=ppt/diagrams/data2.xml><?xml version="1.0" encoding="utf-8"?>
+<dgm:dataModel xmlns:dgm="http://schemas.openxmlformats.org/drawingml/2006/diagram" xmlns:a="http://schemas.openxmlformats.org/drawingml/2006/main">
+  <dgm:ptLst>
+    <dgm:pt modelId="{F8995961-47F4-1442-842D-DACC1F06779A}" type="doc">
+      <dgm:prSet loTypeId="urn:microsoft.com/office/officeart/2009/3/layout/DescendingProcess" loCatId="" qsTypeId="urn:microsoft.com/office/officeart/2005/8/quickstyle/simple4" qsCatId="simple" csTypeId="urn:microsoft.com/office/officeart/2005/8/colors/accent1_2" csCatId="accent1" phldr="1"/>
+      <dgm:spPr/>
+    </dgm:pt>
+    <dgm:pt modelId="{6BB69A1B-B181-174E-B18D-90904B731937}">
+      <dgm:prSet phldrT="[文本]" custT="1"/>
+      <dgm:spPr/>
+      <dgm:t>
+        <a:bodyPr/>
+        <a:lstStyle/>
+        <a:p>
+          <a:r>
+            <a:rPr lang="en-US" altLang="zh-CN" sz="2400" dirty="0" smtClean="0">
+              <a:latin typeface="Hiragino Sans GB W3" charset="-122"/>
+              <a:ea typeface="Hiragino Sans GB W3" charset="-122"/>
+              <a:cs typeface="Hiragino Sans GB W3" charset="-122"/>
+            </a:rPr>
+            <a:t>1.</a:t>
+          </a:r>
+          <a:r>
+            <a:rPr lang="zh-CN" altLang="en-US" sz="2400" dirty="0" smtClean="0">
+              <a:latin typeface="Hiragino Sans GB W3" charset="-122"/>
+              <a:ea typeface="Hiragino Sans GB W3" charset="-122"/>
+              <a:cs typeface="Hiragino Sans GB W3" charset="-122"/>
+            </a:rPr>
+            <a:t> 开发</a:t>
+          </a:r>
+          <a:endParaRPr lang="zh-CN" altLang="en-US" sz="2400" dirty="0">
+            <a:latin typeface="Hiragino Sans GB W3" charset="-122"/>
+            <a:ea typeface="Hiragino Sans GB W3" charset="-122"/>
+            <a:cs typeface="Hiragino Sans GB W3" charset="-122"/>
+          </a:endParaRPr>
+        </a:p>
+      </dgm:t>
+    </dgm:pt>
+    <dgm:pt modelId="{6CC15A33-EAAF-1F42-8B4A-41D0BF035759}" type="parTrans" cxnId="{44D32101-E0A3-B749-B811-564B57E46B86}">
+      <dgm:prSet/>
+      <dgm:spPr/>
+      <dgm:t>
+        <a:bodyPr/>
+        <a:lstStyle/>
+        <a:p>
+          <a:endParaRPr lang="zh-CN" altLang="en-US" sz="1600">
+            <a:latin typeface="Hiragino Sans GB W3" charset="-122"/>
+            <a:ea typeface="Hiragino Sans GB W3" charset="-122"/>
+            <a:cs typeface="Hiragino Sans GB W3" charset="-122"/>
+          </a:endParaRPr>
+        </a:p>
+      </dgm:t>
+    </dgm:pt>
+    <dgm:pt modelId="{0EF9085E-9C65-6F4A-BF64-95FD726D832D}" type="sibTrans" cxnId="{44D32101-E0A3-B749-B811-564B57E46B86}">
+      <dgm:prSet/>
+      <dgm:spPr/>
+      <dgm:t>
+        <a:bodyPr/>
+        <a:lstStyle/>
+        <a:p>
+          <a:endParaRPr lang="zh-CN" altLang="en-US" sz="1600">
+            <a:latin typeface="Hiragino Sans GB W3" charset="-122"/>
+            <a:ea typeface="Hiragino Sans GB W3" charset="-122"/>
+            <a:cs typeface="Hiragino Sans GB W3" charset="-122"/>
+          </a:endParaRPr>
+        </a:p>
+      </dgm:t>
+    </dgm:pt>
+    <dgm:pt modelId="{C4A5DBF7-8A67-1F46-AA28-649E02D52AC9}">
+      <dgm:prSet phldrT="[文本]" custT="1"/>
+      <dgm:spPr/>
+      <dgm:t>
+        <a:bodyPr/>
+        <a:lstStyle/>
+        <a:p>
+          <a:r>
+            <a:rPr lang="en-US" altLang="zh-CN" sz="2400" dirty="0" smtClean="0">
+              <a:latin typeface="Hiragino Sans GB W3" charset="-122"/>
+              <a:ea typeface="Hiragino Sans GB W3" charset="-122"/>
+              <a:cs typeface="Hiragino Sans GB W3" charset="-122"/>
+            </a:rPr>
+            <a:t>2.</a:t>
+          </a:r>
+          <a:r>
+            <a:rPr lang="zh-CN" altLang="en-US" sz="2400" dirty="0" smtClean="0">
+              <a:latin typeface="Hiragino Sans GB W3" charset="-122"/>
+              <a:ea typeface="Hiragino Sans GB W3" charset="-122"/>
+              <a:cs typeface="Hiragino Sans GB W3" charset="-122"/>
+            </a:rPr>
+            <a:t> 内测</a:t>
+          </a:r>
+          <a:endParaRPr lang="zh-CN" altLang="en-US" sz="2400" dirty="0">
+            <a:latin typeface="Hiragino Sans GB W3" charset="-122"/>
+            <a:ea typeface="Hiragino Sans GB W3" charset="-122"/>
+            <a:cs typeface="Hiragino Sans GB W3" charset="-122"/>
+          </a:endParaRPr>
+        </a:p>
+      </dgm:t>
+    </dgm:pt>
+    <dgm:pt modelId="{FA992D7A-F219-A540-B739-C6351CCAB9CD}" type="parTrans" cxnId="{7FCAEF85-ECEE-424D-AA29-F304264D50C4}">
+      <dgm:prSet/>
+      <dgm:spPr/>
+      <dgm:t>
+        <a:bodyPr/>
+        <a:lstStyle/>
+        <a:p>
+          <a:endParaRPr lang="zh-CN" altLang="en-US" sz="1600">
+            <a:latin typeface="Hiragino Sans GB W3" charset="-122"/>
+            <a:ea typeface="Hiragino Sans GB W3" charset="-122"/>
+            <a:cs typeface="Hiragino Sans GB W3" charset="-122"/>
+          </a:endParaRPr>
+        </a:p>
+      </dgm:t>
+    </dgm:pt>
+    <dgm:pt modelId="{F734E1F0-156A-4741-9B68-78D44BF5C1DB}" type="sibTrans" cxnId="{7FCAEF85-ECEE-424D-AA29-F304264D50C4}">
+      <dgm:prSet/>
+      <dgm:spPr/>
+      <dgm:t>
+        <a:bodyPr/>
+        <a:lstStyle/>
+        <a:p>
+          <a:endParaRPr lang="zh-CN" altLang="en-US" sz="1600">
+            <a:latin typeface="Hiragino Sans GB W3" charset="-122"/>
+            <a:ea typeface="Hiragino Sans GB W3" charset="-122"/>
+            <a:cs typeface="Hiragino Sans GB W3" charset="-122"/>
+          </a:endParaRPr>
+        </a:p>
+      </dgm:t>
+    </dgm:pt>
+    <dgm:pt modelId="{FC8292FA-FC32-FC46-810D-84F1519411FB}">
+      <dgm:prSet phldrT="[文本]" custT="1"/>
+      <dgm:spPr/>
+      <dgm:t>
+        <a:bodyPr/>
+        <a:lstStyle/>
+        <a:p>
+          <a:r>
+            <a:rPr lang="en-US" altLang="zh-CN" sz="2400" dirty="0" smtClean="0">
+              <a:solidFill>
+                <a:srgbClr val="FF0000"/>
+              </a:solidFill>
+              <a:latin typeface="Hiragino Sans GB W3" charset="-122"/>
+              <a:ea typeface="Hiragino Sans GB W3" charset="-122"/>
+              <a:cs typeface="Hiragino Sans GB W3" charset="-122"/>
+            </a:rPr>
+            <a:t>3.</a:t>
+          </a:r>
+          <a:r>
+            <a:rPr lang="zh-CN" altLang="en-US" sz="2400" dirty="0" smtClean="0">
+              <a:solidFill>
+                <a:srgbClr val="FF0000"/>
+              </a:solidFill>
+              <a:latin typeface="Hiragino Sans GB W3" charset="-122"/>
+              <a:ea typeface="Hiragino Sans GB W3" charset="-122"/>
+              <a:cs typeface="Hiragino Sans GB W3" charset="-122"/>
+            </a:rPr>
+            <a:t> 扫描</a:t>
+          </a:r>
+          <a:endParaRPr lang="zh-CN" altLang="en-US" sz="2400" dirty="0">
+            <a:solidFill>
+              <a:srgbClr val="FF0000"/>
+            </a:solidFill>
+            <a:latin typeface="Hiragino Sans GB W3" charset="-122"/>
+            <a:ea typeface="Hiragino Sans GB W3" charset="-122"/>
+            <a:cs typeface="Hiragino Sans GB W3" charset="-122"/>
+          </a:endParaRPr>
+        </a:p>
+      </dgm:t>
+    </dgm:pt>
+    <dgm:pt modelId="{773C0F5C-17DE-1143-8DA0-440ECE33FFFC}" type="parTrans" cxnId="{BAA2E9A9-4DB5-F843-B21F-FADFAD220C1B}">
+      <dgm:prSet/>
+      <dgm:spPr/>
+      <dgm:t>
+        <a:bodyPr/>
+        <a:lstStyle/>
+        <a:p>
+          <a:endParaRPr lang="zh-CN" altLang="en-US" sz="1600">
+            <a:latin typeface="Hiragino Sans GB W3" charset="-122"/>
+            <a:ea typeface="Hiragino Sans GB W3" charset="-122"/>
+            <a:cs typeface="Hiragino Sans GB W3" charset="-122"/>
+          </a:endParaRPr>
+        </a:p>
+      </dgm:t>
+    </dgm:pt>
+    <dgm:pt modelId="{53BDCD8D-63ED-8E46-B1EC-D7CE83C6C711}" type="sibTrans" cxnId="{BAA2E9A9-4DB5-F843-B21F-FADFAD220C1B}">
+      <dgm:prSet/>
+      <dgm:spPr/>
+      <dgm:t>
+        <a:bodyPr/>
+        <a:lstStyle/>
+        <a:p>
+          <a:endParaRPr lang="zh-CN" altLang="en-US" sz="1600">
+            <a:latin typeface="Hiragino Sans GB W3" charset="-122"/>
+            <a:ea typeface="Hiragino Sans GB W3" charset="-122"/>
+            <a:cs typeface="Hiragino Sans GB W3" charset="-122"/>
+          </a:endParaRPr>
+        </a:p>
+      </dgm:t>
+    </dgm:pt>
+    <dgm:pt modelId="{4F52A9E1-BC98-E84E-9290-40658804E0F8}">
+      <dgm:prSet phldrT="[文本]" custT="1"/>
+      <dgm:spPr/>
+      <dgm:t>
+        <a:bodyPr/>
+        <a:lstStyle/>
+        <a:p>
+          <a:r>
+            <a:rPr lang="en-US" altLang="zh-CN" sz="2400" dirty="0" smtClean="0">
+              <a:latin typeface="Hiragino Sans GB W3" charset="-122"/>
+              <a:ea typeface="Hiragino Sans GB W3" charset="-122"/>
+              <a:cs typeface="Hiragino Sans GB W3" charset="-122"/>
+            </a:rPr>
+            <a:t>4.</a:t>
+          </a:r>
+          <a:r>
+            <a:rPr lang="zh-CN" altLang="en-US" sz="2400" dirty="0" smtClean="0">
+              <a:latin typeface="Hiragino Sans GB W3" charset="-122"/>
+              <a:ea typeface="Hiragino Sans GB W3" charset="-122"/>
+              <a:cs typeface="Hiragino Sans GB W3" charset="-122"/>
+            </a:rPr>
+            <a:t> 测试室测试</a:t>
+          </a:r>
+          <a:endParaRPr lang="zh-CN" altLang="en-US" sz="2400" dirty="0">
+            <a:latin typeface="Hiragino Sans GB W3" charset="-122"/>
+            <a:ea typeface="Hiragino Sans GB W3" charset="-122"/>
+            <a:cs typeface="Hiragino Sans GB W3" charset="-122"/>
+          </a:endParaRPr>
+        </a:p>
+      </dgm:t>
+    </dgm:pt>
+    <dgm:pt modelId="{2E4E8A14-E2C5-3E4B-A4C3-24A151DF4CD3}" type="parTrans" cxnId="{B8F905A8-FB65-0A46-8CAB-FF638DAD34A3}">
+      <dgm:prSet/>
+      <dgm:spPr/>
+      <dgm:t>
+        <a:bodyPr/>
+        <a:lstStyle/>
+        <a:p>
+          <a:endParaRPr lang="zh-CN" altLang="en-US" sz="1600">
+            <a:latin typeface="Hiragino Sans GB W3" charset="-122"/>
+            <a:ea typeface="Hiragino Sans GB W3" charset="-122"/>
+            <a:cs typeface="Hiragino Sans GB W3" charset="-122"/>
+          </a:endParaRPr>
+        </a:p>
+      </dgm:t>
+    </dgm:pt>
+    <dgm:pt modelId="{A8EFBD83-D118-1947-94BF-37795CA2D2D4}" type="sibTrans" cxnId="{B8F905A8-FB65-0A46-8CAB-FF638DAD34A3}">
+      <dgm:prSet/>
+      <dgm:spPr/>
+      <dgm:t>
+        <a:bodyPr/>
+        <a:lstStyle/>
+        <a:p>
+          <a:endParaRPr lang="zh-CN" altLang="en-US" sz="1600">
+            <a:latin typeface="Hiragino Sans GB W3" charset="-122"/>
+            <a:ea typeface="Hiragino Sans GB W3" charset="-122"/>
+            <a:cs typeface="Hiragino Sans GB W3" charset="-122"/>
+          </a:endParaRPr>
+        </a:p>
+      </dgm:t>
+    </dgm:pt>
+    <dgm:pt modelId="{196486E6-E7D1-5B44-B816-B2A2AE79392E}">
+      <dgm:prSet phldrT="[文本]" custT="1"/>
+      <dgm:spPr/>
+      <dgm:t>
+        <a:bodyPr/>
+        <a:lstStyle/>
+        <a:p>
+          <a:r>
+            <a:rPr lang="en-US" altLang="zh-CN" sz="2400" dirty="0" smtClean="0">
+              <a:latin typeface="Hiragino Sans GB W3" charset="-122"/>
+              <a:ea typeface="Hiragino Sans GB W3" charset="-122"/>
+              <a:cs typeface="Hiragino Sans GB W3" charset="-122"/>
+            </a:rPr>
+            <a:t>5.</a:t>
+          </a:r>
+          <a:r>
+            <a:rPr lang="zh-CN" altLang="en-US" sz="2400" dirty="0" smtClean="0">
+              <a:latin typeface="Hiragino Sans GB W3" charset="-122"/>
+              <a:ea typeface="Hiragino Sans GB W3" charset="-122"/>
+              <a:cs typeface="Hiragino Sans GB W3" charset="-122"/>
+            </a:rPr>
+            <a:t> 版本发布</a:t>
+          </a:r>
+          <a:endParaRPr lang="zh-CN" altLang="en-US" sz="2400" dirty="0">
+            <a:latin typeface="Hiragino Sans GB W3" charset="-122"/>
+            <a:ea typeface="Hiragino Sans GB W3" charset="-122"/>
+            <a:cs typeface="Hiragino Sans GB W3" charset="-122"/>
+          </a:endParaRPr>
+        </a:p>
+      </dgm:t>
+    </dgm:pt>
+    <dgm:pt modelId="{F4CBCA31-9251-9543-BD42-839F19303FCF}" type="parTrans" cxnId="{BA784D94-0A20-2346-84F4-0A870035E1E3}">
+      <dgm:prSet/>
+      <dgm:spPr/>
+      <dgm:t>
+        <a:bodyPr/>
+        <a:lstStyle/>
+        <a:p>
+          <a:endParaRPr lang="zh-CN" altLang="en-US" sz="1600">
+            <a:latin typeface="Hiragino Sans GB W3" charset="-122"/>
+            <a:ea typeface="Hiragino Sans GB W3" charset="-122"/>
+            <a:cs typeface="Hiragino Sans GB W3" charset="-122"/>
+          </a:endParaRPr>
+        </a:p>
+      </dgm:t>
+    </dgm:pt>
+    <dgm:pt modelId="{DFA305B8-E969-AB45-91C8-C6D819136E0F}" type="sibTrans" cxnId="{BA784D94-0A20-2346-84F4-0A870035E1E3}">
+      <dgm:prSet/>
+      <dgm:spPr/>
+      <dgm:t>
+        <a:bodyPr/>
+        <a:lstStyle/>
+        <a:p>
+          <a:endParaRPr lang="zh-CN" altLang="en-US" sz="1600">
+            <a:latin typeface="Hiragino Sans GB W3" charset="-122"/>
+            <a:ea typeface="Hiragino Sans GB W3" charset="-122"/>
+            <a:cs typeface="Hiragino Sans GB W3" charset="-122"/>
+          </a:endParaRPr>
+        </a:p>
+      </dgm:t>
+    </dgm:pt>
+    <dgm:pt modelId="{45C91114-89E9-B24F-8F25-CB6276209F38}" type="pres">
+      <dgm:prSet presAssocID="{F8995961-47F4-1442-842D-DACC1F06779A}" presName="Name0" presStyleCnt="0">
+        <dgm:presLayoutVars>
+          <dgm:chMax val="7"/>
+          <dgm:chPref val="5"/>
+        </dgm:presLayoutVars>
+      </dgm:prSet>
+      <dgm:spPr/>
+    </dgm:pt>
+    <dgm:pt modelId="{ADD22DDE-8736-D240-B628-9CEAC466227C}" type="pres">
+      <dgm:prSet presAssocID="{F8995961-47F4-1442-842D-DACC1F06779A}" presName="arrowNode" presStyleLbl="node1" presStyleIdx="0" presStyleCnt="1"/>
+      <dgm:spPr/>
+    </dgm:pt>
+    <dgm:pt modelId="{1D119BD2-D84C-7E4F-86DF-B0180F364902}" type="pres">
+      <dgm:prSet presAssocID="{6BB69A1B-B181-174E-B18D-90904B731937}" presName="txNode1" presStyleLbl="revTx" presStyleIdx="0" presStyleCnt="5">
+        <dgm:presLayoutVars>
+          <dgm:bulletEnabled val="1"/>
+        </dgm:presLayoutVars>
+      </dgm:prSet>
+      <dgm:spPr/>
+    </dgm:pt>
+    <dgm:pt modelId="{D534A446-68B1-8043-83F7-BF29FB2D6993}" type="pres">
+      <dgm:prSet presAssocID="{C4A5DBF7-8A67-1F46-AA28-649E02D52AC9}" presName="txNode2" presStyleLbl="revTx" presStyleIdx="1" presStyleCnt="5">
+        <dgm:presLayoutVars>
+          <dgm:bulletEnabled val="1"/>
+        </dgm:presLayoutVars>
+      </dgm:prSet>
+      <dgm:spPr/>
+    </dgm:pt>
+    <dgm:pt modelId="{75F861F6-E3C8-704B-8398-AB87415DE9AC}" type="pres">
+      <dgm:prSet presAssocID="{F734E1F0-156A-4741-9B68-78D44BF5C1DB}" presName="dotNode2" presStyleCnt="0"/>
+      <dgm:spPr/>
+    </dgm:pt>
+    <dgm:pt modelId="{3CE1FE0E-59B0-F44A-A107-16A979789F75}" type="pres">
+      <dgm:prSet presAssocID="{F734E1F0-156A-4741-9B68-78D44BF5C1DB}" presName="dotRepeatNode" presStyleLbl="fgShp" presStyleIdx="0" presStyleCnt="3"/>
+      <dgm:spPr/>
+    </dgm:pt>
+    <dgm:pt modelId="{63C6554B-0F4E-174F-ACEE-4771E9630186}" type="pres">
+      <dgm:prSet presAssocID="{FC8292FA-FC32-FC46-810D-84F1519411FB}" presName="txNode3" presStyleLbl="revTx" presStyleIdx="2" presStyleCnt="5">
+        <dgm:presLayoutVars>
+          <dgm:bulletEnabled val="1"/>
+        </dgm:presLayoutVars>
+      </dgm:prSet>
+      <dgm:spPr/>
+    </dgm:pt>
+    <dgm:pt modelId="{8045DC26-0AE8-1A46-BFA3-E20BEF0D7CCA}" type="pres">
+      <dgm:prSet presAssocID="{53BDCD8D-63ED-8E46-B1EC-D7CE83C6C711}" presName="dotNode3" presStyleCnt="0"/>
+      <dgm:spPr/>
+    </dgm:pt>
+    <dgm:pt modelId="{C2E95B5A-3A55-6043-898D-23139317DA9E}" type="pres">
+      <dgm:prSet presAssocID="{53BDCD8D-63ED-8E46-B1EC-D7CE83C6C711}" presName="dotRepeatNode" presStyleLbl="fgShp" presStyleIdx="1" presStyleCnt="3"/>
+      <dgm:spPr/>
+    </dgm:pt>
+    <dgm:pt modelId="{DA7C1451-B996-4F4B-ADD6-211D93394838}" type="pres">
+      <dgm:prSet presAssocID="{4F52A9E1-BC98-E84E-9290-40658804E0F8}" presName="txNode4" presStyleLbl="revTx" presStyleIdx="3" presStyleCnt="5">
+        <dgm:presLayoutVars>
+          <dgm:bulletEnabled val="1"/>
+        </dgm:presLayoutVars>
+      </dgm:prSet>
+      <dgm:spPr/>
+    </dgm:pt>
+    <dgm:pt modelId="{A5FF8892-122A-0A4E-BAEA-3C26DEC1711D}" type="pres">
+      <dgm:prSet presAssocID="{A8EFBD83-D118-1947-94BF-37795CA2D2D4}" presName="dotNode4" presStyleCnt="0"/>
+      <dgm:spPr/>
+    </dgm:pt>
+    <dgm:pt modelId="{C126F119-46C3-404D-8684-511564F19139}" type="pres">
+      <dgm:prSet presAssocID="{A8EFBD83-D118-1947-94BF-37795CA2D2D4}" presName="dotRepeatNode" presStyleLbl="fgShp" presStyleIdx="2" presStyleCnt="3"/>
+      <dgm:spPr/>
+    </dgm:pt>
+    <dgm:pt modelId="{0EC8732D-0D2D-F049-85C7-8A01D2CCE398}" type="pres">
+      <dgm:prSet presAssocID="{196486E6-E7D1-5B44-B816-B2A2AE79392E}" presName="txNode5" presStyleLbl="revTx" presStyleIdx="4" presStyleCnt="5">
+        <dgm:presLayoutVars>
+          <dgm:bulletEnabled val="1"/>
+        </dgm:presLayoutVars>
+      </dgm:prSet>
+      <dgm:spPr/>
+    </dgm:pt>
+  </dgm:ptLst>
+  <dgm:cxnLst>
+    <dgm:cxn modelId="{7FCAEF85-ECEE-424D-AA29-F304264D50C4}" srcId="{F8995961-47F4-1442-842D-DACC1F06779A}" destId="{C4A5DBF7-8A67-1F46-AA28-649E02D52AC9}" srcOrd="1" destOrd="0" parTransId="{FA992D7A-F219-A540-B739-C6351CCAB9CD}" sibTransId="{F734E1F0-156A-4741-9B68-78D44BF5C1DB}"/>
+    <dgm:cxn modelId="{44D32101-E0A3-B749-B811-564B57E46B86}" srcId="{F8995961-47F4-1442-842D-DACC1F06779A}" destId="{6BB69A1B-B181-174E-B18D-90904B731937}" srcOrd="0" destOrd="0" parTransId="{6CC15A33-EAAF-1F42-8B4A-41D0BF035759}" sibTransId="{0EF9085E-9C65-6F4A-BF64-95FD726D832D}"/>
+    <dgm:cxn modelId="{6375877D-4832-8344-AF06-C183FD34EF09}" type="presOf" srcId="{FC8292FA-FC32-FC46-810D-84F1519411FB}" destId="{63C6554B-0F4E-174F-ACEE-4771E9630186}" srcOrd="0" destOrd="0" presId="urn:microsoft.com/office/officeart/2009/3/layout/DescendingProcess"/>
+    <dgm:cxn modelId="{BA2F821B-4A4A-504A-BE9B-7CD7E21A385E}" type="presOf" srcId="{A8EFBD83-D118-1947-94BF-37795CA2D2D4}" destId="{C126F119-46C3-404D-8684-511564F19139}" srcOrd="0" destOrd="0" presId="urn:microsoft.com/office/officeart/2009/3/layout/DescendingProcess"/>
+    <dgm:cxn modelId="{C62A37EC-7A1C-4042-B732-A1651285B524}" type="presOf" srcId="{C4A5DBF7-8A67-1F46-AA28-649E02D52AC9}" destId="{D534A446-68B1-8043-83F7-BF29FB2D6993}" srcOrd="0" destOrd="0" presId="urn:microsoft.com/office/officeart/2009/3/layout/DescendingProcess"/>
+    <dgm:cxn modelId="{B8F905A8-FB65-0A46-8CAB-FF638DAD34A3}" srcId="{F8995961-47F4-1442-842D-DACC1F06779A}" destId="{4F52A9E1-BC98-E84E-9290-40658804E0F8}" srcOrd="3" destOrd="0" parTransId="{2E4E8A14-E2C5-3E4B-A4C3-24A151DF4CD3}" sibTransId="{A8EFBD83-D118-1947-94BF-37795CA2D2D4}"/>
+    <dgm:cxn modelId="{BE7CE267-48BD-B443-A83F-9B791B536476}" type="presOf" srcId="{4F52A9E1-BC98-E84E-9290-40658804E0F8}" destId="{DA7C1451-B996-4F4B-ADD6-211D93394838}" srcOrd="0" destOrd="0" presId="urn:microsoft.com/office/officeart/2009/3/layout/DescendingProcess"/>
+    <dgm:cxn modelId="{BA784D94-0A20-2346-84F4-0A870035E1E3}" srcId="{F8995961-47F4-1442-842D-DACC1F06779A}" destId="{196486E6-E7D1-5B44-B816-B2A2AE79392E}" srcOrd="4" destOrd="0" parTransId="{F4CBCA31-9251-9543-BD42-839F19303FCF}" sibTransId="{DFA305B8-E969-AB45-91C8-C6D819136E0F}"/>
+    <dgm:cxn modelId="{BAA2E9A9-4DB5-F843-B21F-FADFAD220C1B}" srcId="{F8995961-47F4-1442-842D-DACC1F06779A}" destId="{FC8292FA-FC32-FC46-810D-84F1519411FB}" srcOrd="2" destOrd="0" parTransId="{773C0F5C-17DE-1143-8DA0-440ECE33FFFC}" sibTransId="{53BDCD8D-63ED-8E46-B1EC-D7CE83C6C711}"/>
+    <dgm:cxn modelId="{D8AC165B-03EA-2847-A681-A2FC30A96D86}" type="presOf" srcId="{F8995961-47F4-1442-842D-DACC1F06779A}" destId="{45C91114-89E9-B24F-8F25-CB6276209F38}" srcOrd="0" destOrd="0" presId="urn:microsoft.com/office/officeart/2009/3/layout/DescendingProcess"/>
+    <dgm:cxn modelId="{B7E6A3D8-86AD-AE45-8323-A3998BF16635}" type="presOf" srcId="{F734E1F0-156A-4741-9B68-78D44BF5C1DB}" destId="{3CE1FE0E-59B0-F44A-A107-16A979789F75}" srcOrd="0" destOrd="0" presId="urn:microsoft.com/office/officeart/2009/3/layout/DescendingProcess"/>
+    <dgm:cxn modelId="{93BE0D1A-8FF4-BA49-9EFE-DD14DA3B7FD7}" type="presOf" srcId="{196486E6-E7D1-5B44-B816-B2A2AE79392E}" destId="{0EC8732D-0D2D-F049-85C7-8A01D2CCE398}" srcOrd="0" destOrd="0" presId="urn:microsoft.com/office/officeart/2009/3/layout/DescendingProcess"/>
+    <dgm:cxn modelId="{C1D22128-67D8-BF4C-B879-FA04BFE9CF0B}" type="presOf" srcId="{53BDCD8D-63ED-8E46-B1EC-D7CE83C6C711}" destId="{C2E95B5A-3A55-6043-898D-23139317DA9E}" srcOrd="0" destOrd="0" presId="urn:microsoft.com/office/officeart/2009/3/layout/DescendingProcess"/>
+    <dgm:cxn modelId="{363BC58C-6D20-C04A-B585-10FF2EDF2CF2}" type="presOf" srcId="{6BB69A1B-B181-174E-B18D-90904B731937}" destId="{1D119BD2-D84C-7E4F-86DF-B0180F364902}" srcOrd="0" destOrd="0" presId="urn:microsoft.com/office/officeart/2009/3/layout/DescendingProcess"/>
+    <dgm:cxn modelId="{3780CF9B-CE2E-DA4B-AC80-F66A66718E59}" type="presParOf" srcId="{45C91114-89E9-B24F-8F25-CB6276209F38}" destId="{ADD22DDE-8736-D240-B628-9CEAC466227C}" srcOrd="0" destOrd="0" presId="urn:microsoft.com/office/officeart/2009/3/layout/DescendingProcess"/>
+    <dgm:cxn modelId="{97BCA615-BE83-6A4F-ACFB-1384A9A057DF}" type="presParOf" srcId="{45C91114-89E9-B24F-8F25-CB6276209F38}" destId="{1D119BD2-D84C-7E4F-86DF-B0180F364902}" srcOrd="1" destOrd="0" presId="urn:microsoft.com/office/officeart/2009/3/layout/DescendingProcess"/>
+    <dgm:cxn modelId="{C345AFC9-23D1-494A-B284-639648893CC4}" type="presParOf" srcId="{45C91114-89E9-B24F-8F25-CB6276209F38}" destId="{D534A446-68B1-8043-83F7-BF29FB2D6993}" srcOrd="2" destOrd="0" presId="urn:microsoft.com/office/officeart/2009/3/layout/DescendingProcess"/>
+    <dgm:cxn modelId="{1EAAEE61-D57B-C943-8B63-F9F640CA9158}" type="presParOf" srcId="{45C91114-89E9-B24F-8F25-CB6276209F38}" destId="{75F861F6-E3C8-704B-8398-AB87415DE9AC}" srcOrd="3" destOrd="0" presId="urn:microsoft.com/office/officeart/2009/3/layout/DescendingProcess"/>
+    <dgm:cxn modelId="{64FD16B6-0C68-7A42-8538-96A79D03E944}" type="presParOf" srcId="{75F861F6-E3C8-704B-8398-AB87415DE9AC}" destId="{3CE1FE0E-59B0-F44A-A107-16A979789F75}" srcOrd="0" destOrd="0" presId="urn:microsoft.com/office/officeart/2009/3/layout/DescendingProcess"/>
+    <dgm:cxn modelId="{3F17609B-F5E5-884D-940D-95DD4D695724}" type="presParOf" srcId="{45C91114-89E9-B24F-8F25-CB6276209F38}" destId="{63C6554B-0F4E-174F-ACEE-4771E9630186}" srcOrd="4" destOrd="0" presId="urn:microsoft.com/office/officeart/2009/3/layout/DescendingProcess"/>
+    <dgm:cxn modelId="{5115D1BF-26B4-634F-BB2C-08BE8DB9AD5D}" type="presParOf" srcId="{45C91114-89E9-B24F-8F25-CB6276209F38}" destId="{8045DC26-0AE8-1A46-BFA3-E20BEF0D7CCA}" srcOrd="5" destOrd="0" presId="urn:microsoft.com/office/officeart/2009/3/layout/DescendingProcess"/>
+    <dgm:cxn modelId="{D5859EB0-1FE5-FC48-B9DB-1F2CF414632E}" type="presParOf" srcId="{8045DC26-0AE8-1A46-BFA3-E20BEF0D7CCA}" destId="{C2E95B5A-3A55-6043-898D-23139317DA9E}" srcOrd="0" destOrd="0" presId="urn:microsoft.com/office/officeart/2009/3/layout/DescendingProcess"/>
+    <dgm:cxn modelId="{3399F795-E0FB-AD42-B075-A341D4A276E7}" type="presParOf" srcId="{45C91114-89E9-B24F-8F25-CB6276209F38}" destId="{DA7C1451-B996-4F4B-ADD6-211D93394838}" srcOrd="6" destOrd="0" presId="urn:microsoft.com/office/officeart/2009/3/layout/DescendingProcess"/>
+    <dgm:cxn modelId="{6B5A28EE-746C-CA47-AE03-776F291A2FE8}" type="presParOf" srcId="{45C91114-89E9-B24F-8F25-CB6276209F38}" destId="{A5FF8892-122A-0A4E-BAEA-3C26DEC1711D}" srcOrd="7" destOrd="0" presId="urn:microsoft.com/office/officeart/2009/3/layout/DescendingProcess"/>
+    <dgm:cxn modelId="{61670CFA-E124-6D42-86FC-1CA41F794EDF}" type="presParOf" srcId="{A5FF8892-122A-0A4E-BAEA-3C26DEC1711D}" destId="{C126F119-46C3-404D-8684-511564F19139}" srcOrd="0" destOrd="0" presId="urn:microsoft.com/office/officeart/2009/3/layout/DescendingProcess"/>
+    <dgm:cxn modelId="{23B02950-A443-4F49-8266-BBFBD6FDFE0D}" type="presParOf" srcId="{45C91114-89E9-B24F-8F25-CB6276209F38}" destId="{0EC8732D-0D2D-F049-85C7-8A01D2CCE398}" srcOrd="8" destOrd="0" presId="urn:microsoft.com/office/officeart/2009/3/layout/DescendingProcess"/>
+  </dgm:cxnLst>
+  <dgm:bg/>
+  <dgm:whole/>
+  <dgm:extLst>
+    <a:ext uri="http://schemas.microsoft.com/office/drawing/2008/diagram">
+      <dsp:dataModelExt xmlns:dsp="http://schemas.microsoft.com/office/drawing/2008/diagram" relId="rId6" minVer="http://schemas.openxmlformats.org/drawingml/2006/diagram"/>
+    </a:ext>
+  </dgm:extLst>
+</dgm:dataModel>
+</file>
+
 <file path=ppt/diagrams/drawing1.xml><?xml version="1.0" encoding="utf-8"?>
 <dsp:drawing xmlns:dgm="http://schemas.openxmlformats.org/drawingml/2006/diagram" xmlns:dsp="http://schemas.microsoft.com/office/drawing/2008/diagram" xmlns:a="http://schemas.openxmlformats.org/drawingml/2006/main">
   <dsp:spTree>
@@ -1312,8 +2661,8 @@
       </dsp:nvSpPr>
       <dsp:spPr>
         <a:xfrm>
-          <a:off x="0" y="1625600"/>
-          <a:ext cx="11694694" cy="2167466"/>
+          <a:off x="0" y="1141785"/>
+          <a:ext cx="9096919" cy="1522380"/>
         </a:xfrm>
         <a:prstGeom prst="notchedRightArrow">
           <a:avLst/>
@@ -1352,8 +2701,8 @@
       </dsp:nvSpPr>
       <dsp:spPr>
         <a:xfrm>
-          <a:off x="5139" y="0"/>
-          <a:ext cx="3391918" cy="2167466"/>
+          <a:off x="3997" y="0"/>
+          <a:ext cx="2638461" cy="1522380"/>
         </a:xfrm>
         <a:prstGeom prst="rect">
           <a:avLst/>
@@ -1377,12 +2726,12 @@
         <a:fontRef idx="minor"/>
       </dsp:style>
       <dsp:txBody>
-        <a:bodyPr spcFirstLastPara="0" vert="horz" wrap="square" lIns="256032" tIns="256032" rIns="256032" bIns="256032" numCol="1" spcCol="1270" anchor="b" anchorCtr="1">
+        <a:bodyPr spcFirstLastPara="0" vert="horz" wrap="square" lIns="113792" tIns="113792" rIns="113792" bIns="113792" numCol="1" spcCol="1270" anchor="b" anchorCtr="1">
           <a:noAutofit/>
         </a:bodyPr>
         <a:lstStyle/>
         <a:p>
-          <a:pPr lvl="0" algn="l" defTabSz="1600200">
+          <a:pPr lvl="0" algn="l" defTabSz="711200">
             <a:lnSpc>
               <a:spcPct val="90000"/>
             </a:lnSpc>
@@ -1394,13 +2743,21 @@
             </a:spcAft>
           </a:pPr>
           <a:r>
-            <a:rPr lang="zh-CN" altLang="en-US" sz="3600" kern="1200" dirty="0" smtClean="0"/>
+            <a:rPr lang="zh-CN" altLang="en-US" sz="1600" kern="1200" dirty="0" smtClean="0">
+              <a:latin typeface="Hiragino Sans GB W3" charset="-122"/>
+              <a:ea typeface="Hiragino Sans GB W3" charset="-122"/>
+              <a:cs typeface="Hiragino Sans GB W3" charset="-122"/>
+            </a:rPr>
             <a:t>基础内容检查</a:t>
           </a:r>
-          <a:endParaRPr lang="zh-CN" altLang="en-US" sz="3600" kern="1200" dirty="0"/>
+          <a:endParaRPr lang="zh-CN" altLang="en-US" sz="1600" kern="1200" dirty="0">
+            <a:latin typeface="Hiragino Sans GB W3" charset="-122"/>
+            <a:ea typeface="Hiragino Sans GB W3" charset="-122"/>
+            <a:cs typeface="Hiragino Sans GB W3" charset="-122"/>
+          </a:endParaRPr>
         </a:p>
         <a:p>
-          <a:pPr marL="285750" lvl="1" indent="-285750" algn="l" defTabSz="1244600">
+          <a:pPr marL="171450" lvl="1" indent="-171450" algn="l" defTabSz="711200">
             <a:lnSpc>
               <a:spcPct val="90000"/>
             </a:lnSpc>
@@ -1413,27 +2770,47 @@
             <a:buChar char="••"/>
           </a:pPr>
           <a:r>
-            <a:rPr lang="en-US" altLang="zh-CN" sz="2800" kern="1200" dirty="0" smtClean="0"/>
+            <a:rPr lang="en-US" altLang="zh-CN" sz="1600" kern="1200" dirty="0" smtClean="0">
+              <a:latin typeface="Hiragino Sans GB W3" charset="-122"/>
+              <a:ea typeface="Hiragino Sans GB W3" charset="-122"/>
+              <a:cs typeface="Hiragino Sans GB W3" charset="-122"/>
+            </a:rPr>
             <a:t>Android</a:t>
           </a:r>
           <a:r>
-            <a:rPr lang="zh-CN" altLang="en-US" sz="2800" kern="1200" dirty="0" smtClean="0"/>
+            <a:rPr lang="zh-CN" altLang="en-US" sz="1600" kern="1200" dirty="0" smtClean="0">
+              <a:latin typeface="Hiragino Sans GB W3" charset="-122"/>
+              <a:ea typeface="Hiragino Sans GB W3" charset="-122"/>
+              <a:cs typeface="Hiragino Sans GB W3" charset="-122"/>
+            </a:rPr>
             <a:t> </a:t>
           </a:r>
           <a:r>
-            <a:rPr lang="en-US" altLang="zh-CN" sz="2800" kern="1200" dirty="0" smtClean="0"/>
+            <a:rPr lang="en-US" altLang="zh-CN" sz="1600" kern="1200" dirty="0" smtClean="0">
+              <a:latin typeface="Hiragino Sans GB W3" charset="-122"/>
+              <a:ea typeface="Hiragino Sans GB W3" charset="-122"/>
+              <a:cs typeface="Hiragino Sans GB W3" charset="-122"/>
+            </a:rPr>
             <a:t>Lint</a:t>
           </a:r>
           <a:r>
-            <a:rPr lang="zh-CN" altLang="en-US" sz="2800" kern="1200" dirty="0" smtClean="0"/>
+            <a:rPr lang="zh-CN" altLang="en-US" sz="1600" kern="1200" dirty="0" smtClean="0">
+              <a:latin typeface="Hiragino Sans GB W3" charset="-122"/>
+              <a:ea typeface="Hiragino Sans GB W3" charset="-122"/>
+              <a:cs typeface="Hiragino Sans GB W3" charset="-122"/>
+            </a:rPr>
             <a:t> </a:t>
           </a:r>
-          <a:endParaRPr lang="zh-CN" altLang="en-US" sz="2800" kern="1200" dirty="0"/>
+          <a:endParaRPr lang="zh-CN" altLang="en-US" sz="1600" kern="1200" dirty="0">
+            <a:latin typeface="Hiragino Sans GB W3" charset="-122"/>
+            <a:ea typeface="Hiragino Sans GB W3" charset="-122"/>
+            <a:cs typeface="Hiragino Sans GB W3" charset="-122"/>
+          </a:endParaRPr>
         </a:p>
       </dsp:txBody>
       <dsp:txXfrm>
-        <a:off x="5139" y="0"/>
-        <a:ext cx="3391918" cy="2167466"/>
+        <a:off x="3997" y="0"/>
+        <a:ext cx="2638461" cy="1522380"/>
       </dsp:txXfrm>
     </dsp:sp>
     <dsp:sp modelId="{DE8006EB-C060-6943-AF5D-3B97AFF6F2A5}">
@@ -1443,8 +2820,8 @@
       </dsp:nvSpPr>
       <dsp:spPr>
         <a:xfrm>
-          <a:off x="1430164" y="2438400"/>
-          <a:ext cx="541866" cy="541866"/>
+          <a:off x="1132931" y="1712677"/>
+          <a:ext cx="380595" cy="380595"/>
         </a:xfrm>
         <a:prstGeom prst="ellipse">
           <a:avLst/>
@@ -1514,8 +2891,8 @@
       </dsp:nvSpPr>
       <dsp:spPr>
         <a:xfrm>
-          <a:off x="3566653" y="3251200"/>
-          <a:ext cx="3391918" cy="2167466"/>
+          <a:off x="2774382" y="2283570"/>
+          <a:ext cx="2638461" cy="1522380"/>
         </a:xfrm>
         <a:prstGeom prst="rect">
           <a:avLst/>
@@ -1539,12 +2916,12 @@
         <a:fontRef idx="minor"/>
       </dsp:style>
       <dsp:txBody>
-        <a:bodyPr spcFirstLastPara="0" vert="horz" wrap="square" lIns="256032" tIns="256032" rIns="256032" bIns="256032" numCol="1" spcCol="1270" anchor="t" anchorCtr="1">
+        <a:bodyPr spcFirstLastPara="0" vert="horz" wrap="square" lIns="113792" tIns="113792" rIns="113792" bIns="113792" numCol="1" spcCol="1270" anchor="t" anchorCtr="1">
           <a:noAutofit/>
         </a:bodyPr>
         <a:lstStyle/>
         <a:p>
-          <a:pPr lvl="0" algn="l" defTabSz="1600200">
+          <a:pPr lvl="0" algn="l" defTabSz="711200">
             <a:lnSpc>
               <a:spcPct val="90000"/>
             </a:lnSpc>
@@ -1556,17 +2933,29 @@
             </a:spcAft>
           </a:pPr>
           <a:r>
-            <a:rPr lang="en-US" altLang="zh-CN" sz="3600" kern="1200" dirty="0" smtClean="0"/>
+            <a:rPr lang="en-US" altLang="zh-CN" sz="1600" kern="1200" dirty="0" smtClean="0">
+              <a:latin typeface="Hiragino Sans GB W3" charset="-122"/>
+              <a:ea typeface="Hiragino Sans GB W3" charset="-122"/>
+              <a:cs typeface="Hiragino Sans GB W3" charset="-122"/>
+            </a:rPr>
             <a:t>Crash</a:t>
           </a:r>
           <a:r>
-            <a:rPr lang="zh-CN" altLang="en-US" sz="3600" kern="1200" dirty="0" smtClean="0"/>
+            <a:rPr lang="zh-CN" altLang="en-US" sz="1600" kern="1200" dirty="0" smtClean="0">
+              <a:latin typeface="Hiragino Sans GB W3" charset="-122"/>
+              <a:ea typeface="Hiragino Sans GB W3" charset="-122"/>
+              <a:cs typeface="Hiragino Sans GB W3" charset="-122"/>
+            </a:rPr>
             <a:t>隐患检查</a:t>
           </a:r>
-          <a:endParaRPr lang="zh-CN" altLang="en-US" sz="3600" kern="1200" dirty="0"/>
+          <a:endParaRPr lang="zh-CN" altLang="en-US" sz="1600" kern="1200" dirty="0">
+            <a:latin typeface="Hiragino Sans GB W3" charset="-122"/>
+            <a:ea typeface="Hiragino Sans GB W3" charset="-122"/>
+            <a:cs typeface="Hiragino Sans GB W3" charset="-122"/>
+          </a:endParaRPr>
         </a:p>
         <a:p>
-          <a:pPr marL="285750" lvl="1" indent="-285750" algn="l" defTabSz="1244600">
+          <a:pPr marL="171450" lvl="1" indent="-171450" algn="l" defTabSz="711200">
             <a:lnSpc>
               <a:spcPct val="90000"/>
             </a:lnSpc>
@@ -1579,21 +2968,37 @@
             <a:buChar char="••"/>
           </a:pPr>
           <a:r>
-            <a:rPr lang="en-US" altLang="zh-CN" sz="2800" kern="1200" dirty="0" smtClean="0"/>
+            <a:rPr lang="en-US" altLang="zh-CN" sz="1600" kern="1200" dirty="0" smtClean="0">
+              <a:latin typeface="Hiragino Sans GB W3" charset="-122"/>
+              <a:ea typeface="Hiragino Sans GB W3" charset="-122"/>
+              <a:cs typeface="Hiragino Sans GB W3" charset="-122"/>
+            </a:rPr>
             <a:t>360</a:t>
           </a:r>
           <a:r>
-            <a:rPr lang="zh-CN" altLang="en-US" sz="2800" kern="1200" dirty="0" smtClean="0"/>
+            <a:rPr lang="zh-CN" altLang="en-US" sz="1600" kern="1200" dirty="0" smtClean="0">
+              <a:latin typeface="Hiragino Sans GB W3" charset="-122"/>
+              <a:ea typeface="Hiragino Sans GB W3" charset="-122"/>
+              <a:cs typeface="Hiragino Sans GB W3" charset="-122"/>
+            </a:rPr>
             <a:t> </a:t>
           </a:r>
           <a:r>
-            <a:rPr lang="en-US" altLang="zh-CN" sz="2800" kern="1200" dirty="0" err="1" smtClean="0"/>
+            <a:rPr lang="en-US" altLang="zh-CN" sz="1600" kern="1200" dirty="0" err="1" smtClean="0">
+              <a:latin typeface="Hiragino Sans GB W3" charset="-122"/>
+              <a:ea typeface="Hiragino Sans GB W3" charset="-122"/>
+              <a:cs typeface="Hiragino Sans GB W3" charset="-122"/>
+            </a:rPr>
             <a:t>Fireline</a:t>
           </a:r>
-          <a:endParaRPr lang="zh-CN" altLang="en-US" sz="2800" kern="1200" dirty="0"/>
+          <a:endParaRPr lang="zh-CN" altLang="en-US" sz="1600" kern="1200" dirty="0">
+            <a:latin typeface="Hiragino Sans GB W3" charset="-122"/>
+            <a:ea typeface="Hiragino Sans GB W3" charset="-122"/>
+            <a:cs typeface="Hiragino Sans GB W3" charset="-122"/>
+          </a:endParaRPr>
         </a:p>
         <a:p>
-          <a:pPr marL="285750" lvl="1" indent="-285750" algn="l" defTabSz="1244600">
+          <a:pPr marL="171450" lvl="1" indent="-171450" algn="l" defTabSz="711200">
             <a:lnSpc>
               <a:spcPct val="90000"/>
             </a:lnSpc>
@@ -1606,15 +3011,23 @@
             <a:buChar char="••"/>
           </a:pPr>
           <a:r>
-            <a:rPr lang="en-US" altLang="zh-CN" sz="2800" kern="1200" dirty="0" err="1" smtClean="0"/>
+            <a:rPr lang="en-US" altLang="zh-CN" sz="1600" kern="1200" dirty="0" err="1" smtClean="0">
+              <a:latin typeface="Hiragino Sans GB W3" charset="-122"/>
+              <a:ea typeface="Hiragino Sans GB W3" charset="-122"/>
+              <a:cs typeface="Hiragino Sans GB W3" charset="-122"/>
+            </a:rPr>
             <a:t>Godeyes</a:t>
           </a:r>
-          <a:endParaRPr lang="zh-CN" altLang="en-US" sz="2800" kern="1200" dirty="0"/>
+          <a:endParaRPr lang="zh-CN" altLang="en-US" sz="1600" kern="1200" dirty="0">
+            <a:latin typeface="Hiragino Sans GB W3" charset="-122"/>
+            <a:ea typeface="Hiragino Sans GB W3" charset="-122"/>
+            <a:cs typeface="Hiragino Sans GB W3" charset="-122"/>
+          </a:endParaRPr>
         </a:p>
       </dsp:txBody>
       <dsp:txXfrm>
-        <a:off x="3566653" y="3251200"/>
-        <a:ext cx="3391918" cy="2167466"/>
+        <a:off x="2774382" y="2283570"/>
+        <a:ext cx="2638461" cy="1522380"/>
       </dsp:txXfrm>
     </dsp:sp>
     <dsp:sp modelId="{FD079F88-3701-964D-B5C6-AD44EF8BB1A0}">
@@ -1624,8 +3037,8 @@
       </dsp:nvSpPr>
       <dsp:spPr>
         <a:xfrm>
-          <a:off x="4991678" y="2438400"/>
-          <a:ext cx="541866" cy="541866"/>
+          <a:off x="3903316" y="1712677"/>
+          <a:ext cx="380595" cy="380595"/>
         </a:xfrm>
         <a:prstGeom prst="ellipse">
           <a:avLst/>
@@ -1695,8 +3108,8 @@
       </dsp:nvSpPr>
       <dsp:spPr>
         <a:xfrm>
-          <a:off x="7128167" y="0"/>
-          <a:ext cx="3391918" cy="2167466"/>
+          <a:off x="5544767" y="0"/>
+          <a:ext cx="2638461" cy="1522380"/>
         </a:xfrm>
         <a:prstGeom prst="rect">
           <a:avLst/>
@@ -1720,12 +3133,12 @@
         <a:fontRef idx="minor"/>
       </dsp:style>
       <dsp:txBody>
-        <a:bodyPr spcFirstLastPara="0" vert="horz" wrap="square" lIns="256032" tIns="256032" rIns="256032" bIns="256032" numCol="1" spcCol="1270" anchor="b" anchorCtr="1">
+        <a:bodyPr spcFirstLastPara="0" vert="horz" wrap="square" lIns="113792" tIns="113792" rIns="113792" bIns="113792" numCol="1" spcCol="1270" anchor="b" anchorCtr="1">
           <a:noAutofit/>
         </a:bodyPr>
         <a:lstStyle/>
         <a:p>
-          <a:pPr lvl="0" algn="l" defTabSz="1600200">
+          <a:pPr lvl="0" algn="l" defTabSz="711200">
             <a:lnSpc>
               <a:spcPct val="90000"/>
             </a:lnSpc>
@@ -1737,13 +3150,21 @@
             </a:spcAft>
           </a:pPr>
           <a:r>
-            <a:rPr lang="zh-CN" altLang="en-US" sz="3600" kern="1200" dirty="0" smtClean="0"/>
+            <a:rPr lang="zh-CN" altLang="en-US" sz="1600" kern="1200" dirty="0" smtClean="0">
+              <a:latin typeface="Hiragino Sans GB W3" charset="-122"/>
+              <a:ea typeface="Hiragino Sans GB W3" charset="-122"/>
+              <a:cs typeface="Hiragino Sans GB W3" charset="-122"/>
+            </a:rPr>
             <a:t>空指针和内存泄露检查</a:t>
           </a:r>
-          <a:endParaRPr lang="zh-CN" altLang="en-US" sz="3600" kern="1200" dirty="0"/>
+          <a:endParaRPr lang="zh-CN" altLang="en-US" sz="1600" kern="1200" dirty="0">
+            <a:latin typeface="Hiragino Sans GB W3" charset="-122"/>
+            <a:ea typeface="Hiragino Sans GB W3" charset="-122"/>
+            <a:cs typeface="Hiragino Sans GB W3" charset="-122"/>
+          </a:endParaRPr>
         </a:p>
         <a:p>
-          <a:pPr marL="285750" lvl="1" indent="-285750" algn="l" defTabSz="1244600">
+          <a:pPr marL="171450" lvl="1" indent="-171450" algn="l" defTabSz="711200">
             <a:lnSpc>
               <a:spcPct val="90000"/>
             </a:lnSpc>
@@ -1756,15 +3177,23 @@
             <a:buChar char="••"/>
           </a:pPr>
           <a:r>
-            <a:rPr lang="en-US" altLang="zh-CN" sz="2800" kern="1200" dirty="0" smtClean="0"/>
+            <a:rPr lang="en-US" altLang="zh-CN" sz="1600" kern="1200" dirty="0" smtClean="0">
+              <a:latin typeface="Hiragino Sans GB W3" charset="-122"/>
+              <a:ea typeface="Hiragino Sans GB W3" charset="-122"/>
+              <a:cs typeface="Hiragino Sans GB W3" charset="-122"/>
+            </a:rPr>
             <a:t>Infer</a:t>
           </a:r>
-          <a:endParaRPr lang="zh-CN" altLang="en-US" sz="2800" kern="1200" dirty="0"/>
+          <a:endParaRPr lang="zh-CN" altLang="en-US" sz="1600" kern="1200" dirty="0">
+            <a:latin typeface="Hiragino Sans GB W3" charset="-122"/>
+            <a:ea typeface="Hiragino Sans GB W3" charset="-122"/>
+            <a:cs typeface="Hiragino Sans GB W3" charset="-122"/>
+          </a:endParaRPr>
         </a:p>
       </dsp:txBody>
       <dsp:txXfrm>
-        <a:off x="7128167" y="0"/>
-        <a:ext cx="3391918" cy="2167466"/>
+        <a:off x="5544767" y="0"/>
+        <a:ext cx="2638461" cy="1522380"/>
       </dsp:txXfrm>
     </dsp:sp>
     <dsp:sp modelId="{30CE4B6E-3775-1740-B5DF-AEFB806BDDBB}">
@@ -1774,8 +3203,8 @@
       </dsp:nvSpPr>
       <dsp:spPr>
         <a:xfrm>
-          <a:off x="8553192" y="2438400"/>
-          <a:ext cx="541866" cy="541866"/>
+          <a:off x="6673701" y="1712677"/>
+          <a:ext cx="380595" cy="380595"/>
         </a:xfrm>
         <a:prstGeom prst="ellipse">
           <a:avLst/>
@@ -1837,6 +3266,697 @@
           <a:schemeClr val="lt1"/>
         </a:fontRef>
       </dsp:style>
+    </dsp:sp>
+  </dsp:spTree>
+</dsp:drawing>
+</file>
+
+<file path=ppt/diagrams/drawing2.xml><?xml version="1.0" encoding="utf-8"?>
+<dsp:drawing xmlns:dgm="http://schemas.openxmlformats.org/drawingml/2006/diagram" xmlns:dsp="http://schemas.microsoft.com/office/drawing/2008/diagram" xmlns:a="http://schemas.openxmlformats.org/drawingml/2006/main">
+  <dsp:spTree>
+    <dsp:nvGrpSpPr>
+      <dsp:cNvPr id="0" name=""/>
+      <dsp:cNvGrpSpPr/>
+    </dsp:nvGrpSpPr>
+    <dsp:grpSpPr/>
+    <dsp:sp modelId="{ADD22DDE-8736-D240-B628-9CEAC466227C}">
+      <dsp:nvSpPr>
+        <dsp:cNvPr id="0" name=""/>
+        <dsp:cNvSpPr/>
+      </dsp:nvSpPr>
+      <dsp:spPr>
+        <a:xfrm rot="4396374">
+          <a:off x="3382930" y="1078272"/>
+          <a:ext cx="4677714" cy="3262122"/>
+        </a:xfrm>
+        <a:prstGeom prst="swooshArrow">
+          <a:avLst>
+            <a:gd name="adj1" fmla="val 16310"/>
+            <a:gd name="adj2" fmla="val 31370"/>
+          </a:avLst>
+        </a:prstGeom>
+        <a:gradFill rotWithShape="0">
+          <a:gsLst>
+            <a:gs pos="0">
+              <a:schemeClr val="accent1">
+                <a:hueOff val="0"/>
+                <a:satOff val="0"/>
+                <a:lumOff val="0"/>
+                <a:alphaOff val="0"/>
+                <a:satMod val="103000"/>
+                <a:lumMod val="102000"/>
+                <a:tint val="94000"/>
+              </a:schemeClr>
+            </a:gs>
+            <a:gs pos="50000">
+              <a:schemeClr val="accent1">
+                <a:hueOff val="0"/>
+                <a:satOff val="0"/>
+                <a:lumOff val="0"/>
+                <a:alphaOff val="0"/>
+                <a:satMod val="110000"/>
+                <a:lumMod val="100000"/>
+                <a:shade val="100000"/>
+              </a:schemeClr>
+            </a:gs>
+            <a:gs pos="100000">
+              <a:schemeClr val="accent1">
+                <a:hueOff val="0"/>
+                <a:satOff val="0"/>
+                <a:lumOff val="0"/>
+                <a:alphaOff val="0"/>
+                <a:lumMod val="99000"/>
+                <a:satMod val="120000"/>
+                <a:shade val="78000"/>
+              </a:schemeClr>
+            </a:gs>
+          </a:gsLst>
+          <a:lin ang="5400000" scaled="0"/>
+        </a:gradFill>
+        <a:ln>
+          <a:noFill/>
+        </a:ln>
+        <a:effectLst/>
+      </dsp:spPr>
+      <dsp:style>
+        <a:lnRef idx="0">
+          <a:scrgbClr r="0" g="0" b="0"/>
+        </a:lnRef>
+        <a:fillRef idx="3">
+          <a:scrgbClr r="0" g="0" b="0"/>
+        </a:fillRef>
+        <a:effectRef idx="2">
+          <a:scrgbClr r="0" g="0" b="0"/>
+        </a:effectRef>
+        <a:fontRef idx="minor">
+          <a:schemeClr val="lt1"/>
+        </a:fontRef>
+      </dsp:style>
+    </dsp:sp>
+    <dsp:sp modelId="{3CE1FE0E-59B0-F44A-A107-16A979789F75}">
+      <dsp:nvSpPr>
+        <dsp:cNvPr id="0" name=""/>
+        <dsp:cNvSpPr/>
+      </dsp:nvSpPr>
+      <dsp:spPr>
+        <a:xfrm>
+          <a:off x="5135217" y="1504221"/>
+          <a:ext cx="118126" cy="118126"/>
+        </a:xfrm>
+        <a:prstGeom prst="ellipse">
+          <a:avLst/>
+        </a:prstGeom>
+        <a:gradFill rotWithShape="0">
+          <a:gsLst>
+            <a:gs pos="0">
+              <a:schemeClr val="accent1">
+                <a:tint val="60000"/>
+                <a:hueOff val="0"/>
+                <a:satOff val="0"/>
+                <a:lumOff val="0"/>
+                <a:alphaOff val="0"/>
+                <a:satMod val="103000"/>
+                <a:lumMod val="102000"/>
+                <a:tint val="94000"/>
+              </a:schemeClr>
+            </a:gs>
+            <a:gs pos="50000">
+              <a:schemeClr val="accent1">
+                <a:tint val="60000"/>
+                <a:hueOff val="0"/>
+                <a:satOff val="0"/>
+                <a:lumOff val="0"/>
+                <a:alphaOff val="0"/>
+                <a:satMod val="110000"/>
+                <a:lumMod val="100000"/>
+                <a:shade val="100000"/>
+              </a:schemeClr>
+            </a:gs>
+            <a:gs pos="100000">
+              <a:schemeClr val="accent1">
+                <a:tint val="60000"/>
+                <a:hueOff val="0"/>
+                <a:satOff val="0"/>
+                <a:lumOff val="0"/>
+                <a:alphaOff val="0"/>
+                <a:lumMod val="99000"/>
+                <a:satMod val="120000"/>
+                <a:shade val="78000"/>
+              </a:schemeClr>
+            </a:gs>
+          </a:gsLst>
+          <a:lin ang="5400000" scaled="0"/>
+        </a:gradFill>
+        <a:ln>
+          <a:noFill/>
+        </a:ln>
+        <a:effectLst/>
+      </dsp:spPr>
+      <dsp:style>
+        <a:lnRef idx="0">
+          <a:scrgbClr r="0" g="0" b="0"/>
+        </a:lnRef>
+        <a:fillRef idx="3">
+          <a:scrgbClr r="0" g="0" b="0"/>
+        </a:fillRef>
+        <a:effectRef idx="2">
+          <a:scrgbClr r="0" g="0" b="0"/>
+        </a:effectRef>
+        <a:fontRef idx="minor"/>
+      </dsp:style>
+    </dsp:sp>
+    <dsp:sp modelId="{C2E95B5A-3A55-6043-898D-23139317DA9E}">
+      <dsp:nvSpPr>
+        <dsp:cNvPr id="0" name=""/>
+        <dsp:cNvSpPr/>
+      </dsp:nvSpPr>
+      <dsp:spPr>
+        <a:xfrm>
+          <a:off x="5944061" y="2156629"/>
+          <a:ext cx="118126" cy="118126"/>
+        </a:xfrm>
+        <a:prstGeom prst="ellipse">
+          <a:avLst/>
+        </a:prstGeom>
+        <a:gradFill rotWithShape="0">
+          <a:gsLst>
+            <a:gs pos="0">
+              <a:schemeClr val="accent1">
+                <a:tint val="60000"/>
+                <a:hueOff val="0"/>
+                <a:satOff val="0"/>
+                <a:lumOff val="0"/>
+                <a:alphaOff val="0"/>
+                <a:satMod val="103000"/>
+                <a:lumMod val="102000"/>
+                <a:tint val="94000"/>
+              </a:schemeClr>
+            </a:gs>
+            <a:gs pos="50000">
+              <a:schemeClr val="accent1">
+                <a:tint val="60000"/>
+                <a:hueOff val="0"/>
+                <a:satOff val="0"/>
+                <a:lumOff val="0"/>
+                <a:alphaOff val="0"/>
+                <a:satMod val="110000"/>
+                <a:lumMod val="100000"/>
+                <a:shade val="100000"/>
+              </a:schemeClr>
+            </a:gs>
+            <a:gs pos="100000">
+              <a:schemeClr val="accent1">
+                <a:tint val="60000"/>
+                <a:hueOff val="0"/>
+                <a:satOff val="0"/>
+                <a:lumOff val="0"/>
+                <a:alphaOff val="0"/>
+                <a:lumMod val="99000"/>
+                <a:satMod val="120000"/>
+                <a:shade val="78000"/>
+              </a:schemeClr>
+            </a:gs>
+          </a:gsLst>
+          <a:lin ang="5400000" scaled="0"/>
+        </a:gradFill>
+        <a:ln>
+          <a:noFill/>
+        </a:ln>
+        <a:effectLst/>
+      </dsp:spPr>
+      <dsp:style>
+        <a:lnRef idx="0">
+          <a:scrgbClr r="0" g="0" b="0"/>
+        </a:lnRef>
+        <a:fillRef idx="3">
+          <a:scrgbClr r="0" g="0" b="0"/>
+        </a:fillRef>
+        <a:effectRef idx="2">
+          <a:scrgbClr r="0" g="0" b="0"/>
+        </a:effectRef>
+        <a:fontRef idx="minor"/>
+      </dsp:style>
+    </dsp:sp>
+    <dsp:sp modelId="{C126F119-46C3-404D-8684-511564F19139}">
+      <dsp:nvSpPr>
+        <dsp:cNvPr id="0" name=""/>
+        <dsp:cNvSpPr/>
+      </dsp:nvSpPr>
+      <dsp:spPr>
+        <a:xfrm>
+          <a:off x="6550248" y="2919577"/>
+          <a:ext cx="118126" cy="118126"/>
+        </a:xfrm>
+        <a:prstGeom prst="ellipse">
+          <a:avLst/>
+        </a:prstGeom>
+        <a:gradFill rotWithShape="0">
+          <a:gsLst>
+            <a:gs pos="0">
+              <a:schemeClr val="accent1">
+                <a:tint val="60000"/>
+                <a:hueOff val="0"/>
+                <a:satOff val="0"/>
+                <a:lumOff val="0"/>
+                <a:alphaOff val="0"/>
+                <a:satMod val="103000"/>
+                <a:lumMod val="102000"/>
+                <a:tint val="94000"/>
+              </a:schemeClr>
+            </a:gs>
+            <a:gs pos="50000">
+              <a:schemeClr val="accent1">
+                <a:tint val="60000"/>
+                <a:hueOff val="0"/>
+                <a:satOff val="0"/>
+                <a:lumOff val="0"/>
+                <a:alphaOff val="0"/>
+                <a:satMod val="110000"/>
+                <a:lumMod val="100000"/>
+                <a:shade val="100000"/>
+              </a:schemeClr>
+            </a:gs>
+            <a:gs pos="100000">
+              <a:schemeClr val="accent1">
+                <a:tint val="60000"/>
+                <a:hueOff val="0"/>
+                <a:satOff val="0"/>
+                <a:lumOff val="0"/>
+                <a:alphaOff val="0"/>
+                <a:lumMod val="99000"/>
+                <a:satMod val="120000"/>
+                <a:shade val="78000"/>
+              </a:schemeClr>
+            </a:gs>
+          </a:gsLst>
+          <a:lin ang="5400000" scaled="0"/>
+        </a:gradFill>
+        <a:ln>
+          <a:noFill/>
+        </a:ln>
+        <a:effectLst/>
+      </dsp:spPr>
+      <dsp:style>
+        <a:lnRef idx="0">
+          <a:scrgbClr r="0" g="0" b="0"/>
+        </a:lnRef>
+        <a:fillRef idx="3">
+          <a:scrgbClr r="0" g="0" b="0"/>
+        </a:fillRef>
+        <a:effectRef idx="2">
+          <a:scrgbClr r="0" g="0" b="0"/>
+        </a:effectRef>
+        <a:fontRef idx="minor"/>
+      </dsp:style>
+    </dsp:sp>
+    <dsp:sp modelId="{1D119BD2-D84C-7E4F-86DF-B0180F364902}">
+      <dsp:nvSpPr>
+        <dsp:cNvPr id="0" name=""/>
+        <dsp:cNvSpPr/>
+      </dsp:nvSpPr>
+      <dsp:spPr>
+        <a:xfrm>
+          <a:off x="3069350" y="0"/>
+          <a:ext cx="2205397" cy="866986"/>
+        </a:xfrm>
+        <a:prstGeom prst="rect">
+          <a:avLst/>
+        </a:prstGeom>
+        <a:noFill/>
+        <a:ln>
+          <a:noFill/>
+        </a:ln>
+        <a:effectLst/>
+      </dsp:spPr>
+      <dsp:style>
+        <a:lnRef idx="0">
+          <a:scrgbClr r="0" g="0" b="0"/>
+        </a:lnRef>
+        <a:fillRef idx="0">
+          <a:scrgbClr r="0" g="0" b="0"/>
+        </a:fillRef>
+        <a:effectRef idx="0">
+          <a:scrgbClr r="0" g="0" b="0"/>
+        </a:effectRef>
+        <a:fontRef idx="minor"/>
+      </dsp:style>
+      <dsp:txBody>
+        <a:bodyPr spcFirstLastPara="0" vert="horz" wrap="square" lIns="30480" tIns="30480" rIns="30480" bIns="30480" numCol="1" spcCol="1270" anchor="b" anchorCtr="0">
+          <a:noAutofit/>
+        </a:bodyPr>
+        <a:lstStyle/>
+        <a:p>
+          <a:pPr lvl="0" algn="ctr" defTabSz="1066800">
+            <a:lnSpc>
+              <a:spcPct val="90000"/>
+            </a:lnSpc>
+            <a:spcBef>
+              <a:spcPct val="0"/>
+            </a:spcBef>
+            <a:spcAft>
+              <a:spcPct val="35000"/>
+            </a:spcAft>
+          </a:pPr>
+          <a:r>
+            <a:rPr lang="en-US" altLang="zh-CN" sz="2400" kern="1200" dirty="0" smtClean="0">
+              <a:latin typeface="Hiragino Sans GB W3" charset="-122"/>
+              <a:ea typeface="Hiragino Sans GB W3" charset="-122"/>
+              <a:cs typeface="Hiragino Sans GB W3" charset="-122"/>
+            </a:rPr>
+            <a:t>1.</a:t>
+          </a:r>
+          <a:r>
+            <a:rPr lang="zh-CN" altLang="en-US" sz="2400" kern="1200" dirty="0" smtClean="0">
+              <a:latin typeface="Hiragino Sans GB W3" charset="-122"/>
+              <a:ea typeface="Hiragino Sans GB W3" charset="-122"/>
+              <a:cs typeface="Hiragino Sans GB W3" charset="-122"/>
+            </a:rPr>
+            <a:t> 开发</a:t>
+          </a:r>
+          <a:endParaRPr lang="zh-CN" altLang="en-US" sz="2400" kern="1200" dirty="0">
+            <a:latin typeface="Hiragino Sans GB W3" charset="-122"/>
+            <a:ea typeface="Hiragino Sans GB W3" charset="-122"/>
+            <a:cs typeface="Hiragino Sans GB W3" charset="-122"/>
+          </a:endParaRPr>
+        </a:p>
+      </dsp:txBody>
+      <dsp:txXfrm>
+        <a:off x="3069350" y="0"/>
+        <a:ext cx="2205397" cy="866986"/>
+      </dsp:txXfrm>
+    </dsp:sp>
+    <dsp:sp modelId="{D534A446-68B1-8043-83F7-BF29FB2D6993}">
+      <dsp:nvSpPr>
+        <dsp:cNvPr id="0" name=""/>
+        <dsp:cNvSpPr/>
+      </dsp:nvSpPr>
+      <dsp:spPr>
+        <a:xfrm>
+          <a:off x="5811196" y="1129792"/>
+          <a:ext cx="3218688" cy="866986"/>
+        </a:xfrm>
+        <a:prstGeom prst="rect">
+          <a:avLst/>
+        </a:prstGeom>
+        <a:noFill/>
+        <a:ln>
+          <a:noFill/>
+        </a:ln>
+        <a:effectLst/>
+      </dsp:spPr>
+      <dsp:style>
+        <a:lnRef idx="0">
+          <a:scrgbClr r="0" g="0" b="0"/>
+        </a:lnRef>
+        <a:fillRef idx="0">
+          <a:scrgbClr r="0" g="0" b="0"/>
+        </a:fillRef>
+        <a:effectRef idx="0">
+          <a:scrgbClr r="0" g="0" b="0"/>
+        </a:effectRef>
+        <a:fontRef idx="minor"/>
+      </dsp:style>
+      <dsp:txBody>
+        <a:bodyPr spcFirstLastPara="0" vert="horz" wrap="square" lIns="30480" tIns="30480" rIns="30480" bIns="30480" numCol="1" spcCol="1270" anchor="ctr" anchorCtr="0">
+          <a:noAutofit/>
+        </a:bodyPr>
+        <a:lstStyle/>
+        <a:p>
+          <a:pPr lvl="0" algn="l" defTabSz="1066800">
+            <a:lnSpc>
+              <a:spcPct val="90000"/>
+            </a:lnSpc>
+            <a:spcBef>
+              <a:spcPct val="0"/>
+            </a:spcBef>
+            <a:spcAft>
+              <a:spcPct val="35000"/>
+            </a:spcAft>
+          </a:pPr>
+          <a:r>
+            <a:rPr lang="en-US" altLang="zh-CN" sz="2400" kern="1200" dirty="0" smtClean="0">
+              <a:latin typeface="Hiragino Sans GB W3" charset="-122"/>
+              <a:ea typeface="Hiragino Sans GB W3" charset="-122"/>
+              <a:cs typeface="Hiragino Sans GB W3" charset="-122"/>
+            </a:rPr>
+            <a:t>2.</a:t>
+          </a:r>
+          <a:r>
+            <a:rPr lang="zh-CN" altLang="en-US" sz="2400" kern="1200" dirty="0" smtClean="0">
+              <a:latin typeface="Hiragino Sans GB W3" charset="-122"/>
+              <a:ea typeface="Hiragino Sans GB W3" charset="-122"/>
+              <a:cs typeface="Hiragino Sans GB W3" charset="-122"/>
+            </a:rPr>
+            <a:t> 内测</a:t>
+          </a:r>
+          <a:endParaRPr lang="zh-CN" altLang="en-US" sz="2400" kern="1200" dirty="0">
+            <a:latin typeface="Hiragino Sans GB W3" charset="-122"/>
+            <a:ea typeface="Hiragino Sans GB W3" charset="-122"/>
+            <a:cs typeface="Hiragino Sans GB W3" charset="-122"/>
+          </a:endParaRPr>
+        </a:p>
+      </dsp:txBody>
+      <dsp:txXfrm>
+        <a:off x="5811196" y="1129792"/>
+        <a:ext cx="3218688" cy="866986"/>
+      </dsp:txXfrm>
+    </dsp:sp>
+    <dsp:sp modelId="{63C6554B-0F4E-174F-ACEE-4771E9630186}">
+      <dsp:nvSpPr>
+        <dsp:cNvPr id="0" name=""/>
+        <dsp:cNvSpPr/>
+      </dsp:nvSpPr>
+      <dsp:spPr>
+        <a:xfrm>
+          <a:off x="3069350" y="1782199"/>
+          <a:ext cx="2563029" cy="866986"/>
+        </a:xfrm>
+        <a:prstGeom prst="rect">
+          <a:avLst/>
+        </a:prstGeom>
+        <a:noFill/>
+        <a:ln>
+          <a:noFill/>
+        </a:ln>
+        <a:effectLst/>
+      </dsp:spPr>
+      <dsp:style>
+        <a:lnRef idx="0">
+          <a:scrgbClr r="0" g="0" b="0"/>
+        </a:lnRef>
+        <a:fillRef idx="0">
+          <a:scrgbClr r="0" g="0" b="0"/>
+        </a:fillRef>
+        <a:effectRef idx="0">
+          <a:scrgbClr r="0" g="0" b="0"/>
+        </a:effectRef>
+        <a:fontRef idx="minor"/>
+      </dsp:style>
+      <dsp:txBody>
+        <a:bodyPr spcFirstLastPara="0" vert="horz" wrap="square" lIns="30480" tIns="30480" rIns="30480" bIns="30480" numCol="1" spcCol="1270" anchor="ctr" anchorCtr="0">
+          <a:noAutofit/>
+        </a:bodyPr>
+        <a:lstStyle/>
+        <a:p>
+          <a:pPr lvl="0" algn="r" defTabSz="1066800">
+            <a:lnSpc>
+              <a:spcPct val="90000"/>
+            </a:lnSpc>
+            <a:spcBef>
+              <a:spcPct val="0"/>
+            </a:spcBef>
+            <a:spcAft>
+              <a:spcPct val="35000"/>
+            </a:spcAft>
+          </a:pPr>
+          <a:r>
+            <a:rPr lang="en-US" altLang="zh-CN" sz="2400" kern="1200" dirty="0" smtClean="0">
+              <a:solidFill>
+                <a:srgbClr val="FF0000"/>
+              </a:solidFill>
+              <a:latin typeface="Hiragino Sans GB W3" charset="-122"/>
+              <a:ea typeface="Hiragino Sans GB W3" charset="-122"/>
+              <a:cs typeface="Hiragino Sans GB W3" charset="-122"/>
+            </a:rPr>
+            <a:t>3.</a:t>
+          </a:r>
+          <a:r>
+            <a:rPr lang="zh-CN" altLang="en-US" sz="2400" kern="1200" dirty="0" smtClean="0">
+              <a:solidFill>
+                <a:srgbClr val="FF0000"/>
+              </a:solidFill>
+              <a:latin typeface="Hiragino Sans GB W3" charset="-122"/>
+              <a:ea typeface="Hiragino Sans GB W3" charset="-122"/>
+              <a:cs typeface="Hiragino Sans GB W3" charset="-122"/>
+            </a:rPr>
+            <a:t> 扫描</a:t>
+          </a:r>
+          <a:endParaRPr lang="zh-CN" altLang="en-US" sz="2400" kern="1200" dirty="0">
+            <a:solidFill>
+              <a:srgbClr val="FF0000"/>
+            </a:solidFill>
+            <a:latin typeface="Hiragino Sans GB W3" charset="-122"/>
+            <a:ea typeface="Hiragino Sans GB W3" charset="-122"/>
+            <a:cs typeface="Hiragino Sans GB W3" charset="-122"/>
+          </a:endParaRPr>
+        </a:p>
+      </dsp:txBody>
+      <dsp:txXfrm>
+        <a:off x="3069350" y="1782199"/>
+        <a:ext cx="2563029" cy="866986"/>
+      </dsp:txXfrm>
+    </dsp:sp>
+    <dsp:sp modelId="{DA7C1451-B996-4F4B-ADD6-211D93394838}">
+      <dsp:nvSpPr>
+        <dsp:cNvPr id="0" name=""/>
+        <dsp:cNvSpPr/>
+      </dsp:nvSpPr>
+      <dsp:spPr>
+        <a:xfrm>
+          <a:off x="7062908" y="2545147"/>
+          <a:ext cx="1966976" cy="866986"/>
+        </a:xfrm>
+        <a:prstGeom prst="rect">
+          <a:avLst/>
+        </a:prstGeom>
+        <a:noFill/>
+        <a:ln>
+          <a:noFill/>
+        </a:ln>
+        <a:effectLst/>
+      </dsp:spPr>
+      <dsp:style>
+        <a:lnRef idx="0">
+          <a:scrgbClr r="0" g="0" b="0"/>
+        </a:lnRef>
+        <a:fillRef idx="0">
+          <a:scrgbClr r="0" g="0" b="0"/>
+        </a:fillRef>
+        <a:effectRef idx="0">
+          <a:scrgbClr r="0" g="0" b="0"/>
+        </a:effectRef>
+        <a:fontRef idx="minor"/>
+      </dsp:style>
+      <dsp:txBody>
+        <a:bodyPr spcFirstLastPara="0" vert="horz" wrap="square" lIns="30480" tIns="30480" rIns="30480" bIns="30480" numCol="1" spcCol="1270" anchor="ctr" anchorCtr="0">
+          <a:noAutofit/>
+        </a:bodyPr>
+        <a:lstStyle/>
+        <a:p>
+          <a:pPr lvl="0" algn="l" defTabSz="1066800">
+            <a:lnSpc>
+              <a:spcPct val="90000"/>
+            </a:lnSpc>
+            <a:spcBef>
+              <a:spcPct val="0"/>
+            </a:spcBef>
+            <a:spcAft>
+              <a:spcPct val="35000"/>
+            </a:spcAft>
+          </a:pPr>
+          <a:r>
+            <a:rPr lang="en-US" altLang="zh-CN" sz="2400" kern="1200" dirty="0" smtClean="0">
+              <a:latin typeface="Hiragino Sans GB W3" charset="-122"/>
+              <a:ea typeface="Hiragino Sans GB W3" charset="-122"/>
+              <a:cs typeface="Hiragino Sans GB W3" charset="-122"/>
+            </a:rPr>
+            <a:t>4.</a:t>
+          </a:r>
+          <a:r>
+            <a:rPr lang="zh-CN" altLang="en-US" sz="2400" kern="1200" dirty="0" smtClean="0">
+              <a:latin typeface="Hiragino Sans GB W3" charset="-122"/>
+              <a:ea typeface="Hiragino Sans GB W3" charset="-122"/>
+              <a:cs typeface="Hiragino Sans GB W3" charset="-122"/>
+            </a:rPr>
+            <a:t> 测试室测试</a:t>
+          </a:r>
+          <a:endParaRPr lang="zh-CN" altLang="en-US" sz="2400" kern="1200" dirty="0">
+            <a:latin typeface="Hiragino Sans GB W3" charset="-122"/>
+            <a:ea typeface="Hiragino Sans GB W3" charset="-122"/>
+            <a:cs typeface="Hiragino Sans GB W3" charset="-122"/>
+          </a:endParaRPr>
+        </a:p>
+      </dsp:txBody>
+      <dsp:txXfrm>
+        <a:off x="7062908" y="2545147"/>
+        <a:ext cx="1966976" cy="866986"/>
+      </dsp:txXfrm>
+    </dsp:sp>
+    <dsp:sp modelId="{0EC8732D-0D2D-F049-85C7-8A01D2CCE398}">
+      <dsp:nvSpPr>
+        <dsp:cNvPr id="0" name=""/>
+        <dsp:cNvSpPr/>
+      </dsp:nvSpPr>
+      <dsp:spPr>
+        <a:xfrm>
+          <a:off x="6049617" y="4551680"/>
+          <a:ext cx="2980266" cy="866986"/>
+        </a:xfrm>
+        <a:prstGeom prst="rect">
+          <a:avLst/>
+        </a:prstGeom>
+        <a:noFill/>
+        <a:ln>
+          <a:noFill/>
+        </a:ln>
+        <a:effectLst/>
+      </dsp:spPr>
+      <dsp:style>
+        <a:lnRef idx="0">
+          <a:scrgbClr r="0" g="0" b="0"/>
+        </a:lnRef>
+        <a:fillRef idx="0">
+          <a:scrgbClr r="0" g="0" b="0"/>
+        </a:fillRef>
+        <a:effectRef idx="0">
+          <a:scrgbClr r="0" g="0" b="0"/>
+        </a:effectRef>
+        <a:fontRef idx="minor"/>
+      </dsp:style>
+      <dsp:txBody>
+        <a:bodyPr spcFirstLastPara="0" vert="horz" wrap="square" lIns="30480" tIns="30480" rIns="30480" bIns="30480" numCol="1" spcCol="1270" anchor="t" anchorCtr="0">
+          <a:noAutofit/>
+        </a:bodyPr>
+        <a:lstStyle/>
+        <a:p>
+          <a:pPr lvl="0" algn="ctr" defTabSz="1066800">
+            <a:lnSpc>
+              <a:spcPct val="90000"/>
+            </a:lnSpc>
+            <a:spcBef>
+              <a:spcPct val="0"/>
+            </a:spcBef>
+            <a:spcAft>
+              <a:spcPct val="35000"/>
+            </a:spcAft>
+          </a:pPr>
+          <a:r>
+            <a:rPr lang="en-US" altLang="zh-CN" sz="2400" kern="1200" dirty="0" smtClean="0">
+              <a:latin typeface="Hiragino Sans GB W3" charset="-122"/>
+              <a:ea typeface="Hiragino Sans GB W3" charset="-122"/>
+              <a:cs typeface="Hiragino Sans GB W3" charset="-122"/>
+            </a:rPr>
+            <a:t>5.</a:t>
+          </a:r>
+          <a:r>
+            <a:rPr lang="zh-CN" altLang="en-US" sz="2400" kern="1200" dirty="0" smtClean="0">
+              <a:latin typeface="Hiragino Sans GB W3" charset="-122"/>
+              <a:ea typeface="Hiragino Sans GB W3" charset="-122"/>
+              <a:cs typeface="Hiragino Sans GB W3" charset="-122"/>
+            </a:rPr>
+            <a:t> 版本发布</a:t>
+          </a:r>
+          <a:endParaRPr lang="zh-CN" altLang="en-US" sz="2400" kern="1200" dirty="0">
+            <a:latin typeface="Hiragino Sans GB W3" charset="-122"/>
+            <a:ea typeface="Hiragino Sans GB W3" charset="-122"/>
+            <a:cs typeface="Hiragino Sans GB W3" charset="-122"/>
+          </a:endParaRPr>
+        </a:p>
+      </dsp:txBody>
+      <dsp:txXfrm>
+        <a:off x="6049617" y="4551680"/>
+        <a:ext cx="2980266" cy="866986"/>
+      </dsp:txXfrm>
     </dsp:sp>
   </dsp:spTree>
 </dsp:drawing>
@@ -2114,7 +4234,1721 @@
 </dgm:layoutDef>
 </file>
 
+<file path=ppt/diagrams/layout2.xml><?xml version="1.0" encoding="utf-8"?>
+<dgm:layoutDef xmlns:dgm="http://schemas.openxmlformats.org/drawingml/2006/diagram" xmlns:a="http://schemas.openxmlformats.org/drawingml/2006/main" uniqueId="urn:microsoft.com/office/officeart/2009/3/layout/DescendingProcess">
+  <dgm:title val=""/>
+  <dgm:desc val=""/>
+  <dgm:catLst>
+    <dgm:cat type="process" pri="23500"/>
+  </dgm:catLst>
+  <dgm:sampData>
+    <dgm:dataModel>
+      <dgm:ptLst>
+        <dgm:pt modelId="0" type="doc"/>
+        <dgm:pt modelId="1">
+          <dgm:prSet phldr="1"/>
+        </dgm:pt>
+        <dgm:pt modelId="2">
+          <dgm:prSet phldr="1"/>
+        </dgm:pt>
+        <dgm:pt modelId="3">
+          <dgm:prSet phldr="1"/>
+        </dgm:pt>
+        <dgm:pt modelId="4">
+          <dgm:prSet phldr="1"/>
+        </dgm:pt>
+        <dgm:pt modelId="5">
+          <dgm:prSet phldr="1"/>
+        </dgm:pt>
+      </dgm:ptLst>
+      <dgm:cxnLst>
+        <dgm:cxn modelId="6" srcId="0" destId="1" srcOrd="0" destOrd="0"/>
+        <dgm:cxn modelId="7" srcId="0" destId="2" srcOrd="1" destOrd="0"/>
+        <dgm:cxn modelId="8" srcId="0" destId="3" srcOrd="2" destOrd="0"/>
+        <dgm:cxn modelId="9" srcId="0" destId="4" srcOrd="3" destOrd="0"/>
+        <dgm:cxn modelId="10" srcId="0" destId="5" srcOrd="4" destOrd="0"/>
+      </dgm:cxnLst>
+      <dgm:bg/>
+      <dgm:whole/>
+    </dgm:dataModel>
+  </dgm:sampData>
+  <dgm:styleData>
+    <dgm:dataModel>
+      <dgm:ptLst>
+        <dgm:pt modelId="0" type="doc"/>
+        <dgm:pt modelId="1">
+          <dgm:prSet phldr="1"/>
+        </dgm:pt>
+        <dgm:pt modelId="2">
+          <dgm:prSet phldr="1"/>
+        </dgm:pt>
+        <dgm:pt modelId="3">
+          <dgm:prSet phldr="1"/>
+        </dgm:pt>
+      </dgm:ptLst>
+      <dgm:cxnLst>
+        <dgm:cxn modelId="4" srcId="0" destId="1" srcOrd="0" destOrd="0"/>
+        <dgm:cxn modelId="5" srcId="0" destId="2" srcOrd="1" destOrd="0"/>
+        <dgm:cxn modelId="6" srcId="0" destId="3" srcOrd="2" destOrd="0"/>
+      </dgm:cxnLst>
+      <dgm:bg/>
+      <dgm:whole/>
+    </dgm:dataModel>
+  </dgm:styleData>
+  <dgm:clrData>
+    <dgm:dataModel>
+      <dgm:ptLst>
+        <dgm:pt modelId="0" type="doc"/>
+        <dgm:pt modelId="1">
+          <dgm:prSet phldr="1"/>
+        </dgm:pt>
+        <dgm:pt modelId="2">
+          <dgm:prSet phldr="1"/>
+        </dgm:pt>
+        <dgm:pt modelId="3">
+          <dgm:prSet phldr="1"/>
+        </dgm:pt>
+      </dgm:ptLst>
+      <dgm:cxnLst>
+        <dgm:cxn modelId="4" srcId="0" destId="1" srcOrd="0" destOrd="0"/>
+        <dgm:cxn modelId="5" srcId="0" destId="2" srcOrd="1" destOrd="0"/>
+        <dgm:cxn modelId="6" srcId="0" destId="3" srcOrd="2" destOrd="0"/>
+      </dgm:cxnLst>
+      <dgm:bg/>
+      <dgm:whole/>
+    </dgm:dataModel>
+  </dgm:clrData>
+  <dgm:layoutNode name="Name0">
+    <dgm:varLst>
+      <dgm:chMax val="7"/>
+      <dgm:chPref val="5"/>
+    </dgm:varLst>
+    <dgm:alg type="composite">
+      <dgm:param type="ar" val="1.1"/>
+    </dgm:alg>
+    <dgm:shape xmlns:r="http://schemas.openxmlformats.org/officeDocument/2006/relationships" r:blip="">
+      <dgm:adjLst/>
+    </dgm:shape>
+    <dgm:choose name="Name1">
+      <dgm:if name="Name2" axis="ch" ptType="node" func="cnt" op="equ" val="1">
+        <dgm:constrLst>
+          <dgm:constr type="primFontSz" for="ch" ptType="node" op="equ" val="65"/>
+          <dgm:constr type="w" for="ch" forName="arrowNode" refType="w" fact="0.75"/>
+          <dgm:constr type="h" for="ch" forName="arrowNode" refType="h"/>
+          <dgm:constr type="l" for="ch" forName="arrowNode" refType="w" fact="0.07"/>
+          <dgm:constr type="t" for="ch" forName="arrowNode"/>
+          <dgm:constr type="l" for="ch" forName="txNode1" refType="w" fact="0"/>
+          <dgm:constr type="t" for="ch" forName="txNode1" refType="h" fact="0"/>
+          <dgm:constr type="r" for="ch" forName="txNode1" refType="w" fact="0.37"/>
+          <dgm:constr type="h" for="ch" forName="txNode1" refType="h" fact="0.16"/>
+        </dgm:constrLst>
+      </dgm:if>
+      <dgm:if name="Name3" axis="ch" ptType="node" func="cnt" op="equ" val="2">
+        <dgm:constrLst>
+          <dgm:constr type="primFontSz" for="ch" ptType="node" op="equ" val="65"/>
+          <dgm:constr type="w" for="ch" forName="arrowNode" refType="w" fact="0.75"/>
+          <dgm:constr type="h" for="ch" forName="arrowNode" refType="h"/>
+          <dgm:constr type="l" for="ch" forName="arrowNode" refType="w" fact="0.07"/>
+          <dgm:constr type="t" for="ch" forName="arrowNode"/>
+          <dgm:constr type="l" for="ch" forName="txNode1" refType="w" fact="0"/>
+          <dgm:constr type="t" for="ch" forName="txNode1" refType="h" fact="0"/>
+          <dgm:constr type="r" for="ch" forName="txNode1" refType="w" fact="0.37"/>
+          <dgm:constr type="h" for="ch" forName="txNode1" refType="h" fact="0.16"/>
+          <dgm:constr type="l" for="ch" forName="txNode2" refType="w" fact="0.5"/>
+          <dgm:constr type="b" for="ch" forName="txNode2" refType="h"/>
+          <dgm:constr type="r" for="ch" forName="txNode2" refType="w"/>
+          <dgm:constr type="h" for="ch" forName="txNode2" refType="h" fact="0.16"/>
+        </dgm:constrLst>
+      </dgm:if>
+      <dgm:if name="Name4" axis="ch" ptType="node" func="cnt" op="equ" val="3">
+        <dgm:constrLst>
+          <dgm:constr type="primFontSz" for="ch" ptType="node" op="equ" val="65"/>
+          <dgm:constr type="w" for="ch" forName="arrowNode" refType="w" fact="0.75"/>
+          <dgm:constr type="h" for="ch" forName="arrowNode" refType="h"/>
+          <dgm:constr type="l" for="ch" forName="arrowNode" refType="w" fact="0.07"/>
+          <dgm:constr type="t" for="ch" forName="arrowNode"/>
+          <dgm:constr type="l" for="ch" forName="txNode1" refType="w" fact="0"/>
+          <dgm:constr type="t" for="ch" forName="txNode1" refType="h" fact="0"/>
+          <dgm:constr type="r" for="ch" forName="txNode1" refType="w" fact="0.37"/>
+          <dgm:constr type="h" for="ch" forName="txNode1" refType="h" fact="0.16"/>
+          <dgm:constr type="l" for="ch" forName="txNode2" refType="w" fact="0.56"/>
+          <dgm:constr type="ctrY" for="ch" forName="txNode2" refType="h" fact="0.3992"/>
+          <dgm:constr type="r" for="ch" forName="txNode2" refType="w"/>
+          <dgm:constr type="h" for="ch" forName="txNode2" refType="h" fact="0.16"/>
+          <dgm:constr type="l" for="ch" forName="txNode3" refType="w" fact="0.5"/>
+          <dgm:constr type="b" for="ch" forName="txNode3" refType="h"/>
+          <dgm:constr type="r" for="ch" forName="txNode3" refType="w"/>
+          <dgm:constr type="h" for="ch" forName="txNode3" refType="h" fact="0.16"/>
+          <dgm:constr type="ctrX" for="ch" forName="dotNode2" refType="w" fact="0.4782"/>
+          <dgm:constr type="ctrY" for="ch" forName="dotNode2" refType="h" fact="0.3992"/>
+          <dgm:constr type="h" for="ch" forName="dotNode2" refType="h" fact="0.0218"/>
+          <dgm:constr type="w" for="ch" forName="dotNode2" refType="h" refFor="ch" refForName="dotNode2"/>
+        </dgm:constrLst>
+      </dgm:if>
+      <dgm:if name="Name5" axis="ch" ptType="node" func="cnt" op="equ" val="4">
+        <dgm:constrLst>
+          <dgm:constr type="primFontSz" for="ch" ptType="node" op="equ" val="65"/>
+          <dgm:constr type="w" for="ch" forName="arrowNode" refType="w" fact="0.75"/>
+          <dgm:constr type="h" for="ch" forName="arrowNode" refType="h"/>
+          <dgm:constr type="l" for="ch" forName="arrowNode" refType="w" fact="0.07"/>
+          <dgm:constr type="t" for="ch" forName="arrowNode"/>
+          <dgm:constr type="l" for="ch" forName="txNode1" refType="w" fact="0"/>
+          <dgm:constr type="t" for="ch" forName="txNode1" refType="h" fact="0"/>
+          <dgm:constr type="r" for="ch" forName="txNode1" refType="w" fact="0.37"/>
+          <dgm:constr type="h" for="ch" forName="txNode1" refType="h" fact="0.16"/>
+          <dgm:constr type="l" for="ch" forName="txNode2" refType="w" fact="0.49"/>
+          <dgm:constr type="ctrY" for="ch" forName="txNode2" refType="h" fact="0.3153"/>
+          <dgm:constr type="r" for="ch" forName="txNode2" refType="w"/>
+          <dgm:constr type="h" for="ch" forName="txNode2" refType="h" fact="0.16"/>
+          <dgm:constr type="l" for="ch" forName="txNode3" refType="w" fact="0"/>
+          <dgm:constr type="ctrY" for="ch" forName="txNode3" refType="h" fact="0.5004"/>
+          <dgm:constr type="r" for="ch" forName="txNode3" refType="w" fact="0.5"/>
+          <dgm:constr type="h" for="ch" forName="txNode3" refType="h" fact="0.16"/>
+          <dgm:constr type="l" for="ch" forName="txNode4" refType="w" fact="0.5"/>
+          <dgm:constr type="b" for="ch" forName="txNode4" refType="h"/>
+          <dgm:constr type="r" for="ch" forName="txNode4" refType="w"/>
+          <dgm:constr type="h" for="ch" forName="txNode4" refType="h" fact="0.16"/>
+          <dgm:constr type="ctrX" for="ch" forName="dotNode2" refType="w" fact="0.39"/>
+          <dgm:constr type="ctrY" for="ch" forName="dotNode2" refType="h" fact="0.3153"/>
+          <dgm:constr type="h" for="ch" forName="dotNode2" refType="h" fact="0.0218"/>
+          <dgm:constr type="w" for="ch" forName="dotNode2" refType="h" refFor="ch" refForName="dotNode2"/>
+          <dgm:constr type="ctrX" for="ch" forName="dotNode3" refType="w" fact="0.5626"/>
+          <dgm:constr type="ctrY" for="ch" forName="dotNode3" refType="h" fact="0.5004"/>
+          <dgm:constr type="h" for="ch" forName="dotNode3" refType="h" fact="0.0218"/>
+          <dgm:constr type="w" for="ch" forName="dotNode3" refType="h" refFor="ch" refForName="dotNode3"/>
+        </dgm:constrLst>
+      </dgm:if>
+      <dgm:if name="Name6" axis="ch" ptType="node" func="cnt" op="equ" val="5">
+        <dgm:constrLst>
+          <dgm:constr type="primFontSz" for="ch" ptType="node" op="equ" val="65"/>
+          <dgm:constr type="w" for="ch" forName="arrowNode" refType="w" fact="0.75"/>
+          <dgm:constr type="h" for="ch" forName="arrowNode" refType="h"/>
+          <dgm:constr type="l" for="ch" forName="arrowNode" refType="w" fact="0.07"/>
+          <dgm:constr type="t" for="ch" forName="arrowNode"/>
+          <dgm:constr type="l" for="ch" forName="txNode1" refType="w" fact="0"/>
+          <dgm:constr type="t" for="ch" forName="txNode1" refType="h" fact="0"/>
+          <dgm:constr type="r" for="ch" forName="txNode1" refType="w" fact="0.37"/>
+          <dgm:constr type="h" for="ch" forName="txNode1" refType="h" fact="0.16"/>
+          <dgm:constr type="l" for="ch" forName="txNode2" refType="w" fact="0.46"/>
+          <dgm:constr type="ctrY" for="ch" forName="txNode2" refType="h" fact="0.2885"/>
+          <dgm:constr type="r" for="ch" forName="txNode2" refType="w"/>
+          <dgm:constr type="h" for="ch" forName="txNode2" refType="h" fact="0.16"/>
+          <dgm:constr type="l" for="ch" forName="txNode3" refType="w" fact="0"/>
+          <dgm:constr type="ctrY" for="ch" forName="txNode3" refType="h" fact="0.4089"/>
+          <dgm:constr type="r" for="ch" forName="txNode3" refType="w" fact="0.43"/>
+          <dgm:constr type="h" for="ch" forName="txNode3" refType="h" fact="0.16"/>
+          <dgm:constr type="l" for="ch" forName="txNode4" refType="w" fact="0.67"/>
+          <dgm:constr type="ctrY" for="ch" forName="txNode4" refType="h" fact="0.5497"/>
+          <dgm:constr type="r" for="ch" forName="txNode4" refType="w"/>
+          <dgm:constr type="h" for="ch" forName="txNode4" refType="h" fact="0.16"/>
+          <dgm:constr type="l" for="ch" forName="txNode5" refType="w" fact="0.5"/>
+          <dgm:constr type="b" for="ch" forName="txNode5" refType="h"/>
+          <dgm:constr type="r" for="ch" forName="txNode5" refType="w"/>
+          <dgm:constr type="h" for="ch" forName="txNode5" refType="h" fact="0.16"/>
+          <dgm:constr type="ctrX" for="ch" forName="dotNode2" refType="w" fact="0.3565"/>
+          <dgm:constr type="ctrY" for="ch" forName="dotNode2" refType="h" fact="0.2885"/>
+          <dgm:constr type="h" for="ch" forName="dotNode2" refType="h" fact="0.0218"/>
+          <dgm:constr type="w" for="ch" forName="dotNode2" refType="h" refFor="ch" refForName="dotNode2"/>
+          <dgm:constr type="ctrX" for="ch" forName="dotNode3" refType="w" fact="0.4922"/>
+          <dgm:constr type="ctrY" for="ch" forName="dotNode3" refType="h" fact="0.4089"/>
+          <dgm:constr type="h" for="ch" forName="dotNode3" refType="h" fact="0.0218"/>
+          <dgm:constr type="w" for="ch" forName="dotNode3" refType="h" refFor="ch" refForName="dotNode3"/>
+          <dgm:constr type="ctrX" for="ch" forName="dotNode4" refType="w" fact="0.5939"/>
+          <dgm:constr type="ctrY" for="ch" forName="dotNode4" refType="h" fact="0.5497"/>
+          <dgm:constr type="h" for="ch" forName="dotNode4" refType="h" fact="0.0218"/>
+          <dgm:constr type="w" for="ch" forName="dotNode4" refType="h" refFor="ch" refForName="dotNode4"/>
+        </dgm:constrLst>
+      </dgm:if>
+      <dgm:if name="Name7" axis="ch" ptType="node" func="cnt" op="equ" val="6">
+        <dgm:constrLst>
+          <dgm:constr type="primFontSz" for="ch" ptType="node" op="equ" val="65"/>
+          <dgm:constr type="w" for="ch" forName="arrowNode" refType="w" fact="0.75"/>
+          <dgm:constr type="h" for="ch" forName="arrowNode" refType="h"/>
+          <dgm:constr type="l" for="ch" forName="arrowNode" refType="w" fact="0.07"/>
+          <dgm:constr type="t" for="ch" forName="arrowNode"/>
+          <dgm:constr type="l" for="ch" forName="txNode1" refType="w" fact="0"/>
+          <dgm:constr type="t" for="ch" forName="txNode1" refType="h" fact="0"/>
+          <dgm:constr type="r" for="ch" forName="txNode1" refType="w" fact="0.37"/>
+          <dgm:constr type="h" for="ch" forName="txNode1" refType="h" fact="0.16"/>
+          <dgm:constr type="l" for="ch" forName="txNode2" refType="w" fact="0.45"/>
+          <dgm:constr type="ctrY" for="ch" forName="txNode2" refType="h" fact="0.2693"/>
+          <dgm:constr type="r" for="ch" forName="txNode2" refType="w"/>
+          <dgm:constr type="h" for="ch" forName="txNode2" refType="h" fact="0.16"/>
+          <dgm:constr type="l" for="ch" forName="txNode3" refType="w" fact="0"/>
+          <dgm:constr type="ctrY" for="ch" forName="txNode3" refType="h" fact="0.3638"/>
+          <dgm:constr type="r" for="ch" forName="txNode3" refType="w" fact="0.37"/>
+          <dgm:constr type="h" for="ch" forName="txNode3" refType="h" fact="0.16"/>
+          <dgm:constr type="l" for="ch" forName="txNode4" refType="w" fact="0.63"/>
+          <dgm:constr type="ctrY" for="ch" forName="txNode4" refType="h" fact="0.4744"/>
+          <dgm:constr type="r" for="ch" forName="txNode4" refType="w"/>
+          <dgm:constr type="h" for="ch" forName="txNode4" refType="h" fact="0.16"/>
+          <dgm:constr type="l" for="ch" forName="txNode5" refType="w" fact="0"/>
+          <dgm:constr type="ctrY" for="ch" forName="txNode5" refType="h" fact="0.5961"/>
+          <dgm:constr type="r" for="ch" forName="txNode5" refType="w" fact="0.55"/>
+          <dgm:constr type="h" for="ch" forName="txNode5" refType="h" fact="0.16"/>
+          <dgm:constr type="l" for="ch" forName="txNode6" refType="w" fact="0.5"/>
+          <dgm:constr type="b" for="ch" forName="txNode6" refType="h"/>
+          <dgm:constr type="r" for="ch" forName="txNode6" refType="w"/>
+          <dgm:constr type="h" for="ch" forName="txNode6" refType="h" fact="0.16"/>
+          <dgm:constr type="ctrX" for="ch" forName="dotNode2" refType="w" fact="0.33"/>
+          <dgm:constr type="ctrY" for="ch" forName="dotNode2" refType="h" fact="0.2693"/>
+          <dgm:constr type="h" for="ch" forName="dotNode2" refType="h" fact="0.0218"/>
+          <dgm:constr type="w" for="ch" forName="dotNode2" refType="h" refFor="ch" refForName="dotNode2"/>
+          <dgm:constr type="ctrX" for="ch" forName="dotNode3" refType="w" fact="0.4419"/>
+          <dgm:constr type="ctrY" for="ch" forName="dotNode3" refType="h" fact="0.3638"/>
+          <dgm:constr type="h" for="ch" forName="dotNode3" refType="h" fact="0.0218"/>
+          <dgm:constr type="w" for="ch" forName="dotNode3" refType="h" refFor="ch" refForName="dotNode3"/>
+          <dgm:constr type="ctrX" for="ch" forName="dotNode4" refType="w" fact="0.5425"/>
+          <dgm:constr type="ctrY" for="ch" forName="dotNode4" refType="h" fact="0.4744"/>
+          <dgm:constr type="h" for="ch" forName="dotNode4" refType="h" fact="0.0218"/>
+          <dgm:constr type="w" for="ch" forName="dotNode4" refType="h" refFor="ch" refForName="dotNode4"/>
+          <dgm:constr type="ctrX" for="ch" forName="dotNode5" refType="w" fact="0.6153"/>
+          <dgm:constr type="ctrY" for="ch" forName="dotNode5" refType="h" fact="0.5961"/>
+          <dgm:constr type="h" for="ch" forName="dotNode5" refType="h" fact="0.0218"/>
+          <dgm:constr type="w" for="ch" forName="dotNode5" refType="h" refFor="ch" refForName="dotNode5"/>
+        </dgm:constrLst>
+      </dgm:if>
+      <dgm:else name="Name8">
+        <dgm:constrLst>
+          <dgm:constr type="primFontSz" for="ch" ptType="node" op="equ" val="65"/>
+          <dgm:constr type="w" for="ch" forName="arrowNode" refType="w" fact="0.75"/>
+          <dgm:constr type="h" for="ch" forName="arrowNode" refType="h"/>
+          <dgm:constr type="l" for="ch" forName="arrowNode" refType="w" fact="0.07"/>
+          <dgm:constr type="t" for="ch" forName="arrowNode"/>
+          <dgm:constr type="l" for="ch" forName="txNode1" refType="w" fact="0"/>
+          <dgm:constr type="t" for="ch" forName="txNode1" refType="h" fact="0"/>
+          <dgm:constr type="r" for="ch" forName="txNode1" refType="w" fact="0.37"/>
+          <dgm:constr type="h" for="ch" forName="txNode1" refType="h" fact="0.16"/>
+          <dgm:constr type="l" for="ch" forName="txNode2" refType="w" fact="0.44"/>
+          <dgm:constr type="ctrY" for="ch" forName="txNode2" refType="h" fact="0.2693"/>
+          <dgm:constr type="r" for="ch" forName="txNode2" refType="w"/>
+          <dgm:constr type="h" for="ch" forName="txNode2" refType="h" fact="0.16"/>
+          <dgm:constr type="l" for="ch" forName="txNode3" refType="w" fact="0"/>
+          <dgm:constr type="ctrY" for="ch" forName="txNode3" refType="h" fact="0.3424"/>
+          <dgm:constr type="r" for="ch" forName="txNode3" refType="w" fact="0.33"/>
+          <dgm:constr type="h" for="ch" forName="txNode3" refType="h" fact="0.16"/>
+          <dgm:constr type="l" for="ch" forName="txNode4" refType="w" fact="0.61"/>
+          <dgm:constr type="ctrY" for="ch" forName="txNode4" refType="h" fact="0.4276"/>
+          <dgm:constr type="r" for="ch" forName="txNode4" refType="w"/>
+          <dgm:constr type="h" for="ch" forName="txNode4" refType="h" fact="0.16"/>
+          <dgm:constr type="l" for="ch" forName="txNode5" refType="w" fact="0"/>
+          <dgm:constr type="ctrY" for="ch" forName="txNode5" refType="h" fact="0.5218"/>
+          <dgm:constr type="r" for="ch" forName="txNode5" refType="w" fact="0.5"/>
+          <dgm:constr type="h" for="ch" forName="txNode5" refType="h" fact="0.16"/>
+          <dgm:constr type="l" for="ch" forName="txNode6" refType="w" fact="0.71"/>
+          <dgm:constr type="ctrY" for="ch" forName="txNode6" refType="h" fact="0.6179"/>
+          <dgm:constr type="r" for="ch" forName="txNode6" refType="w"/>
+          <dgm:constr type="h" for="ch" forName="txNode6" refType="h" fact="0.16"/>
+          <dgm:constr type="l" for="ch" forName="txNode7" refType="w" fact="0.5"/>
+          <dgm:constr type="b" for="ch" forName="txNode7" refType="h"/>
+          <dgm:constr type="r" for="ch" forName="txNode7" refType="w"/>
+          <dgm:constr type="h" for="ch" forName="txNode7" refType="h" fact="0.16"/>
+          <dgm:constr type="ctrX" for="ch" forName="dotNode2" refType="w" fact="0.33"/>
+          <dgm:constr type="ctrY" for="ch" forName="dotNode2" refType="h" fact="0.2693"/>
+          <dgm:constr type="h" for="ch" forName="dotNode2" refType="h" fact="0.0218"/>
+          <dgm:constr type="w" for="ch" forName="dotNode2" refType="h" refFor="ch" refForName="dotNode2"/>
+          <dgm:constr type="ctrX" for="ch" forName="dotNode3" refType="w" fact="0.425"/>
+          <dgm:constr type="ctrY" for="ch" forName="dotNode3" refType="h" fact="0.3424"/>
+          <dgm:constr type="h" for="ch" forName="dotNode3" refType="h" fact="0.0218"/>
+          <dgm:constr type="w" for="ch" forName="dotNode3" refType="h" refFor="ch" refForName="dotNode3"/>
+          <dgm:constr type="ctrX" for="ch" forName="dotNode4" refType="w" fact="0.505"/>
+          <dgm:constr type="ctrY" for="ch" forName="dotNode4" refType="h" fact="0.4276"/>
+          <dgm:constr type="h" for="ch" forName="dotNode4" refType="h" fact="0.0218"/>
+          <dgm:constr type="w" for="ch" forName="dotNode4" refType="h" refFor="ch" refForName="dotNode4"/>
+          <dgm:constr type="ctrX" for="ch" forName="dotNode5" refType="w" fact="0.5742"/>
+          <dgm:constr type="ctrY" for="ch" forName="dotNode5" refType="h" fact="0.5218"/>
+          <dgm:constr type="h" for="ch" forName="dotNode5" refType="h" fact="0.0218"/>
+          <dgm:constr type="w" for="ch" forName="dotNode5" refType="h" refFor="ch" refForName="dotNode5"/>
+          <dgm:constr type="ctrX" for="ch" forName="dotNode6" refType="w" fact="0.63"/>
+          <dgm:constr type="ctrY" for="ch" forName="dotNode6" refType="h" fact="0.6179"/>
+          <dgm:constr type="h" for="ch" forName="dotNode6" refType="h" fact="0.0218"/>
+          <dgm:constr type="w" for="ch" forName="dotNode6" refType="h" refFor="ch" refForName="dotNode6"/>
+        </dgm:constrLst>
+      </dgm:else>
+    </dgm:choose>
+    <dgm:forEach name="Name9" axis="self" ptType="parTrans">
+      <dgm:forEach name="Name10" axis="self" ptType="sibTrans" st="2">
+        <dgm:forEach name="dotRepeat" axis="self">
+          <dgm:layoutNode name="dotRepeatNode" styleLbl="fgShp">
+            <dgm:alg type="sp"/>
+            <dgm:shape xmlns:r="http://schemas.openxmlformats.org/officeDocument/2006/relationships" type="ellipse" r:blip="">
+              <dgm:adjLst/>
+            </dgm:shape>
+            <dgm:presOf axis="self"/>
+          </dgm:layoutNode>
+        </dgm:forEach>
+      </dgm:forEach>
+    </dgm:forEach>
+    <dgm:choose name="Name11">
+      <dgm:if name="Name12" axis="ch" ptType="node" func="cnt" op="gte" val="1">
+        <dgm:layoutNode name="arrowNode" styleLbl="node1">
+          <dgm:alg type="sp"/>
+          <dgm:shape xmlns:r="http://schemas.openxmlformats.org/officeDocument/2006/relationships" rot="73.2729" type="swooshArrow" r:blip="">
+            <dgm:adjLst>
+              <dgm:adj idx="1" val="0.1631"/>
+              <dgm:adj idx="2" val="0.3137"/>
+            </dgm:adjLst>
+          </dgm:shape>
+          <dgm:presOf/>
+        </dgm:layoutNode>
+      </dgm:if>
+      <dgm:else name="Name13"/>
+    </dgm:choose>
+    <dgm:forEach name="Name14" axis="ch" ptType="node" cnt="1">
+      <dgm:layoutNode name="txNode1" styleLbl="revTx">
+        <dgm:varLst>
+          <dgm:bulletEnabled val="1"/>
+        </dgm:varLst>
+        <dgm:alg type="tx">
+          <dgm:param type="txAnchorVert" val="b"/>
+        </dgm:alg>
+        <dgm:shape xmlns:r="http://schemas.openxmlformats.org/officeDocument/2006/relationships" type="rect" r:blip="" zOrderOff="10">
+          <dgm:adjLst/>
+        </dgm:shape>
+        <dgm:presOf axis="desOrSelf" ptType="node"/>
+        <dgm:constrLst>
+          <dgm:constr type="lMarg" refType="primFontSz" fact="0.1"/>
+          <dgm:constr type="rMarg" refType="primFontSz" fact="0.1"/>
+          <dgm:constr type="tMarg" refType="primFontSz" fact="0.1"/>
+          <dgm:constr type="bMarg" refType="primFontSz" fact="0.1"/>
+        </dgm:constrLst>
+        <dgm:ruleLst>
+          <dgm:rule type="primFontSz" val="5" fact="NaN" max="NaN"/>
+        </dgm:ruleLst>
+      </dgm:layoutNode>
+    </dgm:forEach>
+    <dgm:forEach name="Name15" axis="ch" ptType="node" st="2" cnt="1">
+      <dgm:layoutNode name="txNode2" styleLbl="revTx">
+        <dgm:varLst>
+          <dgm:bulletEnabled val="1"/>
+        </dgm:varLst>
+        <dgm:choose name="Name16">
+          <dgm:if name="Name17" axis="self" ptType="node" func="revPos" op="equ" val="1">
+            <dgm:alg type="tx">
+              <dgm:param type="txAnchorVert" val="t"/>
+            </dgm:alg>
+          </dgm:if>
+          <dgm:if name="Name18" axis="self" ptType="node" func="posOdd" op="equ" val="1">
+            <dgm:alg type="tx">
+              <dgm:param type="parTxLTRAlign" val="r"/>
+              <dgm:param type="parTxRTLAlign" val="r"/>
+            </dgm:alg>
+          </dgm:if>
+          <dgm:else name="Name19">
+            <dgm:alg type="tx">
+              <dgm:param type="parTxLTRAlign" val="l"/>
+              <dgm:param type="parTxRTLAlign" val="l"/>
+            </dgm:alg>
+          </dgm:else>
+        </dgm:choose>
+        <dgm:shape xmlns:r="http://schemas.openxmlformats.org/officeDocument/2006/relationships" type="rect" r:blip="" zOrderOff="10">
+          <dgm:adjLst/>
+        </dgm:shape>
+        <dgm:presOf axis="desOrSelf" ptType="node"/>
+        <dgm:constrLst>
+          <dgm:constr type="lMarg" refType="primFontSz" fact="0.1"/>
+          <dgm:constr type="rMarg" refType="primFontSz" fact="0.1"/>
+          <dgm:constr type="tMarg" refType="primFontSz" fact="0.1"/>
+          <dgm:constr type="bMarg" refType="primFontSz" fact="0.1"/>
+        </dgm:constrLst>
+        <dgm:ruleLst>
+          <dgm:rule type="primFontSz" val="5" fact="NaN" max="NaN"/>
+        </dgm:ruleLst>
+      </dgm:layoutNode>
+      <dgm:choose name="Name20">
+        <dgm:if name="Name21" axis="par ch" ptType="all node" func="cnt" op="neq" val="2">
+          <dgm:forEach name="Name22" axis="follow" ptType="sibTrans" cnt="1">
+            <dgm:layoutNode name="dotNode2">
+              <dgm:alg type="sp"/>
+              <dgm:shape xmlns:r="http://schemas.openxmlformats.org/officeDocument/2006/relationships" r:blip="">
+                <dgm:adjLst/>
+              </dgm:shape>
+              <dgm:presOf/>
+              <dgm:forEach name="Name23" ref="dotRepeat"/>
+            </dgm:layoutNode>
+          </dgm:forEach>
+        </dgm:if>
+        <dgm:else name="Name24"/>
+      </dgm:choose>
+    </dgm:forEach>
+    <dgm:forEach name="Name25" axis="ch" ptType="node" st="3" cnt="1">
+      <dgm:layoutNode name="txNode3" styleLbl="revTx">
+        <dgm:varLst>
+          <dgm:bulletEnabled val="1"/>
+        </dgm:varLst>
+        <dgm:choose name="Name26">
+          <dgm:if name="Name27" axis="self" ptType="node" func="revPos" op="equ" val="1">
+            <dgm:alg type="tx">
+              <dgm:param type="txAnchorVert" val="t"/>
+            </dgm:alg>
+          </dgm:if>
+          <dgm:if name="Name28" axis="self" ptType="node" func="posOdd" op="equ" val="1">
+            <dgm:alg type="tx">
+              <dgm:param type="parTxLTRAlign" val="r"/>
+              <dgm:param type="parTxRTLAlign" val="r"/>
+            </dgm:alg>
+          </dgm:if>
+          <dgm:else name="Name29">
+            <dgm:alg type="tx">
+              <dgm:param type="parTxLTRAlign" val="l"/>
+              <dgm:param type="parTxRTLAlign" val="l"/>
+            </dgm:alg>
+          </dgm:else>
+        </dgm:choose>
+        <dgm:shape xmlns:r="http://schemas.openxmlformats.org/officeDocument/2006/relationships" type="rect" r:blip="" zOrderOff="10">
+          <dgm:adjLst/>
+        </dgm:shape>
+        <dgm:presOf axis="desOrSelf" ptType="node"/>
+        <dgm:constrLst>
+          <dgm:constr type="lMarg" refType="primFontSz" fact="0.1"/>
+          <dgm:constr type="rMarg" refType="primFontSz" fact="0.1"/>
+          <dgm:constr type="tMarg" refType="primFontSz" fact="0.1"/>
+          <dgm:constr type="bMarg" refType="primFontSz" fact="0.1"/>
+        </dgm:constrLst>
+        <dgm:ruleLst>
+          <dgm:rule type="primFontSz" val="5" fact="NaN" max="NaN"/>
+        </dgm:ruleLst>
+      </dgm:layoutNode>
+      <dgm:choose name="Name30">
+        <dgm:if name="Name31" axis="par ch" ptType="all node" func="cnt" op="neq" val="3">
+          <dgm:forEach name="Name32" axis="follow" ptType="sibTrans" cnt="1">
+            <dgm:layoutNode name="dotNode3">
+              <dgm:alg type="sp"/>
+              <dgm:shape xmlns:r="http://schemas.openxmlformats.org/officeDocument/2006/relationships" r:blip="">
+                <dgm:adjLst/>
+              </dgm:shape>
+              <dgm:presOf/>
+              <dgm:forEach name="Name33" ref="dotRepeat"/>
+            </dgm:layoutNode>
+          </dgm:forEach>
+        </dgm:if>
+        <dgm:else name="Name34"/>
+      </dgm:choose>
+    </dgm:forEach>
+    <dgm:forEach name="Name35" axis="ch" ptType="node" st="4" cnt="1">
+      <dgm:layoutNode name="txNode4" styleLbl="revTx">
+        <dgm:varLst>
+          <dgm:bulletEnabled val="1"/>
+        </dgm:varLst>
+        <dgm:choose name="Name36">
+          <dgm:if name="Name37" axis="self" ptType="node" func="revPos" op="equ" val="1">
+            <dgm:alg type="tx">
+              <dgm:param type="txAnchorVert" val="t"/>
+            </dgm:alg>
+          </dgm:if>
+          <dgm:if name="Name38" axis="self" ptType="node" func="posOdd" op="equ" val="1">
+            <dgm:alg type="tx">
+              <dgm:param type="parTxLTRAlign" val="r"/>
+              <dgm:param type="parTxRTLAlign" val="r"/>
+            </dgm:alg>
+          </dgm:if>
+          <dgm:else name="Name39">
+            <dgm:alg type="tx">
+              <dgm:param type="parTxLTRAlign" val="l"/>
+              <dgm:param type="parTxRTLAlign" val="l"/>
+            </dgm:alg>
+          </dgm:else>
+        </dgm:choose>
+        <dgm:shape xmlns:r="http://schemas.openxmlformats.org/officeDocument/2006/relationships" type="rect" r:blip="" zOrderOff="10">
+          <dgm:adjLst/>
+        </dgm:shape>
+        <dgm:presOf axis="desOrSelf" ptType="node"/>
+        <dgm:constrLst>
+          <dgm:constr type="lMarg" refType="primFontSz" fact="0.1"/>
+          <dgm:constr type="rMarg" refType="primFontSz" fact="0.1"/>
+          <dgm:constr type="tMarg" refType="primFontSz" fact="0.1"/>
+          <dgm:constr type="bMarg" refType="primFontSz" fact="0.1"/>
+        </dgm:constrLst>
+        <dgm:ruleLst>
+          <dgm:rule type="primFontSz" val="5" fact="NaN" max="NaN"/>
+        </dgm:ruleLst>
+      </dgm:layoutNode>
+      <dgm:choose name="Name40">
+        <dgm:if name="Name41" axis="par ch" ptType="all node" func="cnt" op="neq" val="4">
+          <dgm:forEach name="Name42" axis="follow" ptType="sibTrans" cnt="1">
+            <dgm:layoutNode name="dotNode4">
+              <dgm:alg type="sp"/>
+              <dgm:shape xmlns:r="http://schemas.openxmlformats.org/officeDocument/2006/relationships" r:blip="">
+                <dgm:adjLst/>
+              </dgm:shape>
+              <dgm:presOf/>
+              <dgm:forEach name="Name43" ref="dotRepeat"/>
+            </dgm:layoutNode>
+          </dgm:forEach>
+        </dgm:if>
+        <dgm:else name="Name44"/>
+      </dgm:choose>
+    </dgm:forEach>
+    <dgm:forEach name="Name45" axis="ch" ptType="node" st="5" cnt="1">
+      <dgm:layoutNode name="txNode5" styleLbl="revTx">
+        <dgm:varLst>
+          <dgm:bulletEnabled val="1"/>
+        </dgm:varLst>
+        <dgm:choose name="Name46">
+          <dgm:if name="Name47" axis="self" ptType="node" func="revPos" op="equ" val="1">
+            <dgm:alg type="tx">
+              <dgm:param type="txAnchorVert" val="t"/>
+            </dgm:alg>
+          </dgm:if>
+          <dgm:if name="Name48" axis="self" ptType="node" func="posOdd" op="equ" val="1">
+            <dgm:alg type="tx">
+              <dgm:param type="parTxLTRAlign" val="r"/>
+              <dgm:param type="parTxRTLAlign" val="r"/>
+            </dgm:alg>
+          </dgm:if>
+          <dgm:else name="Name49">
+            <dgm:alg type="tx">
+              <dgm:param type="parTxLTRAlign" val="l"/>
+              <dgm:param type="parTxRTLAlign" val="l"/>
+            </dgm:alg>
+          </dgm:else>
+        </dgm:choose>
+        <dgm:shape xmlns:r="http://schemas.openxmlformats.org/officeDocument/2006/relationships" type="rect" r:blip="" zOrderOff="10">
+          <dgm:adjLst/>
+        </dgm:shape>
+        <dgm:presOf axis="desOrSelf" ptType="node"/>
+        <dgm:constrLst>
+          <dgm:constr type="lMarg" refType="primFontSz" fact="0.1"/>
+          <dgm:constr type="rMarg" refType="primFontSz" fact="0.1"/>
+          <dgm:constr type="tMarg" refType="primFontSz" fact="0.1"/>
+          <dgm:constr type="bMarg" refType="primFontSz" fact="0.1"/>
+        </dgm:constrLst>
+        <dgm:ruleLst>
+          <dgm:rule type="primFontSz" val="5" fact="NaN" max="NaN"/>
+        </dgm:ruleLst>
+      </dgm:layoutNode>
+      <dgm:choose name="Name50">
+        <dgm:if name="Name51" axis="par ch" ptType="all node" func="cnt" op="neq" val="5">
+          <dgm:forEach name="Name52" axis="follow" ptType="sibTrans" cnt="1">
+            <dgm:layoutNode name="dotNode5">
+              <dgm:alg type="sp"/>
+              <dgm:shape xmlns:r="http://schemas.openxmlformats.org/officeDocument/2006/relationships" r:blip="">
+                <dgm:adjLst/>
+              </dgm:shape>
+              <dgm:presOf/>
+              <dgm:forEach name="Name53" ref="dotRepeat"/>
+            </dgm:layoutNode>
+          </dgm:forEach>
+        </dgm:if>
+        <dgm:else name="Name54"/>
+      </dgm:choose>
+    </dgm:forEach>
+    <dgm:forEach name="Name55" axis="ch" ptType="node" st="6" cnt="1">
+      <dgm:layoutNode name="txNode6" styleLbl="revTx">
+        <dgm:varLst>
+          <dgm:bulletEnabled val="1"/>
+        </dgm:varLst>
+        <dgm:choose name="Name56">
+          <dgm:if name="Name57" axis="self" ptType="node" func="revPos" op="equ" val="1">
+            <dgm:alg type="tx">
+              <dgm:param type="txAnchorVert" val="t"/>
+            </dgm:alg>
+          </dgm:if>
+          <dgm:if name="Name58" axis="self" ptType="node" func="posOdd" op="equ" val="1">
+            <dgm:alg type="tx">
+              <dgm:param type="parTxLTRAlign" val="r"/>
+              <dgm:param type="parTxRTLAlign" val="r"/>
+            </dgm:alg>
+          </dgm:if>
+          <dgm:else name="Name59">
+            <dgm:alg type="tx">
+              <dgm:param type="parTxLTRAlign" val="l"/>
+              <dgm:param type="parTxRTLAlign" val="l"/>
+            </dgm:alg>
+          </dgm:else>
+        </dgm:choose>
+        <dgm:shape xmlns:r="http://schemas.openxmlformats.org/officeDocument/2006/relationships" type="rect" r:blip="" zOrderOff="10">
+          <dgm:adjLst/>
+        </dgm:shape>
+        <dgm:presOf axis="desOrSelf" ptType="node"/>
+        <dgm:constrLst>
+          <dgm:constr type="lMarg" refType="primFontSz" fact="0.1"/>
+          <dgm:constr type="rMarg" refType="primFontSz" fact="0.1"/>
+          <dgm:constr type="tMarg" refType="primFontSz" fact="0.1"/>
+          <dgm:constr type="bMarg" refType="primFontSz" fact="0.1"/>
+        </dgm:constrLst>
+        <dgm:ruleLst>
+          <dgm:rule type="primFontSz" val="5" fact="NaN" max="NaN"/>
+        </dgm:ruleLst>
+      </dgm:layoutNode>
+      <dgm:choose name="Name60">
+        <dgm:if name="Name61" axis="par ch" ptType="all node" func="cnt" op="neq" val="6">
+          <dgm:forEach name="Name62" axis="follow" ptType="sibTrans" cnt="1">
+            <dgm:layoutNode name="dotNode6">
+              <dgm:alg type="sp"/>
+              <dgm:shape xmlns:r="http://schemas.openxmlformats.org/officeDocument/2006/relationships" r:blip="">
+                <dgm:adjLst/>
+              </dgm:shape>
+              <dgm:presOf/>
+              <dgm:forEach name="Name63" ref="dotRepeat"/>
+            </dgm:layoutNode>
+          </dgm:forEach>
+        </dgm:if>
+        <dgm:else name="Name64"/>
+      </dgm:choose>
+    </dgm:forEach>
+    <dgm:forEach name="Name65" axis="ch" ptType="node" st="7" cnt="1">
+      <dgm:layoutNode name="txNode7" styleLbl="revTx">
+        <dgm:varLst>
+          <dgm:bulletEnabled val="1"/>
+        </dgm:varLst>
+        <dgm:alg type="tx">
+          <dgm:param type="txAnchorVert" val="t"/>
+        </dgm:alg>
+        <dgm:shape xmlns:r="http://schemas.openxmlformats.org/officeDocument/2006/relationships" type="rect" r:blip="" zOrderOff="10">
+          <dgm:adjLst/>
+        </dgm:shape>
+        <dgm:presOf axis="desOrSelf" ptType="node"/>
+        <dgm:constrLst>
+          <dgm:constr type="lMarg" refType="primFontSz" fact="0.1"/>
+          <dgm:constr type="rMarg" refType="primFontSz" fact="0.1"/>
+          <dgm:constr type="tMarg" refType="primFontSz" fact="0.1"/>
+          <dgm:constr type="bMarg" refType="primFontSz" fact="0.1"/>
+        </dgm:constrLst>
+        <dgm:ruleLst>
+          <dgm:rule type="primFontSz" val="5" fact="NaN" max="NaN"/>
+        </dgm:ruleLst>
+      </dgm:layoutNode>
+    </dgm:forEach>
+  </dgm:layoutNode>
+</dgm:layoutDef>
+</file>
+
 <file path=ppt/diagrams/quickStyle1.xml><?xml version="1.0" encoding="utf-8"?>
+<dgm:styleDef xmlns:dgm="http://schemas.openxmlformats.org/drawingml/2006/diagram" xmlns:a="http://schemas.openxmlformats.org/drawingml/2006/main" uniqueId="urn:microsoft.com/office/officeart/2005/8/quickstyle/simple4">
+  <dgm:title val=""/>
+  <dgm:desc val=""/>
+  <dgm:catLst>
+    <dgm:cat type="simple" pri="10400"/>
+  </dgm:catLst>
+  <dgm:scene3d>
+    <a:camera prst="orthographicFront"/>
+    <a:lightRig rig="threePt" dir="t"/>
+  </dgm:scene3d>
+  <dgm:styleLbl name="node0">
+    <dgm:scene3d>
+      <a:camera prst="orthographicFront"/>
+      <a:lightRig rig="threePt" dir="t"/>
+    </dgm:scene3d>
+    <dgm:sp3d/>
+    <dgm:txPr/>
+    <dgm:style>
+      <a:lnRef idx="0">
+        <a:scrgbClr r="0" g="0" b="0"/>
+      </a:lnRef>
+      <a:fillRef idx="3">
+        <a:scrgbClr r="0" g="0" b="0"/>
+      </a:fillRef>
+      <a:effectRef idx="2">
+        <a:scrgbClr r="0" g="0" b="0"/>
+      </a:effectRef>
+      <a:fontRef idx="minor">
+        <a:schemeClr val="lt1"/>
+      </a:fontRef>
+    </dgm:style>
+  </dgm:styleLbl>
+  <dgm:styleLbl name="lnNode1">
+    <dgm:scene3d>
+      <a:camera prst="orthographicFront"/>
+      <a:lightRig rig="threePt" dir="t"/>
+    </dgm:scene3d>
+    <dgm:sp3d/>
+    <dgm:txPr/>
+    <dgm:style>
+      <a:lnRef idx="1">
+        <a:scrgbClr r="0" g="0" b="0"/>
+      </a:lnRef>
+      <a:fillRef idx="3">
+        <a:scrgbClr r="0" g="0" b="0"/>
+      </a:fillRef>
+      <a:effectRef idx="2">
+        <a:scrgbClr r="0" g="0" b="0"/>
+      </a:effectRef>
+      <a:fontRef idx="minor">
+        <a:schemeClr val="lt1"/>
+      </a:fontRef>
+    </dgm:style>
+  </dgm:styleLbl>
+  <dgm:styleLbl name="vennNode1">
+    <dgm:scene3d>
+      <a:camera prst="orthographicFront"/>
+      <a:lightRig rig="threePt" dir="t"/>
+    </dgm:scene3d>
+    <dgm:sp3d/>
+    <dgm:txPr/>
+    <dgm:style>
+      <a:lnRef idx="0">
+        <a:scrgbClr r="0" g="0" b="0"/>
+      </a:lnRef>
+      <a:fillRef idx="3">
+        <a:scrgbClr r="0" g="0" b="0"/>
+      </a:fillRef>
+      <a:effectRef idx="0">
+        <a:scrgbClr r="0" g="0" b="0"/>
+      </a:effectRef>
+      <a:fontRef idx="minor">
+        <a:schemeClr val="tx1"/>
+      </a:fontRef>
+    </dgm:style>
+  </dgm:styleLbl>
+  <dgm:styleLbl name="alignNode1">
+    <dgm:scene3d>
+      <a:camera prst="orthographicFront"/>
+      <a:lightRig rig="threePt" dir="t"/>
+    </dgm:scene3d>
+    <dgm:sp3d/>
+    <dgm:txPr/>
+    <dgm:style>
+      <a:lnRef idx="1">
+        <a:scrgbClr r="0" g="0" b="0"/>
+      </a:lnRef>
+      <a:fillRef idx="3">
+        <a:scrgbClr r="0" g="0" b="0"/>
+      </a:fillRef>
+      <a:effectRef idx="2">
+        <a:scrgbClr r="0" g="0" b="0"/>
+      </a:effectRef>
+      <a:fontRef idx="minor">
+        <a:schemeClr val="lt1"/>
+      </a:fontRef>
+    </dgm:style>
+  </dgm:styleLbl>
+  <dgm:styleLbl name="node1">
+    <dgm:scene3d>
+      <a:camera prst="orthographicFront"/>
+      <a:lightRig rig="threePt" dir="t"/>
+    </dgm:scene3d>
+    <dgm:sp3d/>
+    <dgm:txPr/>
+    <dgm:style>
+      <a:lnRef idx="0">
+        <a:scrgbClr r="0" g="0" b="0"/>
+      </a:lnRef>
+      <a:fillRef idx="3">
+        <a:scrgbClr r="0" g="0" b="0"/>
+      </a:fillRef>
+      <a:effectRef idx="2">
+        <a:scrgbClr r="0" g="0" b="0"/>
+      </a:effectRef>
+      <a:fontRef idx="minor">
+        <a:schemeClr val="lt1"/>
+      </a:fontRef>
+    </dgm:style>
+  </dgm:styleLbl>
+  <dgm:styleLbl name="node2">
+    <dgm:scene3d>
+      <a:camera prst="orthographicFront"/>
+      <a:lightRig rig="threePt" dir="t"/>
+    </dgm:scene3d>
+    <dgm:sp3d/>
+    <dgm:txPr/>
+    <dgm:style>
+      <a:lnRef idx="0">
+        <a:scrgbClr r="0" g="0" b="0"/>
+      </a:lnRef>
+      <a:fillRef idx="3">
+        <a:scrgbClr r="0" g="0" b="0"/>
+      </a:fillRef>
+      <a:effectRef idx="2">
+        <a:scrgbClr r="0" g="0" b="0"/>
+      </a:effectRef>
+      <a:fontRef idx="minor">
+        <a:schemeClr val="lt1"/>
+      </a:fontRef>
+    </dgm:style>
+  </dgm:styleLbl>
+  <dgm:styleLbl name="node3">
+    <dgm:scene3d>
+      <a:camera prst="orthographicFront"/>
+      <a:lightRig rig="threePt" dir="t"/>
+    </dgm:scene3d>
+    <dgm:sp3d/>
+    <dgm:txPr/>
+    <dgm:style>
+      <a:lnRef idx="0">
+        <a:scrgbClr r="0" g="0" b="0"/>
+      </a:lnRef>
+      <a:fillRef idx="3">
+        <a:scrgbClr r="0" g="0" b="0"/>
+      </a:fillRef>
+      <a:effectRef idx="2">
+        <a:scrgbClr r="0" g="0" b="0"/>
+      </a:effectRef>
+      <a:fontRef idx="minor">
+        <a:schemeClr val="lt1"/>
+      </a:fontRef>
+    </dgm:style>
+  </dgm:styleLbl>
+  <dgm:styleLbl name="node4">
+    <dgm:scene3d>
+      <a:camera prst="orthographicFront"/>
+      <a:lightRig rig="threePt" dir="t"/>
+    </dgm:scene3d>
+    <dgm:sp3d/>
+    <dgm:txPr/>
+    <dgm:style>
+      <a:lnRef idx="0">
+        <a:scrgbClr r="0" g="0" b="0"/>
+      </a:lnRef>
+      <a:fillRef idx="3">
+        <a:scrgbClr r="0" g="0" b="0"/>
+      </a:fillRef>
+      <a:effectRef idx="2">
+        <a:scrgbClr r="0" g="0" b="0"/>
+      </a:effectRef>
+      <a:fontRef idx="minor">
+        <a:schemeClr val="lt1"/>
+      </a:fontRef>
+    </dgm:style>
+  </dgm:styleLbl>
+  <dgm:styleLbl name="fgImgPlace1">
+    <dgm:scene3d>
+      <a:camera prst="orthographicFront"/>
+      <a:lightRig rig="threePt" dir="t"/>
+    </dgm:scene3d>
+    <dgm:sp3d/>
+    <dgm:txPr/>
+    <dgm:style>
+      <a:lnRef idx="0">
+        <a:scrgbClr r="0" g="0" b="0"/>
+      </a:lnRef>
+      <a:fillRef idx="1">
+        <a:scrgbClr r="0" g="0" b="0"/>
+      </a:fillRef>
+      <a:effectRef idx="2">
+        <a:scrgbClr r="0" g="0" b="0"/>
+      </a:effectRef>
+      <a:fontRef idx="minor"/>
+    </dgm:style>
+  </dgm:styleLbl>
+  <dgm:styleLbl name="alignImgPlace1">
+    <dgm:scene3d>
+      <a:camera prst="orthographicFront"/>
+      <a:lightRig rig="threePt" dir="t"/>
+    </dgm:scene3d>
+    <dgm:sp3d/>
+    <dgm:txPr/>
+    <dgm:style>
+      <a:lnRef idx="0">
+        <a:scrgbClr r="0" g="0" b="0"/>
+      </a:lnRef>
+      <a:fillRef idx="1">
+        <a:scrgbClr r="0" g="0" b="0"/>
+      </a:fillRef>
+      <a:effectRef idx="2">
+        <a:scrgbClr r="0" g="0" b="0"/>
+      </a:effectRef>
+      <a:fontRef idx="minor"/>
+    </dgm:style>
+  </dgm:styleLbl>
+  <dgm:styleLbl name="bgImgPlace1">
+    <dgm:scene3d>
+      <a:camera prst="orthographicFront"/>
+      <a:lightRig rig="threePt" dir="t"/>
+    </dgm:scene3d>
+    <dgm:sp3d/>
+    <dgm:txPr/>
+    <dgm:style>
+      <a:lnRef idx="0">
+        <a:scrgbClr r="0" g="0" b="0"/>
+      </a:lnRef>
+      <a:fillRef idx="1">
+        <a:scrgbClr r="0" g="0" b="0"/>
+      </a:fillRef>
+      <a:effectRef idx="2">
+        <a:scrgbClr r="0" g="0" b="0"/>
+      </a:effectRef>
+      <a:fontRef idx="minor"/>
+    </dgm:style>
+  </dgm:styleLbl>
+  <dgm:styleLbl name="sibTrans2D1">
+    <dgm:scene3d>
+      <a:camera prst="orthographicFront"/>
+      <a:lightRig rig="threePt" dir="t"/>
+    </dgm:scene3d>
+    <dgm:sp3d/>
+    <dgm:txPr/>
+    <dgm:style>
+      <a:lnRef idx="0">
+        <a:scrgbClr r="0" g="0" b="0"/>
+      </a:lnRef>
+      <a:fillRef idx="3">
+        <a:scrgbClr r="0" g="0" b="0"/>
+      </a:fillRef>
+      <a:effectRef idx="2">
+        <a:scrgbClr r="0" g="0" b="0"/>
+      </a:effectRef>
+      <a:fontRef idx="minor">
+        <a:schemeClr val="lt1"/>
+      </a:fontRef>
+    </dgm:style>
+  </dgm:styleLbl>
+  <dgm:styleLbl name="fgSibTrans2D1">
+    <dgm:scene3d>
+      <a:camera prst="orthographicFront"/>
+      <a:lightRig rig="threePt" dir="t"/>
+    </dgm:scene3d>
+    <dgm:sp3d/>
+    <dgm:txPr/>
+    <dgm:style>
+      <a:lnRef idx="0">
+        <a:scrgbClr r="0" g="0" b="0"/>
+      </a:lnRef>
+      <a:fillRef idx="3">
+        <a:scrgbClr r="0" g="0" b="0"/>
+      </a:fillRef>
+      <a:effectRef idx="2">
+        <a:scrgbClr r="0" g="0" b="0"/>
+      </a:effectRef>
+      <a:fontRef idx="minor">
+        <a:schemeClr val="lt1"/>
+      </a:fontRef>
+    </dgm:style>
+  </dgm:styleLbl>
+  <dgm:styleLbl name="bgSibTrans2D1">
+    <dgm:scene3d>
+      <a:camera prst="orthographicFront"/>
+      <a:lightRig rig="threePt" dir="t"/>
+    </dgm:scene3d>
+    <dgm:sp3d/>
+    <dgm:txPr/>
+    <dgm:style>
+      <a:lnRef idx="0">
+        <a:scrgbClr r="0" g="0" b="0"/>
+      </a:lnRef>
+      <a:fillRef idx="3">
+        <a:scrgbClr r="0" g="0" b="0"/>
+      </a:fillRef>
+      <a:effectRef idx="2">
+        <a:scrgbClr r="0" g="0" b="0"/>
+      </a:effectRef>
+      <a:fontRef idx="minor">
+        <a:schemeClr val="lt1"/>
+      </a:fontRef>
+    </dgm:style>
+  </dgm:styleLbl>
+  <dgm:styleLbl name="sibTrans1D1">
+    <dgm:scene3d>
+      <a:camera prst="orthographicFront"/>
+      <a:lightRig rig="threePt" dir="t"/>
+    </dgm:scene3d>
+    <dgm:sp3d/>
+    <dgm:txPr/>
+    <dgm:style>
+      <a:lnRef idx="1">
+        <a:scrgbClr r="0" g="0" b="0"/>
+      </a:lnRef>
+      <a:fillRef idx="0">
+        <a:scrgbClr r="0" g="0" b="0"/>
+      </a:fillRef>
+      <a:effectRef idx="0">
+        <a:scrgbClr r="0" g="0" b="0"/>
+      </a:effectRef>
+      <a:fontRef idx="minor"/>
+    </dgm:style>
+  </dgm:styleLbl>
+  <dgm:styleLbl name="callout">
+    <dgm:scene3d>
+      <a:camera prst="orthographicFront"/>
+      <a:lightRig rig="threePt" dir="t"/>
+    </dgm:scene3d>
+    <dgm:sp3d/>
+    <dgm:txPr/>
+    <dgm:style>
+      <a:lnRef idx="2">
+        <a:scrgbClr r="0" g="0" b="0"/>
+      </a:lnRef>
+      <a:fillRef idx="1">
+        <a:scrgbClr r="0" g="0" b="0"/>
+      </a:fillRef>
+      <a:effectRef idx="1">
+        <a:scrgbClr r="0" g="0" b="0"/>
+      </a:effectRef>
+      <a:fontRef idx="minor"/>
+    </dgm:style>
+  </dgm:styleLbl>
+  <dgm:styleLbl name="asst0">
+    <dgm:scene3d>
+      <a:camera prst="orthographicFront"/>
+      <a:lightRig rig="threePt" dir="t"/>
+    </dgm:scene3d>
+    <dgm:sp3d/>
+    <dgm:txPr/>
+    <dgm:style>
+      <a:lnRef idx="0">
+        <a:scrgbClr r="0" g="0" b="0"/>
+      </a:lnRef>
+      <a:fillRef idx="3">
+        <a:scrgbClr r="0" g="0" b="0"/>
+      </a:fillRef>
+      <a:effectRef idx="2">
+        <a:scrgbClr r="0" g="0" b="0"/>
+      </a:effectRef>
+      <a:fontRef idx="minor">
+        <a:schemeClr val="lt1"/>
+      </a:fontRef>
+    </dgm:style>
+  </dgm:styleLbl>
+  <dgm:styleLbl name="asst1">
+    <dgm:scene3d>
+      <a:camera prst="orthographicFront"/>
+      <a:lightRig rig="threePt" dir="t"/>
+    </dgm:scene3d>
+    <dgm:sp3d/>
+    <dgm:txPr/>
+    <dgm:style>
+      <a:lnRef idx="0">
+        <a:scrgbClr r="0" g="0" b="0"/>
+      </a:lnRef>
+      <a:fillRef idx="3">
+        <a:scrgbClr r="0" g="0" b="0"/>
+      </a:fillRef>
+      <a:effectRef idx="2">
+        <a:scrgbClr r="0" g="0" b="0"/>
+      </a:effectRef>
+      <a:fontRef idx="minor">
+        <a:schemeClr val="lt1"/>
+      </a:fontRef>
+    </dgm:style>
+  </dgm:styleLbl>
+  <dgm:styleLbl name="asst2">
+    <dgm:scene3d>
+      <a:camera prst="orthographicFront"/>
+      <a:lightRig rig="threePt" dir="t"/>
+    </dgm:scene3d>
+    <dgm:sp3d/>
+    <dgm:txPr/>
+    <dgm:style>
+      <a:lnRef idx="0">
+        <a:scrgbClr r="0" g="0" b="0"/>
+      </a:lnRef>
+      <a:fillRef idx="3">
+        <a:scrgbClr r="0" g="0" b="0"/>
+      </a:fillRef>
+      <a:effectRef idx="2">
+        <a:scrgbClr r="0" g="0" b="0"/>
+      </a:effectRef>
+      <a:fontRef idx="minor">
+        <a:schemeClr val="lt1"/>
+      </a:fontRef>
+    </dgm:style>
+  </dgm:styleLbl>
+  <dgm:styleLbl name="asst3">
+    <dgm:scene3d>
+      <a:camera prst="orthographicFront"/>
+      <a:lightRig rig="threePt" dir="t"/>
+    </dgm:scene3d>
+    <dgm:sp3d/>
+    <dgm:txPr/>
+    <dgm:style>
+      <a:lnRef idx="0">
+        <a:scrgbClr r="0" g="0" b="0"/>
+      </a:lnRef>
+      <a:fillRef idx="3">
+        <a:scrgbClr r="0" g="0" b="0"/>
+      </a:fillRef>
+      <a:effectRef idx="2">
+        <a:scrgbClr r="0" g="0" b="0"/>
+      </a:effectRef>
+      <a:fontRef idx="minor">
+        <a:schemeClr val="lt1"/>
+      </a:fontRef>
+    </dgm:style>
+  </dgm:styleLbl>
+  <dgm:styleLbl name="asst4">
+    <dgm:scene3d>
+      <a:camera prst="orthographicFront"/>
+      <a:lightRig rig="threePt" dir="t"/>
+    </dgm:scene3d>
+    <dgm:sp3d/>
+    <dgm:txPr/>
+    <dgm:style>
+      <a:lnRef idx="0">
+        <a:scrgbClr r="0" g="0" b="0"/>
+      </a:lnRef>
+      <a:fillRef idx="3">
+        <a:scrgbClr r="0" g="0" b="0"/>
+      </a:fillRef>
+      <a:effectRef idx="2">
+        <a:scrgbClr r="0" g="0" b="0"/>
+      </a:effectRef>
+      <a:fontRef idx="minor">
+        <a:schemeClr val="lt1"/>
+      </a:fontRef>
+    </dgm:style>
+  </dgm:styleLbl>
+  <dgm:styleLbl name="parChTrans2D1">
+    <dgm:scene3d>
+      <a:camera prst="orthographicFront"/>
+      <a:lightRig rig="threePt" dir="t"/>
+    </dgm:scene3d>
+    <dgm:sp3d/>
+    <dgm:txPr/>
+    <dgm:style>
+      <a:lnRef idx="0">
+        <a:scrgbClr r="0" g="0" b="0"/>
+      </a:lnRef>
+      <a:fillRef idx="3">
+        <a:scrgbClr r="0" g="0" b="0"/>
+      </a:fillRef>
+      <a:effectRef idx="2">
+        <a:scrgbClr r="0" g="0" b="0"/>
+      </a:effectRef>
+      <a:fontRef idx="minor">
+        <a:schemeClr val="lt1"/>
+      </a:fontRef>
+    </dgm:style>
+  </dgm:styleLbl>
+  <dgm:styleLbl name="parChTrans2D2">
+    <dgm:scene3d>
+      <a:camera prst="orthographicFront"/>
+      <a:lightRig rig="threePt" dir="t"/>
+    </dgm:scene3d>
+    <dgm:sp3d/>
+    <dgm:txPr/>
+    <dgm:style>
+      <a:lnRef idx="0">
+        <a:scrgbClr r="0" g="0" b="0"/>
+      </a:lnRef>
+      <a:fillRef idx="3">
+        <a:scrgbClr r="0" g="0" b="0"/>
+      </a:fillRef>
+      <a:effectRef idx="2">
+        <a:scrgbClr r="0" g="0" b="0"/>
+      </a:effectRef>
+      <a:fontRef idx="minor">
+        <a:schemeClr val="lt1"/>
+      </a:fontRef>
+    </dgm:style>
+  </dgm:styleLbl>
+  <dgm:styleLbl name="parChTrans2D3">
+    <dgm:scene3d>
+      <a:camera prst="orthographicFront"/>
+      <a:lightRig rig="threePt" dir="t"/>
+    </dgm:scene3d>
+    <dgm:sp3d/>
+    <dgm:txPr/>
+    <dgm:style>
+      <a:lnRef idx="1">
+        <a:scrgbClr r="0" g="0" b="0"/>
+      </a:lnRef>
+      <a:fillRef idx="3">
+        <a:scrgbClr r="0" g="0" b="0"/>
+      </a:fillRef>
+      <a:effectRef idx="2">
+        <a:scrgbClr r="0" g="0" b="0"/>
+      </a:effectRef>
+      <a:fontRef idx="minor">
+        <a:schemeClr val="lt1"/>
+      </a:fontRef>
+    </dgm:style>
+  </dgm:styleLbl>
+  <dgm:styleLbl name="parChTrans2D4">
+    <dgm:scene3d>
+      <a:camera prst="orthographicFront"/>
+      <a:lightRig rig="threePt" dir="t"/>
+    </dgm:scene3d>
+    <dgm:sp3d/>
+    <dgm:txPr/>
+    <dgm:style>
+      <a:lnRef idx="1">
+        <a:scrgbClr r="0" g="0" b="0"/>
+      </a:lnRef>
+      <a:fillRef idx="3">
+        <a:scrgbClr r="0" g="0" b="0"/>
+      </a:fillRef>
+      <a:effectRef idx="2">
+        <a:scrgbClr r="0" g="0" b="0"/>
+      </a:effectRef>
+      <a:fontRef idx="minor">
+        <a:schemeClr val="lt1"/>
+      </a:fontRef>
+    </dgm:style>
+  </dgm:styleLbl>
+  <dgm:styleLbl name="parChTrans1D1">
+    <dgm:scene3d>
+      <a:camera prst="orthographicFront"/>
+      <a:lightRig rig="threePt" dir="t"/>
+    </dgm:scene3d>
+    <dgm:sp3d/>
+    <dgm:txPr/>
+    <dgm:style>
+      <a:lnRef idx="1">
+        <a:scrgbClr r="0" g="0" b="0"/>
+      </a:lnRef>
+      <a:fillRef idx="0">
+        <a:scrgbClr r="0" g="0" b="0"/>
+      </a:fillRef>
+      <a:effectRef idx="0">
+        <a:scrgbClr r="0" g="0" b="0"/>
+      </a:effectRef>
+      <a:fontRef idx="minor"/>
+    </dgm:style>
+  </dgm:styleLbl>
+  <dgm:styleLbl name="parChTrans1D2">
+    <dgm:scene3d>
+      <a:camera prst="orthographicFront"/>
+      <a:lightRig rig="threePt" dir="t"/>
+    </dgm:scene3d>
+    <dgm:sp3d/>
+    <dgm:txPr/>
+    <dgm:style>
+      <a:lnRef idx="1">
+        <a:scrgbClr r="0" g="0" b="0"/>
+      </a:lnRef>
+      <a:fillRef idx="0">
+        <a:scrgbClr r="0" g="0" b="0"/>
+      </a:fillRef>
+      <a:effectRef idx="0">
+        <a:scrgbClr r="0" g="0" b="0"/>
+      </a:effectRef>
+      <a:fontRef idx="minor"/>
+    </dgm:style>
+  </dgm:styleLbl>
+  <dgm:styleLbl name="parChTrans1D3">
+    <dgm:scene3d>
+      <a:camera prst="orthographicFront"/>
+      <a:lightRig rig="threePt" dir="t"/>
+    </dgm:scene3d>
+    <dgm:sp3d/>
+    <dgm:txPr/>
+    <dgm:style>
+      <a:lnRef idx="1">
+        <a:scrgbClr r="0" g="0" b="0"/>
+      </a:lnRef>
+      <a:fillRef idx="0">
+        <a:scrgbClr r="0" g="0" b="0"/>
+      </a:fillRef>
+      <a:effectRef idx="0">
+        <a:scrgbClr r="0" g="0" b="0"/>
+      </a:effectRef>
+      <a:fontRef idx="minor"/>
+    </dgm:style>
+  </dgm:styleLbl>
+  <dgm:styleLbl name="parChTrans1D4">
+    <dgm:scene3d>
+      <a:camera prst="orthographicFront"/>
+      <a:lightRig rig="threePt" dir="t"/>
+    </dgm:scene3d>
+    <dgm:sp3d/>
+    <dgm:txPr/>
+    <dgm:style>
+      <a:lnRef idx="1">
+        <a:scrgbClr r="0" g="0" b="0"/>
+      </a:lnRef>
+      <a:fillRef idx="0">
+        <a:scrgbClr r="0" g="0" b="0"/>
+      </a:fillRef>
+      <a:effectRef idx="0">
+        <a:scrgbClr r="0" g="0" b="0"/>
+      </a:effectRef>
+      <a:fontRef idx="minor"/>
+    </dgm:style>
+  </dgm:styleLbl>
+  <dgm:styleLbl name="fgAcc1">
+    <dgm:scene3d>
+      <a:camera prst="orthographicFront"/>
+      <a:lightRig rig="threePt" dir="t"/>
+    </dgm:scene3d>
+    <dgm:sp3d/>
+    <dgm:txPr/>
+    <dgm:style>
+      <a:lnRef idx="1">
+        <a:scrgbClr r="0" g="0" b="0"/>
+      </a:lnRef>
+      <a:fillRef idx="1">
+        <a:scrgbClr r="0" g="0" b="0"/>
+      </a:fillRef>
+      <a:effectRef idx="0">
+        <a:scrgbClr r="0" g="0" b="0"/>
+      </a:effectRef>
+      <a:fontRef idx="minor"/>
+    </dgm:style>
+  </dgm:styleLbl>
+  <dgm:styleLbl name="conFgAcc1">
+    <dgm:scene3d>
+      <a:camera prst="orthographicFront"/>
+      <a:lightRig rig="threePt" dir="t"/>
+    </dgm:scene3d>
+    <dgm:sp3d/>
+    <dgm:txPr/>
+    <dgm:style>
+      <a:lnRef idx="1">
+        <a:scrgbClr r="0" g="0" b="0"/>
+      </a:lnRef>
+      <a:fillRef idx="1">
+        <a:scrgbClr r="0" g="0" b="0"/>
+      </a:fillRef>
+      <a:effectRef idx="0">
+        <a:scrgbClr r="0" g="0" b="0"/>
+      </a:effectRef>
+      <a:fontRef idx="minor"/>
+    </dgm:style>
+  </dgm:styleLbl>
+  <dgm:styleLbl name="alignAcc1">
+    <dgm:scene3d>
+      <a:camera prst="orthographicFront"/>
+      <a:lightRig rig="threePt" dir="t"/>
+    </dgm:scene3d>
+    <dgm:sp3d/>
+    <dgm:txPr/>
+    <dgm:style>
+      <a:lnRef idx="1">
+        <a:scrgbClr r="0" g="0" b="0"/>
+      </a:lnRef>
+      <a:fillRef idx="1">
+        <a:scrgbClr r="0" g="0" b="0"/>
+      </a:fillRef>
+      <a:effectRef idx="0">
+        <a:scrgbClr r="0" g="0" b="0"/>
+      </a:effectRef>
+      <a:fontRef idx="minor"/>
+    </dgm:style>
+  </dgm:styleLbl>
+  <dgm:styleLbl name="trAlignAcc1">
+    <dgm:scene3d>
+      <a:camera prst="orthographicFront"/>
+      <a:lightRig rig="threePt" dir="t"/>
+    </dgm:scene3d>
+    <dgm:sp3d/>
+    <dgm:txPr/>
+    <dgm:style>
+      <a:lnRef idx="1">
+        <a:scrgbClr r="0" g="0" b="0"/>
+      </a:lnRef>
+      <a:fillRef idx="1">
+        <a:scrgbClr r="0" g="0" b="0"/>
+      </a:fillRef>
+      <a:effectRef idx="0">
+        <a:scrgbClr r="0" g="0" b="0"/>
+      </a:effectRef>
+      <a:fontRef idx="minor"/>
+    </dgm:style>
+  </dgm:styleLbl>
+  <dgm:styleLbl name="bgAcc1">
+    <dgm:scene3d>
+      <a:camera prst="orthographicFront"/>
+      <a:lightRig rig="threePt" dir="t"/>
+    </dgm:scene3d>
+    <dgm:sp3d/>
+    <dgm:txPr/>
+    <dgm:style>
+      <a:lnRef idx="1">
+        <a:scrgbClr r="0" g="0" b="0"/>
+      </a:lnRef>
+      <a:fillRef idx="1">
+        <a:scrgbClr r="0" g="0" b="0"/>
+      </a:fillRef>
+      <a:effectRef idx="0">
+        <a:scrgbClr r="0" g="0" b="0"/>
+      </a:effectRef>
+      <a:fontRef idx="minor"/>
+    </dgm:style>
+  </dgm:styleLbl>
+  <dgm:styleLbl name="solidFgAcc1">
+    <dgm:scene3d>
+      <a:camera prst="orthographicFront"/>
+      <a:lightRig rig="threePt" dir="t"/>
+    </dgm:scene3d>
+    <dgm:sp3d/>
+    <dgm:txPr/>
+    <dgm:style>
+      <a:lnRef idx="1">
+        <a:scrgbClr r="0" g="0" b="0"/>
+      </a:lnRef>
+      <a:fillRef idx="1">
+        <a:scrgbClr r="0" g="0" b="0"/>
+      </a:fillRef>
+      <a:effectRef idx="0">
+        <a:scrgbClr r="0" g="0" b="0"/>
+      </a:effectRef>
+      <a:fontRef idx="minor"/>
+    </dgm:style>
+  </dgm:styleLbl>
+  <dgm:styleLbl name="solidAlignAcc1">
+    <dgm:scene3d>
+      <a:camera prst="orthographicFront"/>
+      <a:lightRig rig="threePt" dir="t"/>
+    </dgm:scene3d>
+    <dgm:sp3d/>
+    <dgm:txPr/>
+    <dgm:style>
+      <a:lnRef idx="1">
+        <a:scrgbClr r="0" g="0" b="0"/>
+      </a:lnRef>
+      <a:fillRef idx="1">
+        <a:scrgbClr r="0" g="0" b="0"/>
+      </a:fillRef>
+      <a:effectRef idx="0">
+        <a:scrgbClr r="0" g="0" b="0"/>
+      </a:effectRef>
+      <a:fontRef idx="minor"/>
+    </dgm:style>
+  </dgm:styleLbl>
+  <dgm:styleLbl name="solidBgAcc1">
+    <dgm:scene3d>
+      <a:camera prst="orthographicFront"/>
+      <a:lightRig rig="threePt" dir="t"/>
+    </dgm:scene3d>
+    <dgm:sp3d/>
+    <dgm:txPr/>
+    <dgm:style>
+      <a:lnRef idx="1">
+        <a:scrgbClr r="0" g="0" b="0"/>
+      </a:lnRef>
+      <a:fillRef idx="1">
+        <a:scrgbClr r="0" g="0" b="0"/>
+      </a:fillRef>
+      <a:effectRef idx="0">
+        <a:scrgbClr r="0" g="0" b="0"/>
+      </a:effectRef>
+      <a:fontRef idx="minor"/>
+    </dgm:style>
+  </dgm:styleLbl>
+  <dgm:styleLbl name="fgAccFollowNode1">
+    <dgm:scene3d>
+      <a:camera prst="orthographicFront"/>
+      <a:lightRig rig="threePt" dir="t"/>
+    </dgm:scene3d>
+    <dgm:sp3d/>
+    <dgm:txPr/>
+    <dgm:style>
+      <a:lnRef idx="1">
+        <a:scrgbClr r="0" g="0" b="0"/>
+      </a:lnRef>
+      <a:fillRef idx="1">
+        <a:scrgbClr r="0" g="0" b="0"/>
+      </a:fillRef>
+      <a:effectRef idx="0">
+        <a:scrgbClr r="0" g="0" b="0"/>
+      </a:effectRef>
+      <a:fontRef idx="minor"/>
+    </dgm:style>
+  </dgm:styleLbl>
+  <dgm:styleLbl name="alignAccFollowNode1">
+    <dgm:scene3d>
+      <a:camera prst="orthographicFront"/>
+      <a:lightRig rig="threePt" dir="t"/>
+    </dgm:scene3d>
+    <dgm:sp3d/>
+    <dgm:txPr/>
+    <dgm:style>
+      <a:lnRef idx="1">
+        <a:scrgbClr r="0" g="0" b="0"/>
+      </a:lnRef>
+      <a:fillRef idx="1">
+        <a:scrgbClr r="0" g="0" b="0"/>
+      </a:fillRef>
+      <a:effectRef idx="0">
+        <a:scrgbClr r="0" g="0" b="0"/>
+      </a:effectRef>
+      <a:fontRef idx="minor"/>
+    </dgm:style>
+  </dgm:styleLbl>
+  <dgm:styleLbl name="bgAccFollowNode1">
+    <dgm:scene3d>
+      <a:camera prst="orthographicFront"/>
+      <a:lightRig rig="threePt" dir="t"/>
+    </dgm:scene3d>
+    <dgm:sp3d/>
+    <dgm:txPr/>
+    <dgm:style>
+      <a:lnRef idx="1">
+        <a:scrgbClr r="0" g="0" b="0"/>
+      </a:lnRef>
+      <a:fillRef idx="1">
+        <a:scrgbClr r="0" g="0" b="0"/>
+      </a:fillRef>
+      <a:effectRef idx="0">
+        <a:scrgbClr r="0" g="0" b="0"/>
+      </a:effectRef>
+      <a:fontRef idx="minor"/>
+    </dgm:style>
+  </dgm:styleLbl>
+  <dgm:styleLbl name="fgAcc0">
+    <dgm:scene3d>
+      <a:camera prst="orthographicFront"/>
+      <a:lightRig rig="threePt" dir="t"/>
+    </dgm:scene3d>
+    <dgm:sp3d/>
+    <dgm:txPr/>
+    <dgm:style>
+      <a:lnRef idx="1">
+        <a:scrgbClr r="0" g="0" b="0"/>
+      </a:lnRef>
+      <a:fillRef idx="1">
+        <a:scrgbClr r="0" g="0" b="0"/>
+      </a:fillRef>
+      <a:effectRef idx="0">
+        <a:scrgbClr r="0" g="0" b="0"/>
+      </a:effectRef>
+      <a:fontRef idx="minor"/>
+    </dgm:style>
+  </dgm:styleLbl>
+  <dgm:styleLbl name="fgAcc2">
+    <dgm:scene3d>
+      <a:camera prst="orthographicFront"/>
+      <a:lightRig rig="threePt" dir="t"/>
+    </dgm:scene3d>
+    <dgm:sp3d/>
+    <dgm:txPr/>
+    <dgm:style>
+      <a:lnRef idx="1">
+        <a:scrgbClr r="0" g="0" b="0"/>
+      </a:lnRef>
+      <a:fillRef idx="1">
+        <a:scrgbClr r="0" g="0" b="0"/>
+      </a:fillRef>
+      <a:effectRef idx="0">
+        <a:scrgbClr r="0" g="0" b="0"/>
+      </a:effectRef>
+      <a:fontRef idx="minor"/>
+    </dgm:style>
+  </dgm:styleLbl>
+  <dgm:styleLbl name="fgAcc3">
+    <dgm:scene3d>
+      <a:camera prst="orthographicFront"/>
+      <a:lightRig rig="threePt" dir="t"/>
+    </dgm:scene3d>
+    <dgm:sp3d/>
+    <dgm:txPr/>
+    <dgm:style>
+      <a:lnRef idx="1">
+        <a:scrgbClr r="0" g="0" b="0"/>
+      </a:lnRef>
+      <a:fillRef idx="1">
+        <a:scrgbClr r="0" g="0" b="0"/>
+      </a:fillRef>
+      <a:effectRef idx="0">
+        <a:scrgbClr r="0" g="0" b="0"/>
+      </a:effectRef>
+      <a:fontRef idx="minor"/>
+    </dgm:style>
+  </dgm:styleLbl>
+  <dgm:styleLbl name="fgAcc4">
+    <dgm:scene3d>
+      <a:camera prst="orthographicFront"/>
+      <a:lightRig rig="threePt" dir="t"/>
+    </dgm:scene3d>
+    <dgm:sp3d/>
+    <dgm:txPr/>
+    <dgm:style>
+      <a:lnRef idx="1">
+        <a:scrgbClr r="0" g="0" b="0"/>
+      </a:lnRef>
+      <a:fillRef idx="1">
+        <a:scrgbClr r="0" g="0" b="0"/>
+      </a:fillRef>
+      <a:effectRef idx="0">
+        <a:scrgbClr r="0" g="0" b="0"/>
+      </a:effectRef>
+      <a:fontRef idx="minor"/>
+    </dgm:style>
+  </dgm:styleLbl>
+  <dgm:styleLbl name="bgShp">
+    <dgm:scene3d>
+      <a:camera prst="orthographicFront"/>
+      <a:lightRig rig="threePt" dir="t"/>
+    </dgm:scene3d>
+    <dgm:sp3d/>
+    <dgm:txPr/>
+    <dgm:style>
+      <a:lnRef idx="0">
+        <a:scrgbClr r="0" g="0" b="0"/>
+      </a:lnRef>
+      <a:fillRef idx="1">
+        <a:scrgbClr r="0" g="0" b="0"/>
+      </a:fillRef>
+      <a:effectRef idx="2">
+        <a:scrgbClr r="0" g="0" b="0"/>
+      </a:effectRef>
+      <a:fontRef idx="minor"/>
+    </dgm:style>
+  </dgm:styleLbl>
+  <dgm:styleLbl name="dkBgShp">
+    <dgm:scene3d>
+      <a:camera prst="orthographicFront"/>
+      <a:lightRig rig="threePt" dir="t"/>
+    </dgm:scene3d>
+    <dgm:sp3d/>
+    <dgm:txPr/>
+    <dgm:style>
+      <a:lnRef idx="0">
+        <a:scrgbClr r="0" g="0" b="0"/>
+      </a:lnRef>
+      <a:fillRef idx="1">
+        <a:scrgbClr r="0" g="0" b="0"/>
+      </a:fillRef>
+      <a:effectRef idx="2">
+        <a:scrgbClr r="0" g="0" b="0"/>
+      </a:effectRef>
+      <a:fontRef idx="minor"/>
+    </dgm:style>
+  </dgm:styleLbl>
+  <dgm:styleLbl name="trBgShp">
+    <dgm:scene3d>
+      <a:camera prst="orthographicFront"/>
+      <a:lightRig rig="threePt" dir="t"/>
+    </dgm:scene3d>
+    <dgm:sp3d/>
+    <dgm:txPr/>
+    <dgm:style>
+      <a:lnRef idx="0">
+        <a:scrgbClr r="0" g="0" b="0"/>
+      </a:lnRef>
+      <a:fillRef idx="1">
+        <a:scrgbClr r="0" g="0" b="0"/>
+      </a:fillRef>
+      <a:effectRef idx="0">
+        <a:scrgbClr r="0" g="0" b="0"/>
+      </a:effectRef>
+      <a:fontRef idx="minor"/>
+    </dgm:style>
+  </dgm:styleLbl>
+  <dgm:styleLbl name="fgShp">
+    <dgm:scene3d>
+      <a:camera prst="orthographicFront"/>
+      <a:lightRig rig="threePt" dir="t"/>
+    </dgm:scene3d>
+    <dgm:sp3d/>
+    <dgm:txPr/>
+    <dgm:style>
+      <a:lnRef idx="0">
+        <a:scrgbClr r="0" g="0" b="0"/>
+      </a:lnRef>
+      <a:fillRef idx="3">
+        <a:scrgbClr r="0" g="0" b="0"/>
+      </a:fillRef>
+      <a:effectRef idx="2">
+        <a:scrgbClr r="0" g="0" b="0"/>
+      </a:effectRef>
+      <a:fontRef idx="minor"/>
+    </dgm:style>
+  </dgm:styleLbl>
+  <dgm:styleLbl name="revTx">
+    <dgm:scene3d>
+      <a:camera prst="orthographicFront"/>
+      <a:lightRig rig="threePt" dir="t"/>
+    </dgm:scene3d>
+    <dgm:sp3d/>
+    <dgm:txPr/>
+    <dgm:style>
+      <a:lnRef idx="0">
+        <a:scrgbClr r="0" g="0" b="0"/>
+      </a:lnRef>
+      <a:fillRef idx="0">
+        <a:scrgbClr r="0" g="0" b="0"/>
+      </a:fillRef>
+      <a:effectRef idx="0">
+        <a:scrgbClr r="0" g="0" b="0"/>
+      </a:effectRef>
+      <a:fontRef idx="minor"/>
+    </dgm:style>
+  </dgm:styleLbl>
+</dgm:styleDef>
+</file>
+
+<file path=ppt/diagrams/quickStyle2.xml><?xml version="1.0" encoding="utf-8"?>
 <dgm:styleDef xmlns:dgm="http://schemas.openxmlformats.org/drawingml/2006/diagram" xmlns:a="http://schemas.openxmlformats.org/drawingml/2006/main" uniqueId="urn:microsoft.com/office/officeart/2005/8/quickstyle/simple4">
   <dgm:title val=""/>
   <dgm:desc val=""/>
@@ -3279,7 +7113,7 @@
           <a:p>
             <a:fld id="{952C9337-F24C-894A-B8D5-117F344B0391}" type="datetimeFigureOut">
               <a:rPr kumimoji="1" lang="zh-CN" altLang="en-US" smtClean="0"/>
-              <a:t>17/6/13</a:t>
+              <a:t>17/6/16</a:t>
             </a:fld>
             <a:endParaRPr kumimoji="1" lang="zh-CN" altLang="en-US"/>
           </a:p>
@@ -3449,7 +7283,7 @@
           <a:p>
             <a:fld id="{952C9337-F24C-894A-B8D5-117F344B0391}" type="datetimeFigureOut">
               <a:rPr kumimoji="1" lang="zh-CN" altLang="en-US" smtClean="0"/>
-              <a:t>17/6/13</a:t>
+              <a:t>17/6/16</a:t>
             </a:fld>
             <a:endParaRPr kumimoji="1" lang="zh-CN" altLang="en-US"/>
           </a:p>
@@ -3629,7 +7463,7 @@
           <a:p>
             <a:fld id="{952C9337-F24C-894A-B8D5-117F344B0391}" type="datetimeFigureOut">
               <a:rPr kumimoji="1" lang="zh-CN" altLang="en-US" smtClean="0"/>
-              <a:t>17/6/13</a:t>
+              <a:t>17/6/16</a:t>
             </a:fld>
             <a:endParaRPr kumimoji="1" lang="zh-CN" altLang="en-US"/>
           </a:p>
@@ -3799,7 +7633,7 @@
           <a:p>
             <a:fld id="{952C9337-F24C-894A-B8D5-117F344B0391}" type="datetimeFigureOut">
               <a:rPr kumimoji="1" lang="zh-CN" altLang="en-US" smtClean="0"/>
-              <a:t>17/6/13</a:t>
+              <a:t>17/6/16</a:t>
             </a:fld>
             <a:endParaRPr kumimoji="1" lang="zh-CN" altLang="en-US"/>
           </a:p>
@@ -4045,7 +7879,7 @@
           <a:p>
             <a:fld id="{952C9337-F24C-894A-B8D5-117F344B0391}" type="datetimeFigureOut">
               <a:rPr kumimoji="1" lang="zh-CN" altLang="en-US" smtClean="0"/>
-              <a:t>17/6/13</a:t>
+              <a:t>17/6/16</a:t>
             </a:fld>
             <a:endParaRPr kumimoji="1" lang="zh-CN" altLang="en-US"/>
           </a:p>
@@ -4277,7 +8111,7 @@
           <a:p>
             <a:fld id="{952C9337-F24C-894A-B8D5-117F344B0391}" type="datetimeFigureOut">
               <a:rPr kumimoji="1" lang="zh-CN" altLang="en-US" smtClean="0"/>
-              <a:t>17/6/13</a:t>
+              <a:t>17/6/16</a:t>
             </a:fld>
             <a:endParaRPr kumimoji="1" lang="zh-CN" altLang="en-US"/>
           </a:p>
@@ -4644,7 +8478,7 @@
           <a:p>
             <a:fld id="{952C9337-F24C-894A-B8D5-117F344B0391}" type="datetimeFigureOut">
               <a:rPr kumimoji="1" lang="zh-CN" altLang="en-US" smtClean="0"/>
-              <a:t>17/6/13</a:t>
+              <a:t>17/6/16</a:t>
             </a:fld>
             <a:endParaRPr kumimoji="1" lang="zh-CN" altLang="en-US"/>
           </a:p>
@@ -4762,7 +8596,7 @@
           <a:p>
             <a:fld id="{952C9337-F24C-894A-B8D5-117F344B0391}" type="datetimeFigureOut">
               <a:rPr kumimoji="1" lang="zh-CN" altLang="en-US" smtClean="0"/>
-              <a:t>17/6/13</a:t>
+              <a:t>17/6/16</a:t>
             </a:fld>
             <a:endParaRPr kumimoji="1" lang="zh-CN" altLang="en-US"/>
           </a:p>
@@ -4857,7 +8691,7 @@
           <a:p>
             <a:fld id="{952C9337-F24C-894A-B8D5-117F344B0391}" type="datetimeFigureOut">
               <a:rPr kumimoji="1" lang="zh-CN" altLang="en-US" smtClean="0"/>
-              <a:t>17/6/13</a:t>
+              <a:t>17/6/16</a:t>
             </a:fld>
             <a:endParaRPr kumimoji="1" lang="zh-CN" altLang="en-US"/>
           </a:p>
@@ -5134,7 +8968,7 @@
           <a:p>
             <a:fld id="{952C9337-F24C-894A-B8D5-117F344B0391}" type="datetimeFigureOut">
               <a:rPr kumimoji="1" lang="zh-CN" altLang="en-US" smtClean="0"/>
-              <a:t>17/6/13</a:t>
+              <a:t>17/6/16</a:t>
             </a:fld>
             <a:endParaRPr kumimoji="1" lang="zh-CN" altLang="en-US"/>
           </a:p>
@@ -5387,7 +9221,7 @@
           <a:p>
             <a:fld id="{952C9337-F24C-894A-B8D5-117F344B0391}" type="datetimeFigureOut">
               <a:rPr kumimoji="1" lang="zh-CN" altLang="en-US" smtClean="0"/>
-              <a:t>17/6/13</a:t>
+              <a:t>17/6/16</a:t>
             </a:fld>
             <a:endParaRPr kumimoji="1" lang="zh-CN" altLang="en-US"/>
           </a:p>
@@ -5600,7 +9434,7 @@
           <a:p>
             <a:fld id="{952C9337-F24C-894A-B8D5-117F344B0391}" type="datetimeFigureOut">
               <a:rPr kumimoji="1" lang="zh-CN" altLang="en-US" smtClean="0"/>
-              <a:t>17/6/13</a:t>
+              <a:t>17/6/16</a:t>
             </a:fld>
             <a:endParaRPr kumimoji="1" lang="zh-CN" altLang="en-US"/>
           </a:p>
@@ -6012,14 +9846,14 @@
           <p:nvPr>
             <p:extLst>
               <p:ext uri="{D42A27DB-BD31-4B8C-83A1-F6EECF244321}">
-                <p14:modId xmlns:p14="http://schemas.microsoft.com/office/powerpoint/2010/main" val="257675105"/>
+                <p14:modId xmlns:p14="http://schemas.microsoft.com/office/powerpoint/2010/main" val="1012502954"/>
               </p:ext>
             </p:extLst>
           </p:nvPr>
         </p:nvGraphicFramePr>
         <p:xfrm>
-          <a:off x="264695" y="719666"/>
-          <a:ext cx="11694694" cy="5418667"/>
+          <a:off x="1895060" y="1526025"/>
+          <a:ext cx="9096919" cy="3805950"/>
         </p:xfrm>
         <a:graphic>
           <a:graphicData uri="http://schemas.openxmlformats.org/drawingml/2006/diagram">
@@ -6037,6 +9871,13 @@
   <p:clrMapOvr>
     <a:masterClrMapping/>
   </p:clrMapOvr>
+  <p:timing>
+    <p:tnLst>
+      <p:par>
+        <p:cTn id="1" dur="indefinite" restart="never" nodeType="tmRoot"/>
+      </p:par>
+    </p:tnLst>
+  </p:timing>
 </p:sld>
 </file>
 
@@ -6129,6 +9970,65 @@
   <p:clrMapOvr>
     <a:masterClrMapping/>
   </p:clrMapOvr>
+</p:sld>
+</file>
+
+<file path=ppt/slides/slide3.xml><?xml version="1.0" encoding="utf-8"?>
+<p:sld xmlns:a="http://schemas.openxmlformats.org/drawingml/2006/main" xmlns:r="http://schemas.openxmlformats.org/officeDocument/2006/relationships" xmlns:p="http://schemas.openxmlformats.org/presentationml/2006/main">
+  <p:cSld>
+    <p:spTree>
+      <p:nvGrpSpPr>
+        <p:cNvPr id="1" name=""/>
+        <p:cNvGrpSpPr/>
+        <p:nvPr/>
+      </p:nvGrpSpPr>
+      <p:grpSpPr>
+        <a:xfrm>
+          <a:off x="0" y="0"/>
+          <a:ext cx="0" cy="0"/>
+          <a:chOff x="0" y="0"/>
+          <a:chExt cx="0" cy="0"/>
+        </a:xfrm>
+      </p:grpSpPr>
+      <p:graphicFrame>
+        <p:nvGraphicFramePr>
+          <p:cNvPr id="4" name="图表 3"/>
+          <p:cNvGraphicFramePr/>
+          <p:nvPr>
+            <p:extLst>
+              <p:ext uri="{D42A27DB-BD31-4B8C-83A1-F6EECF244321}">
+                <p14:modId xmlns:p14="http://schemas.microsoft.com/office/powerpoint/2010/main" val="496987743"/>
+              </p:ext>
+            </p:extLst>
+          </p:nvPr>
+        </p:nvGraphicFramePr>
+        <p:xfrm>
+          <a:off x="92765" y="719666"/>
+          <a:ext cx="12099235" cy="5418667"/>
+        </p:xfrm>
+        <a:graphic>
+          <a:graphicData uri="http://schemas.openxmlformats.org/drawingml/2006/diagram">
+            <dgm:relIds xmlns:dgm="http://schemas.openxmlformats.org/drawingml/2006/diagram" xmlns:r="http://schemas.openxmlformats.org/officeDocument/2006/relationships" r:dm="rId2" r:lo="rId3" r:qs="rId4" r:cs="rId5"/>
+          </a:graphicData>
+        </a:graphic>
+      </p:graphicFrame>
+    </p:spTree>
+    <p:extLst>
+      <p:ext uri="{BB962C8B-B14F-4D97-AF65-F5344CB8AC3E}">
+        <p14:creationId xmlns:p14="http://schemas.microsoft.com/office/powerpoint/2010/main" val="1957747793"/>
+      </p:ext>
+    </p:extLst>
+  </p:cSld>
+  <p:clrMapOvr>
+    <a:masterClrMapping/>
+  </p:clrMapOvr>
+  <p:timing>
+    <p:tnLst>
+      <p:par>
+        <p:cTn id="1" dur="indefinite" restart="never" nodeType="tmRoot"/>
+      </p:par>
+    </p:tnLst>
+  </p:timing>
 </p:sld>
 </file>
 

--- a/绘图.pptx
+++ b/绘图.pptx
@@ -2661,8 +2661,8 @@
       </dsp:nvSpPr>
       <dsp:spPr>
         <a:xfrm>
-          <a:off x="0" y="1141785"/>
-          <a:ext cx="9096919" cy="1522380"/>
+          <a:off x="0" y="975415"/>
+          <a:ext cx="9096919" cy="1300553"/>
         </a:xfrm>
         <a:prstGeom prst="notchedRightArrow">
           <a:avLst/>
@@ -2702,7 +2702,7 @@
       <dsp:spPr>
         <a:xfrm>
           <a:off x="3997" y="0"/>
-          <a:ext cx="2638461" cy="1522380"/>
+          <a:ext cx="2638461" cy="1300553"/>
         </a:xfrm>
         <a:prstGeom prst="rect">
           <a:avLst/>
@@ -2810,7 +2810,7 @@
       </dsp:txBody>
       <dsp:txXfrm>
         <a:off x="3997" y="0"/>
-        <a:ext cx="2638461" cy="1522380"/>
+        <a:ext cx="2638461" cy="1300553"/>
       </dsp:txXfrm>
     </dsp:sp>
     <dsp:sp modelId="{DE8006EB-C060-6943-AF5D-3B97AFF6F2A5}">
@@ -2820,8 +2820,8 @@
       </dsp:nvSpPr>
       <dsp:spPr>
         <a:xfrm>
-          <a:off x="1132931" y="1712677"/>
-          <a:ext cx="380595" cy="380595"/>
+          <a:off x="1160659" y="1463122"/>
+          <a:ext cx="325138" cy="325138"/>
         </a:xfrm>
         <a:prstGeom prst="ellipse">
           <a:avLst/>
@@ -2891,8 +2891,8 @@
       </dsp:nvSpPr>
       <dsp:spPr>
         <a:xfrm>
-          <a:off x="2774382" y="2283570"/>
-          <a:ext cx="2638461" cy="1522380"/>
+          <a:off x="2774382" y="1950830"/>
+          <a:ext cx="2638461" cy="1300553"/>
         </a:xfrm>
         <a:prstGeom prst="rect">
           <a:avLst/>
@@ -3026,8 +3026,8 @@
         </a:p>
       </dsp:txBody>
       <dsp:txXfrm>
-        <a:off x="2774382" y="2283570"/>
-        <a:ext cx="2638461" cy="1522380"/>
+        <a:off x="2774382" y="1950830"/>
+        <a:ext cx="2638461" cy="1300553"/>
       </dsp:txXfrm>
     </dsp:sp>
     <dsp:sp modelId="{FD079F88-3701-964D-B5C6-AD44EF8BB1A0}">
@@ -3037,8 +3037,8 @@
       </dsp:nvSpPr>
       <dsp:spPr>
         <a:xfrm>
-          <a:off x="3903316" y="1712677"/>
-          <a:ext cx="380595" cy="380595"/>
+          <a:off x="3931044" y="1463122"/>
+          <a:ext cx="325138" cy="325138"/>
         </a:xfrm>
         <a:prstGeom prst="ellipse">
           <a:avLst/>
@@ -3109,7 +3109,7 @@
       <dsp:spPr>
         <a:xfrm>
           <a:off x="5544767" y="0"/>
-          <a:ext cx="2638461" cy="1522380"/>
+          <a:ext cx="2638461" cy="1300553"/>
         </a:xfrm>
         <a:prstGeom prst="rect">
           <a:avLst/>
@@ -3193,7 +3193,7 @@
       </dsp:txBody>
       <dsp:txXfrm>
         <a:off x="5544767" y="0"/>
-        <a:ext cx="2638461" cy="1522380"/>
+        <a:ext cx="2638461" cy="1300553"/>
       </dsp:txXfrm>
     </dsp:sp>
     <dsp:sp modelId="{30CE4B6E-3775-1740-B5DF-AEFB806BDDBB}">
@@ -3203,8 +3203,8 @@
       </dsp:nvSpPr>
       <dsp:spPr>
         <a:xfrm>
-          <a:off x="6673701" y="1712677"/>
-          <a:ext cx="380595" cy="380595"/>
+          <a:off x="6701429" y="1463122"/>
+          <a:ext cx="325138" cy="325138"/>
         </a:xfrm>
         <a:prstGeom prst="ellipse">
           <a:avLst/>
@@ -9846,14 +9846,14 @@
           <p:nvPr>
             <p:extLst>
               <p:ext uri="{D42A27DB-BD31-4B8C-83A1-F6EECF244321}">
-                <p14:modId xmlns:p14="http://schemas.microsoft.com/office/powerpoint/2010/main" val="1012502954"/>
+                <p14:modId xmlns:p14="http://schemas.microsoft.com/office/powerpoint/2010/main" val="1285228804"/>
               </p:ext>
             </p:extLst>
           </p:nvPr>
         </p:nvGraphicFramePr>
         <p:xfrm>
-          <a:off x="1895060" y="1526025"/>
-          <a:ext cx="9096919" cy="3805950"/>
+          <a:off x="1895060" y="2080591"/>
+          <a:ext cx="9096919" cy="3251384"/>
         </p:xfrm>
         <a:graphic>
           <a:graphicData uri="http://schemas.openxmlformats.org/drawingml/2006/diagram">
